--- a/TPs/TP_01_Sympact_Statique/TP_01_Sympact_Correction.pptx
+++ b/TPs/TP_01_Sympact_Statique/TP_01_Sympact_Correction.pptx
@@ -8,6 +8,8 @@
     <p:sldId id="256" r:id="rId2"/>
     <p:sldId id="258" r:id="rId3"/>
     <p:sldId id="257" r:id="rId4"/>
+    <p:sldId id="260" r:id="rId5"/>
+    <p:sldId id="259" r:id="rId6"/>
   </p:sldIdLst>
   <p:sldSz cx="12192000" cy="6858000"/>
   <p:notesSz cx="6858000" cy="9144000"/>
@@ -272,7 +274,7 @@
           <a:p>
             <a:fld id="{8AAB5A56-9FCC-43E3-B6ED-50DB8CA1C8D6}" type="datetimeFigureOut">
               <a:rPr lang="fr-FR" smtClean="0"/>
-              <a:t>07/01/2022</a:t>
+              <a:t>25/11/2022</a:t>
             </a:fld>
             <a:endParaRPr lang="fr-FR"/>
           </a:p>
@@ -470,7 +472,7 @@
           <a:p>
             <a:fld id="{8AAB5A56-9FCC-43E3-B6ED-50DB8CA1C8D6}" type="datetimeFigureOut">
               <a:rPr lang="fr-FR" smtClean="0"/>
-              <a:t>07/01/2022</a:t>
+              <a:t>25/11/2022</a:t>
             </a:fld>
             <a:endParaRPr lang="fr-FR"/>
           </a:p>
@@ -678,7 +680,7 @@
           <a:p>
             <a:fld id="{8AAB5A56-9FCC-43E3-B6ED-50DB8CA1C8D6}" type="datetimeFigureOut">
               <a:rPr lang="fr-FR" smtClean="0"/>
-              <a:t>07/01/2022</a:t>
+              <a:t>25/11/2022</a:t>
             </a:fld>
             <a:endParaRPr lang="fr-FR"/>
           </a:p>
@@ -876,7 +878,7 @@
           <a:p>
             <a:fld id="{8AAB5A56-9FCC-43E3-B6ED-50DB8CA1C8D6}" type="datetimeFigureOut">
               <a:rPr lang="fr-FR" smtClean="0"/>
-              <a:t>07/01/2022</a:t>
+              <a:t>25/11/2022</a:t>
             </a:fld>
             <a:endParaRPr lang="fr-FR"/>
           </a:p>
@@ -1151,7 +1153,7 @@
           <a:p>
             <a:fld id="{8AAB5A56-9FCC-43E3-B6ED-50DB8CA1C8D6}" type="datetimeFigureOut">
               <a:rPr lang="fr-FR" smtClean="0"/>
-              <a:t>07/01/2022</a:t>
+              <a:t>25/11/2022</a:t>
             </a:fld>
             <a:endParaRPr lang="fr-FR"/>
           </a:p>
@@ -1416,7 +1418,7 @@
           <a:p>
             <a:fld id="{8AAB5A56-9FCC-43E3-B6ED-50DB8CA1C8D6}" type="datetimeFigureOut">
               <a:rPr lang="fr-FR" smtClean="0"/>
-              <a:t>07/01/2022</a:t>
+              <a:t>25/11/2022</a:t>
             </a:fld>
             <a:endParaRPr lang="fr-FR"/>
           </a:p>
@@ -1828,7 +1830,7 @@
           <a:p>
             <a:fld id="{8AAB5A56-9FCC-43E3-B6ED-50DB8CA1C8D6}" type="datetimeFigureOut">
               <a:rPr lang="fr-FR" smtClean="0"/>
-              <a:t>07/01/2022</a:t>
+              <a:t>25/11/2022</a:t>
             </a:fld>
             <a:endParaRPr lang="fr-FR"/>
           </a:p>
@@ -1969,7 +1971,7 @@
           <a:p>
             <a:fld id="{8AAB5A56-9FCC-43E3-B6ED-50DB8CA1C8D6}" type="datetimeFigureOut">
               <a:rPr lang="fr-FR" smtClean="0"/>
-              <a:t>07/01/2022</a:t>
+              <a:t>25/11/2022</a:t>
             </a:fld>
             <a:endParaRPr lang="fr-FR"/>
           </a:p>
@@ -2082,7 +2084,7 @@
           <a:p>
             <a:fld id="{8AAB5A56-9FCC-43E3-B6ED-50DB8CA1C8D6}" type="datetimeFigureOut">
               <a:rPr lang="fr-FR" smtClean="0"/>
-              <a:t>07/01/2022</a:t>
+              <a:t>25/11/2022</a:t>
             </a:fld>
             <a:endParaRPr lang="fr-FR"/>
           </a:p>
@@ -2393,7 +2395,7 @@
           <a:p>
             <a:fld id="{8AAB5A56-9FCC-43E3-B6ED-50DB8CA1C8D6}" type="datetimeFigureOut">
               <a:rPr lang="fr-FR" smtClean="0"/>
-              <a:t>07/01/2022</a:t>
+              <a:t>25/11/2022</a:t>
             </a:fld>
             <a:endParaRPr lang="fr-FR"/>
           </a:p>
@@ -2681,7 +2683,7 @@
           <a:p>
             <a:fld id="{8AAB5A56-9FCC-43E3-B6ED-50DB8CA1C8D6}" type="datetimeFigureOut">
               <a:rPr lang="fr-FR" smtClean="0"/>
-              <a:t>07/01/2022</a:t>
+              <a:t>25/11/2022</a:t>
             </a:fld>
             <a:endParaRPr lang="fr-FR"/>
           </a:p>
@@ -2922,7 +2924,7 @@
           <a:p>
             <a:fld id="{8AAB5A56-9FCC-43E3-B6ED-50DB8CA1C8D6}" type="datetimeFigureOut">
               <a:rPr lang="fr-FR" smtClean="0"/>
-              <a:t>07/01/2022</a:t>
+              <a:t>25/11/2022</a:t>
             </a:fld>
             <a:endParaRPr lang="fr-FR"/>
           </a:p>
@@ -8849,7 +8851,3751 @@
             </p:nvSpPr>
             <p:spPr>
               <a:xfrm>
-                <a:off x="4592665" y="1825625"/>
+                <a:off x="8198587" y="2698669"/>
+                <a:ext cx="3350856" cy="1742812"/>
+              </a:xfrm>
+            </p:spPr>
+            <p:txBody>
+              <a:bodyPr>
+                <a:normAutofit/>
+              </a:bodyPr>
+              <a:lstStyle/>
+              <a:p>
+                <a:r>
+                  <a:rPr lang="fr-FR" sz="2000" b="1" i="1" dirty="0"/>
+                  <a:t>Paramétrage géométrique</a:t>
+                </a:r>
+                <a:endParaRPr lang="fr-FR" sz="2000" i="1" dirty="0">
+                  <a:latin typeface="Cambria Math" panose="02040503050406030204" pitchFamily="18" charset="0"/>
+                </a:endParaRPr>
+              </a:p>
+              <a:p>
+                <a:pPr lvl="1"/>
+                <a14:m>
+                  <m:oMath xmlns:m="http://schemas.openxmlformats.org/officeDocument/2006/math">
+                    <m:acc>
+                      <m:accPr>
+                        <m:chr m:val="⃗"/>
+                        <m:ctrlPr>
+                          <a:rPr lang="fr-FR" sz="1800" i="1" smtClean="0">
+                            <a:latin typeface="Cambria Math" panose="02040503050406030204" pitchFamily="18" charset="0"/>
+                          </a:rPr>
+                        </m:ctrlPr>
+                      </m:accPr>
+                      <m:e>
+                        <m:r>
+                          <a:rPr lang="fr-FR" sz="1800" b="0" i="1" smtClean="0">
+                            <a:latin typeface="Cambria Math" panose="02040503050406030204" pitchFamily="18" charset="0"/>
+                          </a:rPr>
+                          <m:t>𝐴</m:t>
+                        </m:r>
+                        <m:sSub>
+                          <m:sSubPr>
+                            <m:ctrlPr>
+                              <a:rPr lang="fr-FR" sz="1800" b="0" i="1" smtClean="0">
+                                <a:latin typeface="Cambria Math" panose="02040503050406030204" pitchFamily="18" charset="0"/>
+                              </a:rPr>
+                            </m:ctrlPr>
+                          </m:sSubPr>
+                          <m:e>
+                            <m:r>
+                              <a:rPr lang="fr-FR" sz="1800" b="0" i="1" smtClean="0">
+                                <a:latin typeface="Cambria Math" panose="02040503050406030204" pitchFamily="18" charset="0"/>
+                              </a:rPr>
+                              <m:t>𝐺</m:t>
+                            </m:r>
+                          </m:e>
+                          <m:sub>
+                            <m:r>
+                              <a:rPr lang="fr-FR" sz="1800" b="0" i="1" smtClean="0">
+                                <a:latin typeface="Cambria Math" panose="02040503050406030204" pitchFamily="18" charset="0"/>
+                              </a:rPr>
+                              <m:t>𝐵</m:t>
+                            </m:r>
+                          </m:sub>
+                        </m:sSub>
+                      </m:e>
+                    </m:acc>
+                    <m:r>
+                      <a:rPr lang="fr-FR" sz="1800" b="0" i="1" smtClean="0">
+                        <a:latin typeface="Cambria Math" panose="02040503050406030204" pitchFamily="18" charset="0"/>
+                      </a:rPr>
+                      <m:t>=</m:t>
+                    </m:r>
+                    <m:sSub>
+                      <m:sSubPr>
+                        <m:ctrlPr>
+                          <a:rPr lang="fr-FR" sz="1800" b="0" i="1" smtClean="0">
+                            <a:latin typeface="Cambria Math" panose="02040503050406030204" pitchFamily="18" charset="0"/>
+                          </a:rPr>
+                        </m:ctrlPr>
+                      </m:sSubPr>
+                      <m:e>
+                        <m:r>
+                          <a:rPr lang="fr-FR" sz="1800" b="0" i="1" smtClean="0">
+                            <a:latin typeface="Cambria Math" panose="02040503050406030204" pitchFamily="18" charset="0"/>
+                          </a:rPr>
+                          <m:t>𝐿</m:t>
+                        </m:r>
+                      </m:e>
+                      <m:sub>
+                        <m:r>
+                          <a:rPr lang="fr-FR" sz="1800" b="0" i="1" smtClean="0">
+                            <a:latin typeface="Cambria Math" panose="02040503050406030204" pitchFamily="18" charset="0"/>
+                          </a:rPr>
+                          <m:t>𝐵</m:t>
+                        </m:r>
+                      </m:sub>
+                    </m:sSub>
+                    <m:acc>
+                      <m:accPr>
+                        <m:chr m:val="⃗"/>
+                        <m:ctrlPr>
+                          <a:rPr lang="fr-FR" sz="1800" b="0" i="1" smtClean="0">
+                            <a:latin typeface="Cambria Math" panose="02040503050406030204" pitchFamily="18" charset="0"/>
+                          </a:rPr>
+                        </m:ctrlPr>
+                      </m:accPr>
+                      <m:e>
+                        <m:sSub>
+                          <m:sSubPr>
+                            <m:ctrlPr>
+                              <a:rPr lang="fr-FR" sz="1800" b="0" i="1" smtClean="0">
+                                <a:latin typeface="Cambria Math" panose="02040503050406030204" pitchFamily="18" charset="0"/>
+                              </a:rPr>
+                            </m:ctrlPr>
+                          </m:sSubPr>
+                          <m:e>
+                            <m:r>
+                              <a:rPr lang="fr-FR" sz="1800" b="0" i="1" smtClean="0">
+                                <a:latin typeface="Cambria Math" panose="02040503050406030204" pitchFamily="18" charset="0"/>
+                              </a:rPr>
+                              <m:t>𝑥</m:t>
+                            </m:r>
+                          </m:e>
+                          <m:sub>
+                            <m:r>
+                              <a:rPr lang="fr-FR" sz="1800" b="0" i="1" smtClean="0">
+                                <a:latin typeface="Cambria Math" panose="02040503050406030204" pitchFamily="18" charset="0"/>
+                              </a:rPr>
+                              <m:t>1</m:t>
+                            </m:r>
+                          </m:sub>
+                        </m:sSub>
+                      </m:e>
+                    </m:acc>
+                  </m:oMath>
+                </a14:m>
+                <a:endParaRPr lang="fr-FR" sz="1800" dirty="0"/>
+              </a:p>
+              <a:p>
+                <a:pPr lvl="1"/>
+                <a14:m>
+                  <m:oMath xmlns:m="http://schemas.openxmlformats.org/officeDocument/2006/math">
+                    <m:acc>
+                      <m:accPr>
+                        <m:chr m:val="⃗"/>
+                        <m:ctrlPr>
+                          <a:rPr lang="fr-FR" sz="1800" i="1" smtClean="0">
+                            <a:latin typeface="Cambria Math" panose="02040503050406030204" pitchFamily="18" charset="0"/>
+                          </a:rPr>
+                        </m:ctrlPr>
+                      </m:accPr>
+                      <m:e>
+                        <m:r>
+                          <a:rPr lang="fr-FR" sz="1800" b="0" i="1" smtClean="0">
+                            <a:latin typeface="Cambria Math" panose="02040503050406030204" pitchFamily="18" charset="0"/>
+                          </a:rPr>
+                          <m:t>𝐴</m:t>
+                        </m:r>
+                        <m:sSub>
+                          <m:sSubPr>
+                            <m:ctrlPr>
+                              <a:rPr lang="fr-FR" sz="1800" b="0" i="1" smtClean="0">
+                                <a:latin typeface="Cambria Math" panose="02040503050406030204" pitchFamily="18" charset="0"/>
+                              </a:rPr>
+                            </m:ctrlPr>
+                          </m:sSubPr>
+                          <m:e>
+                            <m:r>
+                              <a:rPr lang="fr-FR" sz="1800" b="0" i="1" smtClean="0">
+                                <a:latin typeface="Cambria Math" panose="02040503050406030204" pitchFamily="18" charset="0"/>
+                              </a:rPr>
+                              <m:t>𝐺</m:t>
+                            </m:r>
+                          </m:e>
+                          <m:sub>
+                            <m:r>
+                              <a:rPr lang="fr-FR" sz="1800" b="0" i="1" smtClean="0">
+                                <a:latin typeface="Cambria Math" panose="02040503050406030204" pitchFamily="18" charset="0"/>
+                              </a:rPr>
+                              <m:t>𝑀</m:t>
+                            </m:r>
+                          </m:sub>
+                        </m:sSub>
+                      </m:e>
+                    </m:acc>
+                    <m:r>
+                      <a:rPr lang="fr-FR" sz="1800" b="0" i="1" smtClean="0">
+                        <a:latin typeface="Cambria Math" panose="02040503050406030204" pitchFamily="18" charset="0"/>
+                      </a:rPr>
+                      <m:t>=</m:t>
+                    </m:r>
+                    <m:sSub>
+                      <m:sSubPr>
+                        <m:ctrlPr>
+                          <a:rPr lang="fr-FR" sz="1800" b="0" i="1" smtClean="0">
+                            <a:latin typeface="Cambria Math" panose="02040503050406030204" pitchFamily="18" charset="0"/>
+                          </a:rPr>
+                        </m:ctrlPr>
+                      </m:sSubPr>
+                      <m:e>
+                        <m:r>
+                          <a:rPr lang="fr-FR" sz="1800" b="0" i="1" smtClean="0">
+                            <a:latin typeface="Cambria Math" panose="02040503050406030204" pitchFamily="18" charset="0"/>
+                          </a:rPr>
+                          <m:t>𝐿</m:t>
+                        </m:r>
+                      </m:e>
+                      <m:sub>
+                        <m:r>
+                          <a:rPr lang="fr-FR" sz="1800" b="0" i="1" smtClean="0">
+                            <a:latin typeface="Cambria Math" panose="02040503050406030204" pitchFamily="18" charset="0"/>
+                          </a:rPr>
+                          <m:t>𝑀</m:t>
+                        </m:r>
+                      </m:sub>
+                    </m:sSub>
+                    <m:acc>
+                      <m:accPr>
+                        <m:chr m:val="⃗"/>
+                        <m:ctrlPr>
+                          <a:rPr lang="fr-FR" sz="1800" b="0" i="1" smtClean="0">
+                            <a:latin typeface="Cambria Math" panose="02040503050406030204" pitchFamily="18" charset="0"/>
+                          </a:rPr>
+                        </m:ctrlPr>
+                      </m:accPr>
+                      <m:e>
+                        <m:sSub>
+                          <m:sSubPr>
+                            <m:ctrlPr>
+                              <a:rPr lang="fr-FR" sz="1800" b="0" i="1" smtClean="0">
+                                <a:latin typeface="Cambria Math" panose="02040503050406030204" pitchFamily="18" charset="0"/>
+                              </a:rPr>
+                            </m:ctrlPr>
+                          </m:sSubPr>
+                          <m:e>
+                            <m:r>
+                              <a:rPr lang="fr-FR" sz="1800" b="0" i="1" smtClean="0">
+                                <a:latin typeface="Cambria Math" panose="02040503050406030204" pitchFamily="18" charset="0"/>
+                              </a:rPr>
+                              <m:t>𝑥</m:t>
+                            </m:r>
+                          </m:e>
+                          <m:sub>
+                            <m:r>
+                              <a:rPr lang="fr-FR" sz="1800" b="0" i="1" smtClean="0">
+                                <a:latin typeface="Cambria Math" panose="02040503050406030204" pitchFamily="18" charset="0"/>
+                              </a:rPr>
+                              <m:t>1</m:t>
+                            </m:r>
+                          </m:sub>
+                        </m:sSub>
+                      </m:e>
+                    </m:acc>
+                  </m:oMath>
+                </a14:m>
+                <a:endParaRPr lang="fr-FR" sz="1800" b="1" i="1" dirty="0"/>
+              </a:p>
+              <a:p>
+                <a:pPr lvl="1"/>
+                <a:endParaRPr lang="fr-FR" sz="1800" b="1" i="1" dirty="0"/>
+              </a:p>
+            </p:txBody>
+          </p:sp>
+        </mc:Choice>
+        <mc:Fallback>
+          <p:sp>
+            <p:nvSpPr>
+              <p:cNvPr id="3" name="Espace réservé du contenu 2">
+                <a:extLst>
+                  <a:ext uri="{FF2B5EF4-FFF2-40B4-BE49-F238E27FC236}">
+                    <a16:creationId xmlns:a16="http://schemas.microsoft.com/office/drawing/2014/main" id="{280F93A6-1895-4342-AC73-EEB6D50CF48E}"/>
+                  </a:ext>
+                </a:extLst>
+              </p:cNvPr>
+              <p:cNvSpPr>
+                <a:spLocks noGrp="1" noRot="1" noChangeAspect="1" noMove="1" noResize="1" noEditPoints="1" noAdjustHandles="1" noChangeArrowheads="1" noChangeShapeType="1" noTextEdit="1"/>
+              </p:cNvSpPr>
+              <p:nvPr>
+                <p:ph idx="1"/>
+              </p:nvPr>
+            </p:nvSpPr>
+            <p:spPr>
+              <a:xfrm>
+                <a:off x="8198587" y="2698669"/>
+                <a:ext cx="3350856" cy="1742812"/>
+              </a:xfrm>
+              <a:blipFill>
+                <a:blip r:embed="rId2"/>
+                <a:stretch>
+                  <a:fillRect l="-1636" t="-3846"/>
+                </a:stretch>
+              </a:blipFill>
+            </p:spPr>
+            <p:txBody>
+              <a:bodyPr/>
+              <a:lstStyle/>
+              <a:p>
+                <a:r>
+                  <a:rPr lang="fr-FR">
+                    <a:noFill/>
+                  </a:rPr>
+                  <a:t> </a:t>
+                </a:r>
+              </a:p>
+            </p:txBody>
+          </p:sp>
+        </mc:Fallback>
+      </mc:AlternateContent>
+      <p:grpSp>
+        <p:nvGrpSpPr>
+          <p:cNvPr id="64" name="Groupe 63">
+            <a:extLst>
+              <a:ext uri="{FF2B5EF4-FFF2-40B4-BE49-F238E27FC236}">
+                <a16:creationId xmlns:a16="http://schemas.microsoft.com/office/drawing/2014/main" id="{56044620-E2FA-41CE-8F45-4C52D6862909}"/>
+              </a:ext>
+            </a:extLst>
+          </p:cNvPr>
+          <p:cNvGrpSpPr/>
+          <p:nvPr/>
+        </p:nvGrpSpPr>
+        <p:grpSpPr>
+          <a:xfrm>
+            <a:off x="6154188" y="2865841"/>
+            <a:ext cx="1406382" cy="1408468"/>
+            <a:chOff x="3409371" y="2550172"/>
+            <a:chExt cx="1406382" cy="1408468"/>
+          </a:xfrm>
+        </p:grpSpPr>
+        <p:grpSp>
+          <p:nvGrpSpPr>
+            <p:cNvPr id="50" name="Groupe 49">
+              <a:extLst>
+                <a:ext uri="{FF2B5EF4-FFF2-40B4-BE49-F238E27FC236}">
+                  <a16:creationId xmlns:a16="http://schemas.microsoft.com/office/drawing/2014/main" id="{1C9B8457-5D3D-4E94-B705-8F0B7AC6D86C}"/>
+                </a:ext>
+              </a:extLst>
+            </p:cNvPr>
+            <p:cNvGrpSpPr/>
+            <p:nvPr/>
+          </p:nvGrpSpPr>
+          <p:grpSpPr>
+            <a:xfrm>
+              <a:off x="3943586" y="2708964"/>
+              <a:ext cx="722488" cy="722488"/>
+              <a:chOff x="3943586" y="2708964"/>
+              <a:chExt cx="722488" cy="722488"/>
+            </a:xfrm>
+          </p:grpSpPr>
+          <p:cxnSp>
+            <p:nvCxnSpPr>
+              <p:cNvPr id="51" name="Connecteur droit 50">
+                <a:extLst>
+                  <a:ext uri="{FF2B5EF4-FFF2-40B4-BE49-F238E27FC236}">
+                    <a16:creationId xmlns:a16="http://schemas.microsoft.com/office/drawing/2014/main" id="{7FFB468F-681C-4F28-970D-F2B22BC66730}"/>
+                  </a:ext>
+                </a:extLst>
+              </p:cNvPr>
+              <p:cNvCxnSpPr>
+                <a:cxnSpLocks/>
+              </p:cNvCxnSpPr>
+              <p:nvPr/>
+            </p:nvCxnSpPr>
+            <p:spPr>
+              <a:xfrm flipH="1">
+                <a:off x="3943586" y="3429000"/>
+                <a:ext cx="722488" cy="1"/>
+              </a:xfrm>
+              <a:prstGeom prst="line">
+                <a:avLst/>
+              </a:prstGeom>
+              <a:noFill/>
+              <a:ln w="9525">
+                <a:solidFill>
+                  <a:schemeClr val="tx1"/>
+                </a:solidFill>
+                <a:headEnd type="stealth" w="sm" len="med"/>
+              </a:ln>
+            </p:spPr>
+            <p:style>
+              <a:lnRef idx="2">
+                <a:schemeClr val="accent1">
+                  <a:shade val="50000"/>
+                </a:schemeClr>
+              </a:lnRef>
+              <a:fillRef idx="1">
+                <a:schemeClr val="accent1"/>
+              </a:fillRef>
+              <a:effectRef idx="0">
+                <a:schemeClr val="accent1"/>
+              </a:effectRef>
+              <a:fontRef idx="minor">
+                <a:schemeClr val="lt1"/>
+              </a:fontRef>
+            </p:style>
+          </p:cxnSp>
+          <p:cxnSp>
+            <p:nvCxnSpPr>
+              <p:cNvPr id="52" name="Connecteur droit 51">
+                <a:extLst>
+                  <a:ext uri="{FF2B5EF4-FFF2-40B4-BE49-F238E27FC236}">
+                    <a16:creationId xmlns:a16="http://schemas.microsoft.com/office/drawing/2014/main" id="{9C9AB4E4-AC65-458C-9A30-8CE58A69404D}"/>
+                  </a:ext>
+                </a:extLst>
+              </p:cNvPr>
+              <p:cNvCxnSpPr>
+                <a:cxnSpLocks/>
+              </p:cNvCxnSpPr>
+              <p:nvPr/>
+            </p:nvCxnSpPr>
+            <p:spPr>
+              <a:xfrm rot="16200000" flipH="1">
+                <a:off x="3582343" y="3070207"/>
+                <a:ext cx="722488" cy="1"/>
+              </a:xfrm>
+              <a:prstGeom prst="line">
+                <a:avLst/>
+              </a:prstGeom>
+              <a:noFill/>
+              <a:ln w="9525">
+                <a:solidFill>
+                  <a:schemeClr val="tx1"/>
+                </a:solidFill>
+                <a:headEnd type="stealth" w="sm" len="med"/>
+              </a:ln>
+            </p:spPr>
+            <p:style>
+              <a:lnRef idx="2">
+                <a:schemeClr val="accent1">
+                  <a:shade val="50000"/>
+                </a:schemeClr>
+              </a:lnRef>
+              <a:fillRef idx="1">
+                <a:schemeClr val="accent1"/>
+              </a:fillRef>
+              <a:effectRef idx="0">
+                <a:schemeClr val="accent1"/>
+              </a:effectRef>
+              <a:fontRef idx="minor">
+                <a:schemeClr val="lt1"/>
+              </a:fontRef>
+            </p:style>
+          </p:cxnSp>
+        </p:grpSp>
+        <p:grpSp>
+          <p:nvGrpSpPr>
+            <p:cNvPr id="53" name="Groupe 52">
+              <a:extLst>
+                <a:ext uri="{FF2B5EF4-FFF2-40B4-BE49-F238E27FC236}">
+                  <a16:creationId xmlns:a16="http://schemas.microsoft.com/office/drawing/2014/main" id="{80435A09-89F1-4BAC-B1CF-21E8AAAF8A5E}"/>
+                </a:ext>
+              </a:extLst>
+            </p:cNvPr>
+            <p:cNvGrpSpPr/>
+            <p:nvPr/>
+          </p:nvGrpSpPr>
+          <p:grpSpPr>
+            <a:xfrm rot="20521398">
+              <a:off x="3814215" y="2617044"/>
+              <a:ext cx="722488" cy="722488"/>
+              <a:chOff x="3943586" y="2708964"/>
+              <a:chExt cx="722488" cy="722488"/>
+            </a:xfrm>
+          </p:grpSpPr>
+          <p:cxnSp>
+            <p:nvCxnSpPr>
+              <p:cNvPr id="54" name="Connecteur droit 53">
+                <a:extLst>
+                  <a:ext uri="{FF2B5EF4-FFF2-40B4-BE49-F238E27FC236}">
+                    <a16:creationId xmlns:a16="http://schemas.microsoft.com/office/drawing/2014/main" id="{6C688ABB-3AE4-4455-933D-F766FADA1186}"/>
+                  </a:ext>
+                </a:extLst>
+              </p:cNvPr>
+              <p:cNvCxnSpPr>
+                <a:cxnSpLocks/>
+              </p:cNvCxnSpPr>
+              <p:nvPr/>
+            </p:nvCxnSpPr>
+            <p:spPr>
+              <a:xfrm flipH="1">
+                <a:off x="3943586" y="3429000"/>
+                <a:ext cx="722488" cy="1"/>
+              </a:xfrm>
+              <a:prstGeom prst="line">
+                <a:avLst/>
+              </a:prstGeom>
+              <a:noFill/>
+              <a:ln w="9525">
+                <a:solidFill>
+                  <a:srgbClr val="FFC000"/>
+                </a:solidFill>
+                <a:headEnd type="stealth" w="sm" len="med"/>
+              </a:ln>
+            </p:spPr>
+            <p:style>
+              <a:lnRef idx="2">
+                <a:schemeClr val="accent1">
+                  <a:shade val="50000"/>
+                </a:schemeClr>
+              </a:lnRef>
+              <a:fillRef idx="1">
+                <a:schemeClr val="accent1"/>
+              </a:fillRef>
+              <a:effectRef idx="0">
+                <a:schemeClr val="accent1"/>
+              </a:effectRef>
+              <a:fontRef idx="minor">
+                <a:schemeClr val="lt1"/>
+              </a:fontRef>
+            </p:style>
+          </p:cxnSp>
+          <p:cxnSp>
+            <p:nvCxnSpPr>
+              <p:cNvPr id="55" name="Connecteur droit 54">
+                <a:extLst>
+                  <a:ext uri="{FF2B5EF4-FFF2-40B4-BE49-F238E27FC236}">
+                    <a16:creationId xmlns:a16="http://schemas.microsoft.com/office/drawing/2014/main" id="{F2260824-6431-4C7E-A1B0-000E35E6AC9B}"/>
+                  </a:ext>
+                </a:extLst>
+              </p:cNvPr>
+              <p:cNvCxnSpPr>
+                <a:cxnSpLocks/>
+              </p:cNvCxnSpPr>
+              <p:nvPr/>
+            </p:nvCxnSpPr>
+            <p:spPr>
+              <a:xfrm rot="16200000" flipH="1">
+                <a:off x="3582343" y="3070207"/>
+                <a:ext cx="722488" cy="1"/>
+              </a:xfrm>
+              <a:prstGeom prst="line">
+                <a:avLst/>
+              </a:prstGeom>
+              <a:noFill/>
+              <a:ln w="9525">
+                <a:solidFill>
+                  <a:srgbClr val="FFC000"/>
+                </a:solidFill>
+                <a:headEnd type="stealth" w="sm" len="med"/>
+              </a:ln>
+            </p:spPr>
+            <p:style>
+              <a:lnRef idx="2">
+                <a:schemeClr val="accent1">
+                  <a:shade val="50000"/>
+                </a:schemeClr>
+              </a:lnRef>
+              <a:fillRef idx="1">
+                <a:schemeClr val="accent1"/>
+              </a:fillRef>
+              <a:effectRef idx="0">
+                <a:schemeClr val="accent1"/>
+              </a:effectRef>
+              <a:fontRef idx="minor">
+                <a:schemeClr val="lt1"/>
+              </a:fontRef>
+            </p:style>
+          </p:cxnSp>
+        </p:grpSp>
+        <mc:AlternateContent xmlns:mc="http://schemas.openxmlformats.org/markup-compatibility/2006" xmlns:a14="http://schemas.microsoft.com/office/drawing/2010/main">
+          <mc:Choice Requires="a14">
+            <p:sp>
+              <p:nvSpPr>
+                <p:cNvPr id="56" name="ZoneTexte 55">
+                  <a:extLst>
+                    <a:ext uri="{FF2B5EF4-FFF2-40B4-BE49-F238E27FC236}">
+                      <a16:creationId xmlns:a16="http://schemas.microsoft.com/office/drawing/2014/main" id="{A4FB5276-55AE-4E91-9B8B-568C4909B2C6}"/>
+                    </a:ext>
+                  </a:extLst>
+                </p:cNvPr>
+                <p:cNvSpPr txBox="1"/>
+                <p:nvPr/>
+              </p:nvSpPr>
+              <p:spPr>
+                <a:xfrm>
+                  <a:off x="4659428" y="3332093"/>
+                  <a:ext cx="156325" cy="153888"/>
+                </a:xfrm>
+                <a:prstGeom prst="rect">
+                  <a:avLst/>
+                </a:prstGeom>
+                <a:noFill/>
+              </p:spPr>
+              <p:txBody>
+                <a:bodyPr wrap="none" lIns="0" tIns="0" rIns="0" bIns="0" rtlCol="0">
+                  <a:spAutoFit/>
+                </a:bodyPr>
+                <a:lstStyle/>
+                <a:p>
+                  <a:pPr/>
+                  <a14:m>
+                    <m:oMathPara xmlns:m="http://schemas.openxmlformats.org/officeDocument/2006/math">
+                      <m:oMathParaPr>
+                        <m:jc m:val="centerGroup"/>
+                      </m:oMathParaPr>
+                      <m:oMath xmlns:m="http://schemas.openxmlformats.org/officeDocument/2006/math">
+                        <m:acc>
+                          <m:accPr>
+                            <m:chr m:val="⃗"/>
+                            <m:ctrlPr>
+                              <a:rPr lang="fr-FR" sz="1000" b="0" i="1" smtClean="0">
+                                <a:latin typeface="Cambria Math" panose="02040503050406030204" pitchFamily="18" charset="0"/>
+                              </a:rPr>
+                            </m:ctrlPr>
+                          </m:accPr>
+                          <m:e>
+                            <m:sSub>
+                              <m:sSubPr>
+                                <m:ctrlPr>
+                                  <a:rPr lang="fr-FR" sz="1000" b="0" i="1" smtClean="0">
+                                    <a:latin typeface="Cambria Math" panose="02040503050406030204" pitchFamily="18" charset="0"/>
+                                  </a:rPr>
+                                </m:ctrlPr>
+                              </m:sSubPr>
+                              <m:e>
+                                <m:r>
+                                  <a:rPr lang="fr-FR" sz="1000" b="0" i="1" smtClean="0">
+                                    <a:latin typeface="Cambria Math" panose="02040503050406030204" pitchFamily="18" charset="0"/>
+                                  </a:rPr>
+                                  <m:t>𝑥</m:t>
+                                </m:r>
+                              </m:e>
+                              <m:sub>
+                                <m:r>
+                                  <a:rPr lang="fr-FR" sz="1000" b="0" i="1" smtClean="0">
+                                    <a:latin typeface="Cambria Math" panose="02040503050406030204" pitchFamily="18" charset="0"/>
+                                  </a:rPr>
+                                  <m:t>0</m:t>
+                                </m:r>
+                              </m:sub>
+                            </m:sSub>
+                          </m:e>
+                        </m:acc>
+                      </m:oMath>
+                    </m:oMathPara>
+                  </a14:m>
+                  <a:endParaRPr lang="fr-FR" sz="1000" dirty="0"/>
+                </a:p>
+              </p:txBody>
+            </p:sp>
+          </mc:Choice>
+          <mc:Fallback xmlns="">
+            <p:sp>
+              <p:nvSpPr>
+                <p:cNvPr id="56" name="ZoneTexte 55">
+                  <a:extLst>
+                    <a:ext uri="{FF2B5EF4-FFF2-40B4-BE49-F238E27FC236}">
+                      <a16:creationId xmlns:a16="http://schemas.microsoft.com/office/drawing/2014/main" id="{A4FB5276-55AE-4E91-9B8B-568C4909B2C6}"/>
+                    </a:ext>
+                  </a:extLst>
+                </p:cNvPr>
+                <p:cNvSpPr txBox="1">
+                  <a:spLocks noRot="1" noChangeAspect="1" noMove="1" noResize="1" noEditPoints="1" noAdjustHandles="1" noChangeArrowheads="1" noChangeShapeType="1" noTextEdit="1"/>
+                </p:cNvSpPr>
+                <p:nvPr/>
+              </p:nvSpPr>
+              <p:spPr>
+                <a:xfrm>
+                  <a:off x="4659428" y="3332093"/>
+                  <a:ext cx="156325" cy="153888"/>
+                </a:xfrm>
+                <a:prstGeom prst="rect">
+                  <a:avLst/>
+                </a:prstGeom>
+                <a:blipFill>
+                  <a:blip r:embed="rId3"/>
+                  <a:stretch>
+                    <a:fillRect l="-11538" r="-3846" b="-16000"/>
+                  </a:stretch>
+                </a:blipFill>
+              </p:spPr>
+              <p:txBody>
+                <a:bodyPr/>
+                <a:lstStyle/>
+                <a:p>
+                  <a:r>
+                    <a:rPr lang="fr-FR">
+                      <a:noFill/>
+                    </a:rPr>
+                    <a:t> </a:t>
+                  </a:r>
+                </a:p>
+              </p:txBody>
+            </p:sp>
+          </mc:Fallback>
+        </mc:AlternateContent>
+        <mc:AlternateContent xmlns:mc="http://schemas.openxmlformats.org/markup-compatibility/2006" xmlns:a14="http://schemas.microsoft.com/office/drawing/2010/main">
+          <mc:Choice Requires="a14">
+            <p:sp>
+              <p:nvSpPr>
+                <p:cNvPr id="57" name="ZoneTexte 56">
+                  <a:extLst>
+                    <a:ext uri="{FF2B5EF4-FFF2-40B4-BE49-F238E27FC236}">
+                      <a16:creationId xmlns:a16="http://schemas.microsoft.com/office/drawing/2014/main" id="{75B94B40-E4F0-4F78-8ED3-A4BD81582887}"/>
+                    </a:ext>
+                  </a:extLst>
+                </p:cNvPr>
+                <p:cNvSpPr txBox="1"/>
+                <p:nvPr/>
+              </p:nvSpPr>
+              <p:spPr>
+                <a:xfrm>
+                  <a:off x="4654444" y="3118661"/>
+                  <a:ext cx="153375" cy="153888"/>
+                </a:xfrm>
+                <a:prstGeom prst="rect">
+                  <a:avLst/>
+                </a:prstGeom>
+                <a:noFill/>
+              </p:spPr>
+              <p:txBody>
+                <a:bodyPr wrap="none" lIns="0" tIns="0" rIns="0" bIns="0" rtlCol="0">
+                  <a:spAutoFit/>
+                </a:bodyPr>
+                <a:lstStyle/>
+                <a:p>
+                  <a:pPr/>
+                  <a14:m>
+                    <m:oMathPara xmlns:m="http://schemas.openxmlformats.org/officeDocument/2006/math">
+                      <m:oMathParaPr>
+                        <m:jc m:val="centerGroup"/>
+                      </m:oMathParaPr>
+                      <m:oMath xmlns:m="http://schemas.openxmlformats.org/officeDocument/2006/math">
+                        <m:acc>
+                          <m:accPr>
+                            <m:chr m:val="⃗"/>
+                            <m:ctrlPr>
+                              <a:rPr lang="fr-FR" sz="1000" b="0" i="1" smtClean="0">
+                                <a:latin typeface="Cambria Math" panose="02040503050406030204" pitchFamily="18" charset="0"/>
+                              </a:rPr>
+                            </m:ctrlPr>
+                          </m:accPr>
+                          <m:e>
+                            <m:sSub>
+                              <m:sSubPr>
+                                <m:ctrlPr>
+                                  <a:rPr lang="fr-FR" sz="1000" b="0" i="1" smtClean="0">
+                                    <a:latin typeface="Cambria Math" panose="02040503050406030204" pitchFamily="18" charset="0"/>
+                                  </a:rPr>
+                                </m:ctrlPr>
+                              </m:sSubPr>
+                              <m:e>
+                                <m:r>
+                                  <a:rPr lang="fr-FR" sz="1000" b="0" i="1" smtClean="0">
+                                    <a:latin typeface="Cambria Math" panose="02040503050406030204" pitchFamily="18" charset="0"/>
+                                  </a:rPr>
+                                  <m:t>𝑥</m:t>
+                                </m:r>
+                              </m:e>
+                              <m:sub>
+                                <m:r>
+                                  <a:rPr lang="fr-FR" sz="1000" b="0" i="1" smtClean="0">
+                                    <a:latin typeface="Cambria Math" panose="02040503050406030204" pitchFamily="18" charset="0"/>
+                                  </a:rPr>
+                                  <m:t>1</m:t>
+                                </m:r>
+                              </m:sub>
+                            </m:sSub>
+                          </m:e>
+                        </m:acc>
+                      </m:oMath>
+                    </m:oMathPara>
+                  </a14:m>
+                  <a:endParaRPr lang="fr-FR" sz="1000" dirty="0"/>
+                </a:p>
+              </p:txBody>
+            </p:sp>
+          </mc:Choice>
+          <mc:Fallback xmlns="">
+            <p:sp>
+              <p:nvSpPr>
+                <p:cNvPr id="57" name="ZoneTexte 56">
+                  <a:extLst>
+                    <a:ext uri="{FF2B5EF4-FFF2-40B4-BE49-F238E27FC236}">
+                      <a16:creationId xmlns:a16="http://schemas.microsoft.com/office/drawing/2014/main" id="{75B94B40-E4F0-4F78-8ED3-A4BD81582887}"/>
+                    </a:ext>
+                  </a:extLst>
+                </p:cNvPr>
+                <p:cNvSpPr txBox="1">
+                  <a:spLocks noRot="1" noChangeAspect="1" noMove="1" noResize="1" noEditPoints="1" noAdjustHandles="1" noChangeArrowheads="1" noChangeShapeType="1" noTextEdit="1"/>
+                </p:cNvSpPr>
+                <p:nvPr/>
+              </p:nvSpPr>
+              <p:spPr>
+                <a:xfrm>
+                  <a:off x="4654444" y="3118661"/>
+                  <a:ext cx="153375" cy="153888"/>
+                </a:xfrm>
+                <a:prstGeom prst="rect">
+                  <a:avLst/>
+                </a:prstGeom>
+                <a:blipFill>
+                  <a:blip r:embed="rId4"/>
+                  <a:stretch>
+                    <a:fillRect l="-11538" r="-3846" b="-16000"/>
+                  </a:stretch>
+                </a:blipFill>
+              </p:spPr>
+              <p:txBody>
+                <a:bodyPr/>
+                <a:lstStyle/>
+                <a:p>
+                  <a:r>
+                    <a:rPr lang="fr-FR">
+                      <a:noFill/>
+                    </a:rPr>
+                    <a:t> </a:t>
+                  </a:r>
+                </a:p>
+              </p:txBody>
+            </p:sp>
+          </mc:Fallback>
+        </mc:AlternateContent>
+        <mc:AlternateContent xmlns:mc="http://schemas.openxmlformats.org/markup-compatibility/2006" xmlns:a14="http://schemas.microsoft.com/office/drawing/2010/main">
+          <mc:Choice Requires="a14">
+            <p:sp>
+              <p:nvSpPr>
+                <p:cNvPr id="58" name="ZoneTexte 57">
+                  <a:extLst>
+                    <a:ext uri="{FF2B5EF4-FFF2-40B4-BE49-F238E27FC236}">
+                      <a16:creationId xmlns:a16="http://schemas.microsoft.com/office/drawing/2014/main" id="{93BDD4AB-6D50-47C7-8842-025AB3E7A965}"/>
+                    </a:ext>
+                  </a:extLst>
+                </p:cNvPr>
+                <p:cNvSpPr txBox="1"/>
+                <p:nvPr/>
+              </p:nvSpPr>
+              <p:spPr>
+                <a:xfrm>
+                  <a:off x="3864357" y="2550172"/>
+                  <a:ext cx="156902" cy="153888"/>
+                </a:xfrm>
+                <a:prstGeom prst="rect">
+                  <a:avLst/>
+                </a:prstGeom>
+                <a:noFill/>
+              </p:spPr>
+              <p:txBody>
+                <a:bodyPr wrap="none" lIns="0" tIns="0" rIns="0" bIns="0" rtlCol="0">
+                  <a:spAutoFit/>
+                </a:bodyPr>
+                <a:lstStyle/>
+                <a:p>
+                  <a:pPr/>
+                  <a14:m>
+                    <m:oMathPara xmlns:m="http://schemas.openxmlformats.org/officeDocument/2006/math">
+                      <m:oMathParaPr>
+                        <m:jc m:val="centerGroup"/>
+                      </m:oMathParaPr>
+                      <m:oMath xmlns:m="http://schemas.openxmlformats.org/officeDocument/2006/math">
+                        <m:acc>
+                          <m:accPr>
+                            <m:chr m:val="⃗"/>
+                            <m:ctrlPr>
+                              <a:rPr lang="fr-FR" sz="1000" b="0" i="1" smtClean="0">
+                                <a:latin typeface="Cambria Math" panose="02040503050406030204" pitchFamily="18" charset="0"/>
+                              </a:rPr>
+                            </m:ctrlPr>
+                          </m:accPr>
+                          <m:e>
+                            <m:sSub>
+                              <m:sSubPr>
+                                <m:ctrlPr>
+                                  <a:rPr lang="fr-FR" sz="1000" b="0" i="1" smtClean="0">
+                                    <a:latin typeface="Cambria Math" panose="02040503050406030204" pitchFamily="18" charset="0"/>
+                                  </a:rPr>
+                                </m:ctrlPr>
+                              </m:sSubPr>
+                              <m:e>
+                                <m:r>
+                                  <a:rPr lang="fr-FR" sz="1000" b="0" i="1" smtClean="0">
+                                    <a:latin typeface="Cambria Math" panose="02040503050406030204" pitchFamily="18" charset="0"/>
+                                  </a:rPr>
+                                  <m:t>𝑦</m:t>
+                                </m:r>
+                              </m:e>
+                              <m:sub>
+                                <m:r>
+                                  <a:rPr lang="fr-FR" sz="1000" b="0" i="1" smtClean="0">
+                                    <a:latin typeface="Cambria Math" panose="02040503050406030204" pitchFamily="18" charset="0"/>
+                                  </a:rPr>
+                                  <m:t>0</m:t>
+                                </m:r>
+                              </m:sub>
+                            </m:sSub>
+                          </m:e>
+                        </m:acc>
+                      </m:oMath>
+                    </m:oMathPara>
+                  </a14:m>
+                  <a:endParaRPr lang="fr-FR" sz="1000" dirty="0"/>
+                </a:p>
+              </p:txBody>
+            </p:sp>
+          </mc:Choice>
+          <mc:Fallback xmlns="">
+            <p:sp>
+              <p:nvSpPr>
+                <p:cNvPr id="58" name="ZoneTexte 57">
+                  <a:extLst>
+                    <a:ext uri="{FF2B5EF4-FFF2-40B4-BE49-F238E27FC236}">
+                      <a16:creationId xmlns:a16="http://schemas.microsoft.com/office/drawing/2014/main" id="{93BDD4AB-6D50-47C7-8842-025AB3E7A965}"/>
+                    </a:ext>
+                  </a:extLst>
+                </p:cNvPr>
+                <p:cNvSpPr txBox="1">
+                  <a:spLocks noRot="1" noChangeAspect="1" noMove="1" noResize="1" noEditPoints="1" noAdjustHandles="1" noChangeArrowheads="1" noChangeShapeType="1" noTextEdit="1"/>
+                </p:cNvSpPr>
+                <p:nvPr/>
+              </p:nvSpPr>
+              <p:spPr>
+                <a:xfrm>
+                  <a:off x="3864357" y="2550172"/>
+                  <a:ext cx="156902" cy="153888"/>
+                </a:xfrm>
+                <a:prstGeom prst="rect">
+                  <a:avLst/>
+                </a:prstGeom>
+                <a:blipFill>
+                  <a:blip r:embed="rId5"/>
+                  <a:stretch>
+                    <a:fillRect l="-23077" r="-3846" b="-24000"/>
+                  </a:stretch>
+                </a:blipFill>
+              </p:spPr>
+              <p:txBody>
+                <a:bodyPr/>
+                <a:lstStyle/>
+                <a:p>
+                  <a:r>
+                    <a:rPr lang="fr-FR">
+                      <a:noFill/>
+                    </a:rPr>
+                    <a:t> </a:t>
+                  </a:r>
+                </a:p>
+              </p:txBody>
+            </p:sp>
+          </mc:Fallback>
+        </mc:AlternateContent>
+        <mc:AlternateContent xmlns:mc="http://schemas.openxmlformats.org/markup-compatibility/2006" xmlns:a14="http://schemas.microsoft.com/office/drawing/2010/main">
+          <mc:Choice Requires="a14">
+            <p:sp>
+              <p:nvSpPr>
+                <p:cNvPr id="59" name="ZoneTexte 58">
+                  <a:extLst>
+                    <a:ext uri="{FF2B5EF4-FFF2-40B4-BE49-F238E27FC236}">
+                      <a16:creationId xmlns:a16="http://schemas.microsoft.com/office/drawing/2014/main" id="{96BF64D5-DB6A-43DF-AEB7-B0A632160CE8}"/>
+                    </a:ext>
+                  </a:extLst>
+                </p:cNvPr>
+                <p:cNvSpPr txBox="1"/>
+                <p:nvPr/>
+              </p:nvSpPr>
+              <p:spPr>
+                <a:xfrm>
+                  <a:off x="3625745" y="2584081"/>
+                  <a:ext cx="153953" cy="153888"/>
+                </a:xfrm>
+                <a:prstGeom prst="rect">
+                  <a:avLst/>
+                </a:prstGeom>
+                <a:noFill/>
+              </p:spPr>
+              <p:txBody>
+                <a:bodyPr wrap="none" lIns="0" tIns="0" rIns="0" bIns="0" rtlCol="0">
+                  <a:spAutoFit/>
+                </a:bodyPr>
+                <a:lstStyle/>
+                <a:p>
+                  <a:pPr/>
+                  <a14:m>
+                    <m:oMathPara xmlns:m="http://schemas.openxmlformats.org/officeDocument/2006/math">
+                      <m:oMathParaPr>
+                        <m:jc m:val="centerGroup"/>
+                      </m:oMathParaPr>
+                      <m:oMath xmlns:m="http://schemas.openxmlformats.org/officeDocument/2006/math">
+                        <m:acc>
+                          <m:accPr>
+                            <m:chr m:val="⃗"/>
+                            <m:ctrlPr>
+                              <a:rPr lang="fr-FR" sz="1000" b="0" i="1" smtClean="0">
+                                <a:latin typeface="Cambria Math" panose="02040503050406030204" pitchFamily="18" charset="0"/>
+                              </a:rPr>
+                            </m:ctrlPr>
+                          </m:accPr>
+                          <m:e>
+                            <m:sSub>
+                              <m:sSubPr>
+                                <m:ctrlPr>
+                                  <a:rPr lang="fr-FR" sz="1000" b="0" i="1" smtClean="0">
+                                    <a:latin typeface="Cambria Math" panose="02040503050406030204" pitchFamily="18" charset="0"/>
+                                  </a:rPr>
+                                </m:ctrlPr>
+                              </m:sSubPr>
+                              <m:e>
+                                <m:r>
+                                  <a:rPr lang="fr-FR" sz="1000" b="0" i="1" smtClean="0">
+                                    <a:latin typeface="Cambria Math" panose="02040503050406030204" pitchFamily="18" charset="0"/>
+                                  </a:rPr>
+                                  <m:t>𝑦</m:t>
+                                </m:r>
+                              </m:e>
+                              <m:sub>
+                                <m:r>
+                                  <a:rPr lang="fr-FR" sz="1000" b="0" i="1" smtClean="0">
+                                    <a:latin typeface="Cambria Math" panose="02040503050406030204" pitchFamily="18" charset="0"/>
+                                  </a:rPr>
+                                  <m:t>1</m:t>
+                                </m:r>
+                              </m:sub>
+                            </m:sSub>
+                          </m:e>
+                        </m:acc>
+                      </m:oMath>
+                    </m:oMathPara>
+                  </a14:m>
+                  <a:endParaRPr lang="fr-FR" sz="1000" dirty="0"/>
+                </a:p>
+              </p:txBody>
+            </p:sp>
+          </mc:Choice>
+          <mc:Fallback xmlns="">
+            <p:sp>
+              <p:nvSpPr>
+                <p:cNvPr id="59" name="ZoneTexte 58">
+                  <a:extLst>
+                    <a:ext uri="{FF2B5EF4-FFF2-40B4-BE49-F238E27FC236}">
+                      <a16:creationId xmlns:a16="http://schemas.microsoft.com/office/drawing/2014/main" id="{96BF64D5-DB6A-43DF-AEB7-B0A632160CE8}"/>
+                    </a:ext>
+                  </a:extLst>
+                </p:cNvPr>
+                <p:cNvSpPr txBox="1">
+                  <a:spLocks noRot="1" noChangeAspect="1" noMove="1" noResize="1" noEditPoints="1" noAdjustHandles="1" noChangeArrowheads="1" noChangeShapeType="1" noTextEdit="1"/>
+                </p:cNvSpPr>
+                <p:nvPr/>
+              </p:nvSpPr>
+              <p:spPr>
+                <a:xfrm>
+                  <a:off x="3625745" y="2584081"/>
+                  <a:ext cx="153953" cy="153888"/>
+                </a:xfrm>
+                <a:prstGeom prst="rect">
+                  <a:avLst/>
+                </a:prstGeom>
+                <a:blipFill>
+                  <a:blip r:embed="rId6"/>
+                  <a:stretch>
+                    <a:fillRect l="-24000" r="-8000" b="-23077"/>
+                  </a:stretch>
+                </a:blipFill>
+              </p:spPr>
+              <p:txBody>
+                <a:bodyPr/>
+                <a:lstStyle/>
+                <a:p>
+                  <a:r>
+                    <a:rPr lang="fr-FR">
+                      <a:noFill/>
+                    </a:rPr>
+                    <a:t> </a:t>
+                  </a:r>
+                </a:p>
+              </p:txBody>
+            </p:sp>
+          </mc:Fallback>
+        </mc:AlternateContent>
+        <p:sp>
+          <p:nvSpPr>
+            <p:cNvPr id="60" name="Ellipse 59">
+              <a:extLst>
+                <a:ext uri="{FF2B5EF4-FFF2-40B4-BE49-F238E27FC236}">
+                  <a16:creationId xmlns:a16="http://schemas.microsoft.com/office/drawing/2014/main" id="{3A447C86-D550-4EAB-9262-8CC41D3FACE0}"/>
+                </a:ext>
+              </a:extLst>
+            </p:cNvPr>
+            <p:cNvSpPr/>
+            <p:nvPr/>
+          </p:nvSpPr>
+          <p:spPr>
+            <a:xfrm>
+              <a:off x="3891138" y="3373761"/>
+              <a:ext cx="108000" cy="108000"/>
+            </a:xfrm>
+            <a:prstGeom prst="ellipse">
+              <a:avLst/>
+            </a:prstGeom>
+            <a:solidFill>
+              <a:schemeClr val="bg1"/>
+            </a:solidFill>
+            <a:ln w="9525">
+              <a:solidFill>
+                <a:schemeClr val="tx1"/>
+              </a:solidFill>
+            </a:ln>
+          </p:spPr>
+          <p:style>
+            <a:lnRef idx="2">
+              <a:schemeClr val="accent1">
+                <a:shade val="50000"/>
+              </a:schemeClr>
+            </a:lnRef>
+            <a:fillRef idx="1">
+              <a:schemeClr val="accent1"/>
+            </a:fillRef>
+            <a:effectRef idx="0">
+              <a:schemeClr val="accent1"/>
+            </a:effectRef>
+            <a:fontRef idx="minor">
+              <a:schemeClr val="lt1"/>
+            </a:fontRef>
+          </p:style>
+          <p:txBody>
+            <a:bodyPr rtlCol="0" anchor="ctr"/>
+            <a:lstStyle/>
+            <a:p>
+              <a:pPr algn="ctr"/>
+              <a:endParaRPr lang="fr-FR"/>
+            </a:p>
+          </p:txBody>
+        </p:sp>
+        <p:sp>
+          <p:nvSpPr>
+            <p:cNvPr id="61" name="Ellipse 60">
+              <a:extLst>
+                <a:ext uri="{FF2B5EF4-FFF2-40B4-BE49-F238E27FC236}">
+                  <a16:creationId xmlns:a16="http://schemas.microsoft.com/office/drawing/2014/main" id="{FD437849-2629-4B54-A0D1-05287F59D52D}"/>
+                </a:ext>
+              </a:extLst>
+            </p:cNvPr>
+            <p:cNvSpPr/>
+            <p:nvPr/>
+          </p:nvSpPr>
+          <p:spPr>
+            <a:xfrm>
+              <a:off x="3927138" y="3409761"/>
+              <a:ext cx="36000" cy="36000"/>
+            </a:xfrm>
+            <a:prstGeom prst="ellipse">
+              <a:avLst/>
+            </a:prstGeom>
+            <a:solidFill>
+              <a:schemeClr val="tx1"/>
+            </a:solidFill>
+            <a:ln w="9525">
+              <a:solidFill>
+                <a:schemeClr val="tx1"/>
+              </a:solidFill>
+            </a:ln>
+          </p:spPr>
+          <p:style>
+            <a:lnRef idx="2">
+              <a:schemeClr val="accent1">
+                <a:shade val="50000"/>
+              </a:schemeClr>
+            </a:lnRef>
+            <a:fillRef idx="1">
+              <a:schemeClr val="accent1"/>
+            </a:fillRef>
+            <a:effectRef idx="0">
+              <a:schemeClr val="accent1"/>
+            </a:effectRef>
+            <a:fontRef idx="minor">
+              <a:schemeClr val="lt1"/>
+            </a:fontRef>
+          </p:style>
+          <p:txBody>
+            <a:bodyPr rtlCol="0" anchor="ctr"/>
+            <a:lstStyle/>
+            <a:p>
+              <a:pPr algn="ctr"/>
+              <a:endParaRPr lang="fr-FR"/>
+            </a:p>
+          </p:txBody>
+        </p:sp>
+        <p:sp>
+          <p:nvSpPr>
+            <p:cNvPr id="62" name="Arc 61">
+              <a:extLst>
+                <a:ext uri="{FF2B5EF4-FFF2-40B4-BE49-F238E27FC236}">
+                  <a16:creationId xmlns:a16="http://schemas.microsoft.com/office/drawing/2014/main" id="{E7FDA299-1D95-4FE9-B277-0C6D5880FB2A}"/>
+                </a:ext>
+              </a:extLst>
+            </p:cNvPr>
+            <p:cNvSpPr/>
+            <p:nvPr/>
+          </p:nvSpPr>
+          <p:spPr>
+            <a:xfrm>
+              <a:off x="3409371" y="2884256"/>
+              <a:ext cx="1074384" cy="1074384"/>
+            </a:xfrm>
+            <a:prstGeom prst="arc">
+              <a:avLst>
+                <a:gd name="adj1" fmla="val 20568333"/>
+                <a:gd name="adj2" fmla="val 0"/>
+              </a:avLst>
+            </a:prstGeom>
+            <a:ln>
+              <a:solidFill>
+                <a:srgbClr val="FFC000"/>
+              </a:solidFill>
+              <a:headEnd type="stealth" w="sm" len="med"/>
+            </a:ln>
+          </p:spPr>
+          <p:style>
+            <a:lnRef idx="1">
+              <a:schemeClr val="accent1"/>
+            </a:lnRef>
+            <a:fillRef idx="0">
+              <a:schemeClr val="accent1"/>
+            </a:fillRef>
+            <a:effectRef idx="0">
+              <a:schemeClr val="accent1"/>
+            </a:effectRef>
+            <a:fontRef idx="minor">
+              <a:schemeClr val="tx1"/>
+            </a:fontRef>
+          </p:style>
+          <p:txBody>
+            <a:bodyPr rtlCol="0" anchor="ctr"/>
+            <a:lstStyle/>
+            <a:p>
+              <a:pPr algn="ctr"/>
+              <a:endParaRPr lang="fr-FR"/>
+            </a:p>
+          </p:txBody>
+        </p:sp>
+        <mc:AlternateContent xmlns:mc="http://schemas.openxmlformats.org/markup-compatibility/2006" xmlns:a14="http://schemas.microsoft.com/office/drawing/2010/main">
+          <mc:Choice Requires="a14">
+            <p:sp>
+              <p:nvSpPr>
+                <p:cNvPr id="63" name="ZoneTexte 62">
+                  <a:extLst>
+                    <a:ext uri="{FF2B5EF4-FFF2-40B4-BE49-F238E27FC236}">
+                      <a16:creationId xmlns:a16="http://schemas.microsoft.com/office/drawing/2014/main" id="{6573B8FF-FC92-4D39-A7CF-813A1EBEA58D}"/>
+                    </a:ext>
+                  </a:extLst>
+                </p:cNvPr>
+                <p:cNvSpPr txBox="1"/>
+                <p:nvPr/>
+              </p:nvSpPr>
+              <p:spPr>
+                <a:xfrm>
+                  <a:off x="4506802" y="3252239"/>
+                  <a:ext cx="118174" cy="153888"/>
+                </a:xfrm>
+                <a:prstGeom prst="rect">
+                  <a:avLst/>
+                </a:prstGeom>
+                <a:noFill/>
+              </p:spPr>
+              <p:txBody>
+                <a:bodyPr wrap="none" lIns="0" tIns="0" rIns="0" bIns="0" rtlCol="0">
+                  <a:spAutoFit/>
+                </a:bodyPr>
+                <a:lstStyle/>
+                <a:p>
+                  <a:pPr/>
+                  <a14:m>
+                    <m:oMathPara xmlns:m="http://schemas.openxmlformats.org/officeDocument/2006/math">
+                      <m:oMathParaPr>
+                        <m:jc m:val="centerGroup"/>
+                      </m:oMathParaPr>
+                      <m:oMath xmlns:m="http://schemas.openxmlformats.org/officeDocument/2006/math">
+                        <m:r>
+                          <a:rPr lang="fr-FR" sz="1000" b="0" i="1" smtClean="0">
+                            <a:latin typeface="Cambria Math" panose="02040503050406030204" pitchFamily="18" charset="0"/>
+                          </a:rPr>
+                          <m:t>𝜑</m:t>
+                        </m:r>
+                      </m:oMath>
+                    </m:oMathPara>
+                  </a14:m>
+                  <a:endParaRPr lang="fr-FR" sz="1000" dirty="0"/>
+                </a:p>
+              </p:txBody>
+            </p:sp>
+          </mc:Choice>
+          <mc:Fallback xmlns="">
+            <p:sp>
+              <p:nvSpPr>
+                <p:cNvPr id="63" name="ZoneTexte 62">
+                  <a:extLst>
+                    <a:ext uri="{FF2B5EF4-FFF2-40B4-BE49-F238E27FC236}">
+                      <a16:creationId xmlns:a16="http://schemas.microsoft.com/office/drawing/2014/main" id="{6573B8FF-FC92-4D39-A7CF-813A1EBEA58D}"/>
+                    </a:ext>
+                  </a:extLst>
+                </p:cNvPr>
+                <p:cNvSpPr txBox="1">
+                  <a:spLocks noRot="1" noChangeAspect="1" noMove="1" noResize="1" noEditPoints="1" noAdjustHandles="1" noChangeArrowheads="1" noChangeShapeType="1" noTextEdit="1"/>
+                </p:cNvSpPr>
+                <p:nvPr/>
+              </p:nvSpPr>
+              <p:spPr>
+                <a:xfrm>
+                  <a:off x="4506802" y="3252239"/>
+                  <a:ext cx="118174" cy="153888"/>
+                </a:xfrm>
+                <a:prstGeom prst="rect">
+                  <a:avLst/>
+                </a:prstGeom>
+                <a:blipFill>
+                  <a:blip r:embed="rId7"/>
+                  <a:stretch>
+                    <a:fillRect l="-25000" r="-20000" b="-24000"/>
+                  </a:stretch>
+                </a:blipFill>
+              </p:spPr>
+              <p:txBody>
+                <a:bodyPr/>
+                <a:lstStyle/>
+                <a:p>
+                  <a:r>
+                    <a:rPr lang="fr-FR">
+                      <a:noFill/>
+                    </a:rPr>
+                    <a:t> </a:t>
+                  </a:r>
+                </a:p>
+              </p:txBody>
+            </p:sp>
+          </mc:Fallback>
+        </mc:AlternateContent>
+      </p:grpSp>
+      <p:grpSp>
+        <p:nvGrpSpPr>
+          <p:cNvPr id="71" name="Groupe 70">
+            <a:extLst>
+              <a:ext uri="{FF2B5EF4-FFF2-40B4-BE49-F238E27FC236}">
+                <a16:creationId xmlns:a16="http://schemas.microsoft.com/office/drawing/2014/main" id="{E80766BF-C577-4AE9-B82B-ADB8EE47676B}"/>
+              </a:ext>
+            </a:extLst>
+          </p:cNvPr>
+          <p:cNvGrpSpPr/>
+          <p:nvPr/>
+        </p:nvGrpSpPr>
+        <p:grpSpPr>
+          <a:xfrm>
+            <a:off x="233617" y="2602498"/>
+            <a:ext cx="2370197" cy="1935154"/>
+            <a:chOff x="740286" y="3168660"/>
+            <a:chExt cx="2370197" cy="1935154"/>
+          </a:xfrm>
+        </p:grpSpPr>
+        <p:grpSp>
+          <p:nvGrpSpPr>
+            <p:cNvPr id="4" name="Groupe 3">
+              <a:extLst>
+                <a:ext uri="{FF2B5EF4-FFF2-40B4-BE49-F238E27FC236}">
+                  <a16:creationId xmlns:a16="http://schemas.microsoft.com/office/drawing/2014/main" id="{045FBDD0-4DD7-4C48-9E9C-68F4310C10A9}"/>
+                </a:ext>
+              </a:extLst>
+            </p:cNvPr>
+            <p:cNvGrpSpPr/>
+            <p:nvPr/>
+          </p:nvGrpSpPr>
+          <p:grpSpPr>
+            <a:xfrm rot="13500000">
+              <a:off x="1328303" y="3015030"/>
+              <a:ext cx="1323247" cy="2241112"/>
+              <a:chOff x="2977194" y="2472069"/>
+              <a:chExt cx="1323247" cy="2241112"/>
+            </a:xfrm>
+          </p:grpSpPr>
+          <p:grpSp>
+            <p:nvGrpSpPr>
+              <p:cNvPr id="5" name="Groupe 4">
+                <a:extLst>
+                  <a:ext uri="{FF2B5EF4-FFF2-40B4-BE49-F238E27FC236}">
+                    <a16:creationId xmlns:a16="http://schemas.microsoft.com/office/drawing/2014/main" id="{75398963-89E7-421D-BA19-13772E20B77C}"/>
+                  </a:ext>
+                </a:extLst>
+              </p:cNvPr>
+              <p:cNvGrpSpPr/>
+              <p:nvPr/>
+            </p:nvGrpSpPr>
+            <p:grpSpPr>
+              <a:xfrm>
+                <a:off x="2977194" y="2966483"/>
+                <a:ext cx="1323247" cy="1746698"/>
+                <a:chOff x="2977194" y="2966483"/>
+                <a:chExt cx="1323247" cy="1746698"/>
+              </a:xfrm>
+            </p:grpSpPr>
+            <p:sp>
+              <p:nvSpPr>
+                <p:cNvPr id="7" name="Arc 6">
+                  <a:extLst>
+                    <a:ext uri="{FF2B5EF4-FFF2-40B4-BE49-F238E27FC236}">
+                      <a16:creationId xmlns:a16="http://schemas.microsoft.com/office/drawing/2014/main" id="{BEC1EE3B-0A90-458F-9F6B-6BA619ED1449}"/>
+                    </a:ext>
+                  </a:extLst>
+                </p:cNvPr>
+                <p:cNvSpPr/>
+                <p:nvPr/>
+              </p:nvSpPr>
+              <p:spPr>
+                <a:xfrm>
+                  <a:off x="3631019" y="2966483"/>
+                  <a:ext cx="288000" cy="288000"/>
+                </a:xfrm>
+                <a:prstGeom prst="arc">
+                  <a:avLst>
+                    <a:gd name="adj1" fmla="val 10671135"/>
+                    <a:gd name="adj2" fmla="val 0"/>
+                  </a:avLst>
+                </a:prstGeom>
+                <a:noFill/>
+                <a:ln w="19050">
+                  <a:solidFill>
+                    <a:srgbClr val="FFC000"/>
+                  </a:solidFill>
+                </a:ln>
+              </p:spPr>
+              <p:style>
+                <a:lnRef idx="2">
+                  <a:schemeClr val="accent1">
+                    <a:shade val="50000"/>
+                  </a:schemeClr>
+                </a:lnRef>
+                <a:fillRef idx="1">
+                  <a:schemeClr val="accent1"/>
+                </a:fillRef>
+                <a:effectRef idx="0">
+                  <a:schemeClr val="accent1"/>
+                </a:effectRef>
+                <a:fontRef idx="minor">
+                  <a:schemeClr val="lt1"/>
+                </a:fontRef>
+              </p:style>
+              <p:txBody>
+                <a:bodyPr rtlCol="0" anchor="ctr"/>
+                <a:lstStyle/>
+                <a:p>
+                  <a:pPr algn="ctr"/>
+                  <a:endParaRPr lang="fr-FR" dirty="0">
+                    <a:solidFill>
+                      <a:srgbClr val="FF0000"/>
+                    </a:solidFill>
+                  </a:endParaRPr>
+                </a:p>
+              </p:txBody>
+            </p:sp>
+            <p:cxnSp>
+              <p:nvCxnSpPr>
+                <p:cNvPr id="8" name="Connecteur droit 7">
+                  <a:extLst>
+                    <a:ext uri="{FF2B5EF4-FFF2-40B4-BE49-F238E27FC236}">
+                      <a16:creationId xmlns:a16="http://schemas.microsoft.com/office/drawing/2014/main" id="{3AD19322-ED43-49B9-8142-19BB522CF026}"/>
+                    </a:ext>
+                  </a:extLst>
+                </p:cNvPr>
+                <p:cNvCxnSpPr>
+                  <a:cxnSpLocks/>
+                </p:cNvCxnSpPr>
+                <p:nvPr/>
+              </p:nvCxnSpPr>
+              <p:spPr>
+                <a:xfrm rot="8100000" flipV="1">
+                  <a:off x="2977194" y="3389934"/>
+                  <a:ext cx="1323247" cy="1323247"/>
+                </a:xfrm>
+                <a:prstGeom prst="line">
+                  <a:avLst/>
+                </a:prstGeom>
+                <a:noFill/>
+                <a:ln w="19050">
+                  <a:solidFill>
+                    <a:srgbClr val="FFC000"/>
+                  </a:solidFill>
+                </a:ln>
+              </p:spPr>
+              <p:style>
+                <a:lnRef idx="2">
+                  <a:schemeClr val="accent1">
+                    <a:shade val="50000"/>
+                  </a:schemeClr>
+                </a:lnRef>
+                <a:fillRef idx="1">
+                  <a:schemeClr val="accent1"/>
+                </a:fillRef>
+                <a:effectRef idx="0">
+                  <a:schemeClr val="accent1"/>
+                </a:effectRef>
+                <a:fontRef idx="minor">
+                  <a:schemeClr val="lt1"/>
+                </a:fontRef>
+              </p:style>
+            </p:cxnSp>
+          </p:grpSp>
+          <p:cxnSp>
+            <p:nvCxnSpPr>
+              <p:cNvPr id="6" name="Connecteur droit 5">
+                <a:extLst>
+                  <a:ext uri="{FF2B5EF4-FFF2-40B4-BE49-F238E27FC236}">
+                    <a16:creationId xmlns:a16="http://schemas.microsoft.com/office/drawing/2014/main" id="{ED42E5F3-EBBF-4087-9D01-B58AA52E867C}"/>
+                  </a:ext>
+                </a:extLst>
+              </p:cNvPr>
+              <p:cNvCxnSpPr>
+                <a:cxnSpLocks/>
+              </p:cNvCxnSpPr>
+              <p:nvPr/>
+            </p:nvCxnSpPr>
+            <p:spPr>
+              <a:xfrm flipV="1">
+                <a:off x="3780342" y="2472069"/>
+                <a:ext cx="0" cy="494414"/>
+              </a:xfrm>
+              <a:prstGeom prst="line">
+                <a:avLst/>
+              </a:prstGeom>
+              <a:noFill/>
+              <a:ln w="19050">
+                <a:solidFill>
+                  <a:srgbClr val="FFC000"/>
+                </a:solidFill>
+              </a:ln>
+            </p:spPr>
+            <p:style>
+              <a:lnRef idx="2">
+                <a:schemeClr val="accent1">
+                  <a:shade val="50000"/>
+                </a:schemeClr>
+              </a:lnRef>
+              <a:fillRef idx="1">
+                <a:schemeClr val="accent1"/>
+              </a:fillRef>
+              <a:effectRef idx="0">
+                <a:schemeClr val="accent1"/>
+              </a:effectRef>
+              <a:fontRef idx="minor">
+                <a:schemeClr val="lt1"/>
+              </a:fontRef>
+            </p:style>
+          </p:cxnSp>
+        </p:grpSp>
+        <p:sp>
+          <p:nvSpPr>
+            <p:cNvPr id="9" name="Forme libre : forme 8">
+              <a:extLst>
+                <a:ext uri="{FF2B5EF4-FFF2-40B4-BE49-F238E27FC236}">
+                  <a16:creationId xmlns:a16="http://schemas.microsoft.com/office/drawing/2014/main" id="{8FA039F8-A007-4773-9933-5F8B090CF15E}"/>
+                </a:ext>
+              </a:extLst>
+            </p:cNvPr>
+            <p:cNvSpPr/>
+            <p:nvPr/>
+          </p:nvSpPr>
+          <p:spPr>
+            <a:xfrm>
+              <a:off x="931760" y="5009186"/>
+              <a:ext cx="254643" cy="94628"/>
+            </a:xfrm>
+            <a:custGeom>
+              <a:avLst/>
+              <a:gdLst>
+                <a:gd name="connsiteX0" fmla="*/ 0 w 254643"/>
+                <a:gd name="connsiteY0" fmla="*/ 0 h 140389"/>
+                <a:gd name="connsiteX1" fmla="*/ 92598 w 254643"/>
+                <a:gd name="connsiteY1" fmla="*/ 138897 h 140389"/>
+                <a:gd name="connsiteX2" fmla="*/ 138897 w 254643"/>
+                <a:gd name="connsiteY2" fmla="*/ 75236 h 140389"/>
+                <a:gd name="connsiteX3" fmla="*/ 202557 w 254643"/>
+                <a:gd name="connsiteY3" fmla="*/ 104173 h 140389"/>
+                <a:gd name="connsiteX4" fmla="*/ 254643 w 254643"/>
+                <a:gd name="connsiteY4" fmla="*/ 5788 h 140389"/>
+              </a:gdLst>
+              <a:ahLst/>
+              <a:cxnLst>
+                <a:cxn ang="0">
+                  <a:pos x="connsiteX0" y="connsiteY0"/>
+                </a:cxn>
+                <a:cxn ang="0">
+                  <a:pos x="connsiteX1" y="connsiteY1"/>
+                </a:cxn>
+                <a:cxn ang="0">
+                  <a:pos x="connsiteX2" y="connsiteY2"/>
+                </a:cxn>
+                <a:cxn ang="0">
+                  <a:pos x="connsiteX3" y="connsiteY3"/>
+                </a:cxn>
+                <a:cxn ang="0">
+                  <a:pos x="connsiteX4" y="connsiteY4"/>
+                </a:cxn>
+              </a:cxnLst>
+              <a:rect l="l" t="t" r="r" b="b"/>
+              <a:pathLst>
+                <a:path w="254643" h="140389">
+                  <a:moveTo>
+                    <a:pt x="0" y="0"/>
+                  </a:moveTo>
+                  <a:cubicBezTo>
+                    <a:pt x="34724" y="63179"/>
+                    <a:pt x="69448" y="126358"/>
+                    <a:pt x="92598" y="138897"/>
+                  </a:cubicBezTo>
+                  <a:cubicBezTo>
+                    <a:pt x="115748" y="151436"/>
+                    <a:pt x="120571" y="81023"/>
+                    <a:pt x="138897" y="75236"/>
+                  </a:cubicBezTo>
+                  <a:cubicBezTo>
+                    <a:pt x="157223" y="69449"/>
+                    <a:pt x="183266" y="115748"/>
+                    <a:pt x="202557" y="104173"/>
+                  </a:cubicBezTo>
+                  <a:cubicBezTo>
+                    <a:pt x="221848" y="92598"/>
+                    <a:pt x="238245" y="49193"/>
+                    <a:pt x="254643" y="5788"/>
+                  </a:cubicBezTo>
+                </a:path>
+              </a:pathLst>
+            </a:custGeom>
+            <a:solidFill>
+              <a:schemeClr val="bg2">
+                <a:lumMod val="90000"/>
+              </a:schemeClr>
+            </a:solidFill>
+            <a:ln>
+              <a:solidFill>
+                <a:schemeClr val="tx1"/>
+              </a:solidFill>
+            </a:ln>
+          </p:spPr>
+          <p:style>
+            <a:lnRef idx="2">
+              <a:schemeClr val="accent1">
+                <a:shade val="50000"/>
+              </a:schemeClr>
+            </a:lnRef>
+            <a:fillRef idx="1">
+              <a:schemeClr val="accent1"/>
+            </a:fillRef>
+            <a:effectRef idx="0">
+              <a:schemeClr val="accent1"/>
+            </a:effectRef>
+            <a:fontRef idx="minor">
+              <a:schemeClr val="lt1"/>
+            </a:fontRef>
+          </p:style>
+          <p:txBody>
+            <a:bodyPr rtlCol="0" anchor="ctr"/>
+            <a:lstStyle/>
+            <a:p>
+              <a:pPr algn="ctr"/>
+              <a:endParaRPr lang="fr-FR"/>
+            </a:p>
+          </p:txBody>
+        </p:sp>
+        <p:sp>
+          <p:nvSpPr>
+            <p:cNvPr id="10" name="Ellipse 9">
+              <a:extLst>
+                <a:ext uri="{FF2B5EF4-FFF2-40B4-BE49-F238E27FC236}">
+                  <a16:creationId xmlns:a16="http://schemas.microsoft.com/office/drawing/2014/main" id="{6032AC7D-3A37-4BC4-B97E-8AC753CFA461}"/>
+                </a:ext>
+              </a:extLst>
+            </p:cNvPr>
+            <p:cNvSpPr/>
+            <p:nvPr/>
+          </p:nvSpPr>
+          <p:spPr>
+            <a:xfrm>
+              <a:off x="987543" y="4799935"/>
+              <a:ext cx="144000" cy="144000"/>
+            </a:xfrm>
+            <a:prstGeom prst="ellipse">
+              <a:avLst/>
+            </a:prstGeom>
+            <a:noFill/>
+            <a:ln w="19050">
+              <a:solidFill>
+                <a:schemeClr val="tx1"/>
+              </a:solidFill>
+            </a:ln>
+          </p:spPr>
+          <p:style>
+            <a:lnRef idx="2">
+              <a:schemeClr val="accent1">
+                <a:shade val="50000"/>
+              </a:schemeClr>
+            </a:lnRef>
+            <a:fillRef idx="1">
+              <a:schemeClr val="accent1"/>
+            </a:fillRef>
+            <a:effectRef idx="0">
+              <a:schemeClr val="accent1"/>
+            </a:effectRef>
+            <a:fontRef idx="minor">
+              <a:schemeClr val="lt1"/>
+            </a:fontRef>
+          </p:style>
+          <p:txBody>
+            <a:bodyPr rtlCol="0" anchor="ctr"/>
+            <a:lstStyle/>
+            <a:p>
+              <a:pPr algn="ctr"/>
+              <a:endParaRPr lang="fr-FR"/>
+            </a:p>
+          </p:txBody>
+        </p:sp>
+        <p:cxnSp>
+          <p:nvCxnSpPr>
+            <p:cNvPr id="11" name="Connecteur droit 10">
+              <a:extLst>
+                <a:ext uri="{FF2B5EF4-FFF2-40B4-BE49-F238E27FC236}">
+                  <a16:creationId xmlns:a16="http://schemas.microsoft.com/office/drawing/2014/main" id="{DDB4BA1A-8F1C-413A-872B-B08F7F5D9627}"/>
+                </a:ext>
+              </a:extLst>
+            </p:cNvPr>
+            <p:cNvCxnSpPr>
+              <a:cxnSpLocks/>
+              <a:stCxn id="10" idx="4"/>
+            </p:cNvCxnSpPr>
+            <p:nvPr/>
+          </p:nvCxnSpPr>
+          <p:spPr>
+            <a:xfrm>
+              <a:off x="1059543" y="4943935"/>
+              <a:ext cx="0" cy="59870"/>
+            </a:xfrm>
+            <a:prstGeom prst="line">
+              <a:avLst/>
+            </a:prstGeom>
+            <a:noFill/>
+            <a:ln w="19050">
+              <a:solidFill>
+                <a:schemeClr val="tx1"/>
+              </a:solidFill>
+            </a:ln>
+          </p:spPr>
+          <p:style>
+            <a:lnRef idx="2">
+              <a:schemeClr val="accent1">
+                <a:shade val="50000"/>
+              </a:schemeClr>
+            </a:lnRef>
+            <a:fillRef idx="1">
+              <a:schemeClr val="accent1"/>
+            </a:fillRef>
+            <a:effectRef idx="0">
+              <a:schemeClr val="accent1"/>
+            </a:effectRef>
+            <a:fontRef idx="minor">
+              <a:schemeClr val="lt1"/>
+            </a:fontRef>
+          </p:style>
+        </p:cxnSp>
+        <p:cxnSp>
+          <p:nvCxnSpPr>
+            <p:cNvPr id="12" name="Connecteur droit 11">
+              <a:extLst>
+                <a:ext uri="{FF2B5EF4-FFF2-40B4-BE49-F238E27FC236}">
+                  <a16:creationId xmlns:a16="http://schemas.microsoft.com/office/drawing/2014/main" id="{1227F42E-7FCC-450B-AAB2-03C07D1116CA}"/>
+                </a:ext>
+              </a:extLst>
+            </p:cNvPr>
+            <p:cNvCxnSpPr>
+              <a:cxnSpLocks/>
+            </p:cNvCxnSpPr>
+            <p:nvPr/>
+          </p:nvCxnSpPr>
+          <p:spPr>
+            <a:xfrm rot="5400000">
+              <a:off x="1059082" y="4862495"/>
+              <a:ext cx="0" cy="288000"/>
+            </a:xfrm>
+            <a:prstGeom prst="line">
+              <a:avLst/>
+            </a:prstGeom>
+            <a:noFill/>
+            <a:ln w="19050">
+              <a:solidFill>
+                <a:schemeClr val="tx1"/>
+              </a:solidFill>
+            </a:ln>
+          </p:spPr>
+          <p:style>
+            <a:lnRef idx="2">
+              <a:schemeClr val="accent1">
+                <a:shade val="50000"/>
+              </a:schemeClr>
+            </a:lnRef>
+            <a:fillRef idx="1">
+              <a:schemeClr val="accent1"/>
+            </a:fillRef>
+            <a:effectRef idx="0">
+              <a:schemeClr val="accent1"/>
+            </a:effectRef>
+            <a:fontRef idx="minor">
+              <a:schemeClr val="lt1"/>
+            </a:fontRef>
+          </p:style>
+        </p:cxnSp>
+        <p:cxnSp>
+          <p:nvCxnSpPr>
+            <p:cNvPr id="13" name="Connecteur droit 12">
+              <a:extLst>
+                <a:ext uri="{FF2B5EF4-FFF2-40B4-BE49-F238E27FC236}">
+                  <a16:creationId xmlns:a16="http://schemas.microsoft.com/office/drawing/2014/main" id="{F4A3CDC2-2CF5-42EA-9CFB-9D34FEFC0D9C}"/>
+                </a:ext>
+              </a:extLst>
+            </p:cNvPr>
+            <p:cNvCxnSpPr>
+              <a:cxnSpLocks/>
+            </p:cNvCxnSpPr>
+            <p:nvPr/>
+          </p:nvCxnSpPr>
+          <p:spPr>
+            <a:xfrm flipH="1">
+              <a:off x="1131543" y="4871935"/>
+              <a:ext cx="1560269" cy="0"/>
+            </a:xfrm>
+            <a:prstGeom prst="line">
+              <a:avLst/>
+            </a:prstGeom>
+            <a:noFill/>
+            <a:ln w="19050">
+              <a:solidFill>
+                <a:srgbClr val="FFC000"/>
+              </a:solidFill>
+              <a:prstDash val="sysDot"/>
+            </a:ln>
+          </p:spPr>
+          <p:style>
+            <a:lnRef idx="2">
+              <a:schemeClr val="accent1">
+                <a:shade val="50000"/>
+              </a:schemeClr>
+            </a:lnRef>
+            <a:fillRef idx="1">
+              <a:schemeClr val="accent1"/>
+            </a:fillRef>
+            <a:effectRef idx="0">
+              <a:schemeClr val="accent1"/>
+            </a:effectRef>
+            <a:fontRef idx="minor">
+              <a:schemeClr val="lt1"/>
+            </a:fontRef>
+          </p:style>
+        </p:cxnSp>
+        <mc:AlternateContent xmlns:mc="http://schemas.openxmlformats.org/markup-compatibility/2006" xmlns:a14="http://schemas.microsoft.com/office/drawing/2010/main">
+          <mc:Choice Requires="a14">
+            <p:sp>
+              <p:nvSpPr>
+                <p:cNvPr id="14" name="ZoneTexte 13">
+                  <a:extLst>
+                    <a:ext uri="{FF2B5EF4-FFF2-40B4-BE49-F238E27FC236}">
+                      <a16:creationId xmlns:a16="http://schemas.microsoft.com/office/drawing/2014/main" id="{9C98817C-9EB3-4877-80CA-8239FAA37D82}"/>
+                    </a:ext>
+                  </a:extLst>
+                </p:cNvPr>
+                <p:cNvSpPr txBox="1"/>
+                <p:nvPr/>
+              </p:nvSpPr>
+              <p:spPr>
+                <a:xfrm>
+                  <a:off x="740286" y="4789204"/>
+                  <a:ext cx="134524" cy="184666"/>
+                </a:xfrm>
+                <a:prstGeom prst="rect">
+                  <a:avLst/>
+                </a:prstGeom>
+                <a:noFill/>
+              </p:spPr>
+              <p:txBody>
+                <a:bodyPr wrap="none" lIns="0" tIns="0" rIns="0" bIns="0" rtlCol="0">
+                  <a:spAutoFit/>
+                </a:bodyPr>
+                <a:lstStyle/>
+                <a:p>
+                  <a:pPr/>
+                  <a14:m>
+                    <m:oMathPara xmlns:m="http://schemas.openxmlformats.org/officeDocument/2006/math">
+                      <m:oMathParaPr>
+                        <m:jc m:val="centerGroup"/>
+                      </m:oMathParaPr>
+                      <m:oMath xmlns:m="http://schemas.openxmlformats.org/officeDocument/2006/math">
+                        <m:r>
+                          <a:rPr lang="fr-FR" sz="1200" b="0" i="1" smtClean="0">
+                            <a:latin typeface="Cambria Math" panose="02040503050406030204" pitchFamily="18" charset="0"/>
+                          </a:rPr>
+                          <m:t>𝐴</m:t>
+                        </m:r>
+                      </m:oMath>
+                    </m:oMathPara>
+                  </a14:m>
+                  <a:endParaRPr lang="fr-FR" sz="1200" dirty="0"/>
+                </a:p>
+              </p:txBody>
+            </p:sp>
+          </mc:Choice>
+          <mc:Fallback xmlns="">
+            <p:sp>
+              <p:nvSpPr>
+                <p:cNvPr id="14" name="ZoneTexte 13">
+                  <a:extLst>
+                    <a:ext uri="{FF2B5EF4-FFF2-40B4-BE49-F238E27FC236}">
+                      <a16:creationId xmlns:a16="http://schemas.microsoft.com/office/drawing/2014/main" id="{9C98817C-9EB3-4877-80CA-8239FAA37D82}"/>
+                    </a:ext>
+                  </a:extLst>
+                </p:cNvPr>
+                <p:cNvSpPr txBox="1">
+                  <a:spLocks noRot="1" noChangeAspect="1" noMove="1" noResize="1" noEditPoints="1" noAdjustHandles="1" noChangeArrowheads="1" noChangeShapeType="1" noTextEdit="1"/>
+                </p:cNvSpPr>
+                <p:nvPr/>
+              </p:nvSpPr>
+              <p:spPr>
+                <a:xfrm>
+                  <a:off x="740286" y="4789204"/>
+                  <a:ext cx="134524" cy="184666"/>
+                </a:xfrm>
+                <a:prstGeom prst="rect">
+                  <a:avLst/>
+                </a:prstGeom>
+                <a:blipFill>
+                  <a:blip r:embed="rId8"/>
+                  <a:stretch>
+                    <a:fillRect l="-27273" r="-27273" b="-3226"/>
+                  </a:stretch>
+                </a:blipFill>
+              </p:spPr>
+              <p:txBody>
+                <a:bodyPr/>
+                <a:lstStyle/>
+                <a:p>
+                  <a:r>
+                    <a:rPr lang="fr-FR">
+                      <a:noFill/>
+                    </a:rPr>
+                    <a:t> </a:t>
+                  </a:r>
+                </a:p>
+              </p:txBody>
+            </p:sp>
+          </mc:Fallback>
+        </mc:AlternateContent>
+        <p:cxnSp>
+          <p:nvCxnSpPr>
+            <p:cNvPr id="15" name="Connecteur droit 14">
+              <a:extLst>
+                <a:ext uri="{FF2B5EF4-FFF2-40B4-BE49-F238E27FC236}">
+                  <a16:creationId xmlns:a16="http://schemas.microsoft.com/office/drawing/2014/main" id="{08CE0A27-3396-4054-96E4-27B8248794A9}"/>
+                </a:ext>
+              </a:extLst>
+            </p:cNvPr>
+            <p:cNvCxnSpPr>
+              <a:cxnSpLocks/>
+            </p:cNvCxnSpPr>
+            <p:nvPr/>
+          </p:nvCxnSpPr>
+          <p:spPr>
+            <a:xfrm flipV="1">
+              <a:off x="1126354" y="4189461"/>
+              <a:ext cx="610252" cy="600724"/>
+            </a:xfrm>
+            <a:prstGeom prst="line">
+              <a:avLst/>
+            </a:prstGeom>
+            <a:noFill/>
+            <a:ln w="9525">
+              <a:solidFill>
+                <a:srgbClr val="FFC000"/>
+              </a:solidFill>
+              <a:tailEnd type="stealth" w="med" len="lg"/>
+            </a:ln>
+          </p:spPr>
+          <p:style>
+            <a:lnRef idx="2">
+              <a:schemeClr val="accent1">
+                <a:shade val="50000"/>
+              </a:schemeClr>
+            </a:lnRef>
+            <a:fillRef idx="1">
+              <a:schemeClr val="accent1"/>
+            </a:fillRef>
+            <a:effectRef idx="0">
+              <a:schemeClr val="accent1"/>
+            </a:effectRef>
+            <a:fontRef idx="minor">
+              <a:schemeClr val="lt1"/>
+            </a:fontRef>
+          </p:style>
+        </p:cxnSp>
+        <p:sp>
+          <p:nvSpPr>
+            <p:cNvPr id="16" name="Ellipse 15">
+              <a:extLst>
+                <a:ext uri="{FF2B5EF4-FFF2-40B4-BE49-F238E27FC236}">
+                  <a16:creationId xmlns:a16="http://schemas.microsoft.com/office/drawing/2014/main" id="{9BD752BD-2FAC-4070-93C7-41431DA52ECD}"/>
+                </a:ext>
+              </a:extLst>
+            </p:cNvPr>
+            <p:cNvSpPr/>
+            <p:nvPr/>
+          </p:nvSpPr>
+          <p:spPr>
+            <a:xfrm>
+              <a:off x="1806125" y="4334346"/>
+              <a:ext cx="225543" cy="225543"/>
+            </a:xfrm>
+            <a:prstGeom prst="ellipse">
+              <a:avLst/>
+            </a:prstGeom>
+            <a:noFill/>
+            <a:ln w="19050">
+              <a:solidFill>
+                <a:schemeClr val="accent4"/>
+              </a:solidFill>
+            </a:ln>
+          </p:spPr>
+          <p:style>
+            <a:lnRef idx="2">
+              <a:schemeClr val="accent1">
+                <a:shade val="50000"/>
+              </a:schemeClr>
+            </a:lnRef>
+            <a:fillRef idx="1">
+              <a:schemeClr val="accent1"/>
+            </a:fillRef>
+            <a:effectRef idx="0">
+              <a:schemeClr val="accent1"/>
+            </a:effectRef>
+            <a:fontRef idx="minor">
+              <a:schemeClr val="lt1"/>
+            </a:fontRef>
+          </p:style>
+          <p:txBody>
+            <a:bodyPr lIns="0" tIns="0" rIns="0" bIns="0" rtlCol="0" anchor="ctr"/>
+            <a:lstStyle/>
+            <a:p>
+              <a:pPr algn="ctr"/>
+              <a:r>
+                <a:rPr lang="fr-FR" sz="1400" b="1" dirty="0">
+                  <a:solidFill>
+                    <a:schemeClr val="accent4"/>
+                  </a:solidFill>
+                </a:rPr>
+                <a:t>1</a:t>
+              </a:r>
+              <a:endParaRPr lang="fr-FR" b="1" dirty="0">
+                <a:solidFill>
+                  <a:schemeClr val="accent4"/>
+                </a:solidFill>
+              </a:endParaRPr>
+            </a:p>
+          </p:txBody>
+        </p:sp>
+        <mc:AlternateContent xmlns:mc="http://schemas.openxmlformats.org/markup-compatibility/2006" xmlns:a14="http://schemas.microsoft.com/office/drawing/2010/main">
+          <mc:Choice Requires="a14">
+            <p:sp>
+              <p:nvSpPr>
+                <p:cNvPr id="17" name="ZoneTexte 16">
+                  <a:extLst>
+                    <a:ext uri="{FF2B5EF4-FFF2-40B4-BE49-F238E27FC236}">
+                      <a16:creationId xmlns:a16="http://schemas.microsoft.com/office/drawing/2014/main" id="{D0C85A7F-D2D0-44BE-893C-DD1E97FDD47F}"/>
+                    </a:ext>
+                  </a:extLst>
+                </p:cNvPr>
+                <p:cNvSpPr txBox="1"/>
+                <p:nvPr/>
+              </p:nvSpPr>
+              <p:spPr>
+                <a:xfrm>
+                  <a:off x="1491848" y="4059447"/>
+                  <a:ext cx="184088" cy="184666"/>
+                </a:xfrm>
+                <a:prstGeom prst="rect">
+                  <a:avLst/>
+                </a:prstGeom>
+                <a:noFill/>
+              </p:spPr>
+              <p:txBody>
+                <a:bodyPr wrap="none" lIns="0" tIns="0" rIns="0" bIns="0" rtlCol="0">
+                  <a:spAutoFit/>
+                </a:bodyPr>
+                <a:lstStyle/>
+                <a:p>
+                  <a:pPr/>
+                  <a14:m>
+                    <m:oMathPara xmlns:m="http://schemas.openxmlformats.org/officeDocument/2006/math">
+                      <m:oMathParaPr>
+                        <m:jc m:val="centerGroup"/>
+                      </m:oMathParaPr>
+                      <m:oMath xmlns:m="http://schemas.openxmlformats.org/officeDocument/2006/math">
+                        <m:acc>
+                          <m:accPr>
+                            <m:chr m:val="⃗"/>
+                            <m:ctrlPr>
+                              <a:rPr lang="fr-FR" sz="1200" b="0" i="1" smtClean="0">
+                                <a:latin typeface="Cambria Math" panose="02040503050406030204" pitchFamily="18" charset="0"/>
+                              </a:rPr>
+                            </m:ctrlPr>
+                          </m:accPr>
+                          <m:e>
+                            <m:sSub>
+                              <m:sSubPr>
+                                <m:ctrlPr>
+                                  <a:rPr lang="fr-FR" sz="1200" b="0" i="1" smtClean="0">
+                                    <a:latin typeface="Cambria Math" panose="02040503050406030204" pitchFamily="18" charset="0"/>
+                                  </a:rPr>
+                                </m:ctrlPr>
+                              </m:sSubPr>
+                              <m:e>
+                                <m:r>
+                                  <a:rPr lang="fr-FR" sz="1200" b="0" i="1" smtClean="0">
+                                    <a:latin typeface="Cambria Math" panose="02040503050406030204" pitchFamily="18" charset="0"/>
+                                  </a:rPr>
+                                  <m:t>𝑥</m:t>
+                                </m:r>
+                              </m:e>
+                              <m:sub>
+                                <m:r>
+                                  <a:rPr lang="fr-FR" sz="1200" b="0" i="1" smtClean="0">
+                                    <a:latin typeface="Cambria Math" panose="02040503050406030204" pitchFamily="18" charset="0"/>
+                                  </a:rPr>
+                                  <m:t>1</m:t>
+                                </m:r>
+                              </m:sub>
+                            </m:sSub>
+                          </m:e>
+                        </m:acc>
+                      </m:oMath>
+                    </m:oMathPara>
+                  </a14:m>
+                  <a:endParaRPr lang="fr-FR" sz="1200" dirty="0"/>
+                </a:p>
+              </p:txBody>
+            </p:sp>
+          </mc:Choice>
+          <mc:Fallback xmlns="">
+            <p:sp>
+              <p:nvSpPr>
+                <p:cNvPr id="17" name="ZoneTexte 16">
+                  <a:extLst>
+                    <a:ext uri="{FF2B5EF4-FFF2-40B4-BE49-F238E27FC236}">
+                      <a16:creationId xmlns:a16="http://schemas.microsoft.com/office/drawing/2014/main" id="{D0C85A7F-D2D0-44BE-893C-DD1E97FDD47F}"/>
+                    </a:ext>
+                  </a:extLst>
+                </p:cNvPr>
+                <p:cNvSpPr txBox="1">
+                  <a:spLocks noRot="1" noChangeAspect="1" noMove="1" noResize="1" noEditPoints="1" noAdjustHandles="1" noChangeArrowheads="1" noChangeShapeType="1" noTextEdit="1"/>
+                </p:cNvSpPr>
+                <p:nvPr/>
+              </p:nvSpPr>
+              <p:spPr>
+                <a:xfrm>
+                  <a:off x="1491848" y="4059447"/>
+                  <a:ext cx="184088" cy="184666"/>
+                </a:xfrm>
+                <a:prstGeom prst="rect">
+                  <a:avLst/>
+                </a:prstGeom>
+                <a:blipFill>
+                  <a:blip r:embed="rId9"/>
+                  <a:stretch>
+                    <a:fillRect l="-13333" r="-3333" b="-13333"/>
+                  </a:stretch>
+                </a:blipFill>
+              </p:spPr>
+              <p:txBody>
+                <a:bodyPr/>
+                <a:lstStyle/>
+                <a:p>
+                  <a:r>
+                    <a:rPr lang="fr-FR">
+                      <a:noFill/>
+                    </a:rPr>
+                    <a:t> </a:t>
+                  </a:r>
+                </a:p>
+              </p:txBody>
+            </p:sp>
+          </mc:Fallback>
+        </mc:AlternateContent>
+        <p:sp>
+          <p:nvSpPr>
+            <p:cNvPr id="18" name="Ellipse 17">
+              <a:extLst>
+                <a:ext uri="{FF2B5EF4-FFF2-40B4-BE49-F238E27FC236}">
+                  <a16:creationId xmlns:a16="http://schemas.microsoft.com/office/drawing/2014/main" id="{47BAA44B-90FA-4EBD-AC2A-6E0B05336A6F}"/>
+                </a:ext>
+              </a:extLst>
+            </p:cNvPr>
+            <p:cNvSpPr/>
+            <p:nvPr/>
+          </p:nvSpPr>
+          <p:spPr>
+            <a:xfrm>
+              <a:off x="773613" y="4525205"/>
+              <a:ext cx="225543" cy="225543"/>
+            </a:xfrm>
+            <a:prstGeom prst="ellipse">
+              <a:avLst/>
+            </a:prstGeom>
+            <a:noFill/>
+            <a:ln w="19050">
+              <a:solidFill>
+                <a:schemeClr val="tx1"/>
+              </a:solidFill>
+            </a:ln>
+          </p:spPr>
+          <p:style>
+            <a:lnRef idx="2">
+              <a:schemeClr val="accent1">
+                <a:shade val="50000"/>
+              </a:schemeClr>
+            </a:lnRef>
+            <a:fillRef idx="1">
+              <a:schemeClr val="accent1"/>
+            </a:fillRef>
+            <a:effectRef idx="0">
+              <a:schemeClr val="accent1"/>
+            </a:effectRef>
+            <a:fontRef idx="minor">
+              <a:schemeClr val="lt1"/>
+            </a:fontRef>
+          </p:style>
+          <p:txBody>
+            <a:bodyPr lIns="0" tIns="0" rIns="0" bIns="0" rtlCol="0" anchor="ctr"/>
+            <a:lstStyle/>
+            <a:p>
+              <a:pPr algn="ctr"/>
+              <a:r>
+                <a:rPr lang="fr-FR" sz="1400" b="1" dirty="0">
+                  <a:solidFill>
+                    <a:schemeClr val="tx1"/>
+                  </a:solidFill>
+                </a:rPr>
+                <a:t>0</a:t>
+              </a:r>
+              <a:endParaRPr lang="fr-FR" b="1" dirty="0">
+                <a:solidFill>
+                  <a:schemeClr val="tx1"/>
+                </a:solidFill>
+              </a:endParaRPr>
+            </a:p>
+          </p:txBody>
+        </p:sp>
+        <p:sp>
+          <p:nvSpPr>
+            <p:cNvPr id="20" name="Ellipse 19">
+              <a:extLst>
+                <a:ext uri="{FF2B5EF4-FFF2-40B4-BE49-F238E27FC236}">
+                  <a16:creationId xmlns:a16="http://schemas.microsoft.com/office/drawing/2014/main" id="{9F57CEB1-7116-46E4-A26F-F19F49996E10}"/>
+                </a:ext>
+              </a:extLst>
+            </p:cNvPr>
+            <p:cNvSpPr/>
+            <p:nvPr/>
+          </p:nvSpPr>
+          <p:spPr>
+            <a:xfrm>
+              <a:off x="2492716" y="3460613"/>
+              <a:ext cx="199096" cy="199096"/>
+            </a:xfrm>
+            <a:prstGeom prst="ellipse">
+              <a:avLst/>
+            </a:prstGeom>
+            <a:solidFill>
+              <a:schemeClr val="accent2"/>
+            </a:solidFill>
+            <a:ln w="38100">
+              <a:solidFill>
+                <a:srgbClr val="FFC000"/>
+              </a:solidFill>
+            </a:ln>
+          </p:spPr>
+          <p:style>
+            <a:lnRef idx="2">
+              <a:schemeClr val="accent1">
+                <a:shade val="50000"/>
+              </a:schemeClr>
+            </a:lnRef>
+            <a:fillRef idx="1">
+              <a:schemeClr val="accent1"/>
+            </a:fillRef>
+            <a:effectRef idx="0">
+              <a:schemeClr val="accent1"/>
+            </a:effectRef>
+            <a:fontRef idx="minor">
+              <a:schemeClr val="lt1"/>
+            </a:fontRef>
+          </p:style>
+          <p:txBody>
+            <a:bodyPr rtlCol="0" anchor="ctr"/>
+            <a:lstStyle/>
+            <a:p>
+              <a:pPr algn="ctr"/>
+              <a:endParaRPr lang="fr-FR"/>
+            </a:p>
+          </p:txBody>
+        </p:sp>
+        <p:sp>
+          <p:nvSpPr>
+            <p:cNvPr id="21" name="Ellipse 20">
+              <a:extLst>
+                <a:ext uri="{FF2B5EF4-FFF2-40B4-BE49-F238E27FC236}">
+                  <a16:creationId xmlns:a16="http://schemas.microsoft.com/office/drawing/2014/main" id="{7A9324EA-B7A9-4C97-B7E9-800F3F3C7815}"/>
+                </a:ext>
+              </a:extLst>
+            </p:cNvPr>
+            <p:cNvSpPr/>
+            <p:nvPr/>
+          </p:nvSpPr>
+          <p:spPr>
+            <a:xfrm>
+              <a:off x="2331795" y="3727298"/>
+              <a:ext cx="89217" cy="89217"/>
+            </a:xfrm>
+            <a:prstGeom prst="ellipse">
+              <a:avLst/>
+            </a:prstGeom>
+            <a:solidFill>
+              <a:schemeClr val="accent2"/>
+            </a:solidFill>
+            <a:ln w="38100">
+              <a:solidFill>
+                <a:srgbClr val="FFC000"/>
+              </a:solidFill>
+            </a:ln>
+          </p:spPr>
+          <p:style>
+            <a:lnRef idx="2">
+              <a:schemeClr val="accent1">
+                <a:shade val="50000"/>
+              </a:schemeClr>
+            </a:lnRef>
+            <a:fillRef idx="1">
+              <a:schemeClr val="accent1"/>
+            </a:fillRef>
+            <a:effectRef idx="0">
+              <a:schemeClr val="accent1"/>
+            </a:effectRef>
+            <a:fontRef idx="minor">
+              <a:schemeClr val="lt1"/>
+            </a:fontRef>
+          </p:style>
+          <p:txBody>
+            <a:bodyPr rtlCol="0" anchor="ctr"/>
+            <a:lstStyle/>
+            <a:p>
+              <a:pPr algn="ctr"/>
+              <a:endParaRPr lang="fr-FR"/>
+            </a:p>
+          </p:txBody>
+        </p:sp>
+        <p:cxnSp>
+          <p:nvCxnSpPr>
+            <p:cNvPr id="25" name="Connecteur droit avec flèche 24">
+              <a:extLst>
+                <a:ext uri="{FF2B5EF4-FFF2-40B4-BE49-F238E27FC236}">
+                  <a16:creationId xmlns:a16="http://schemas.microsoft.com/office/drawing/2014/main" id="{7C8392EA-20D2-4BFF-AA6B-3B02A482FCD0}"/>
+                </a:ext>
+              </a:extLst>
+            </p:cNvPr>
+            <p:cNvCxnSpPr>
+              <a:cxnSpLocks/>
+            </p:cNvCxnSpPr>
+            <p:nvPr/>
+          </p:nvCxnSpPr>
+          <p:spPr>
+            <a:xfrm>
+              <a:off x="2594985" y="3666122"/>
+              <a:ext cx="0" cy="347419"/>
+            </a:xfrm>
+            <a:prstGeom prst="straightConnector1">
+              <a:avLst/>
+            </a:prstGeom>
+            <a:ln w="38100">
+              <a:solidFill>
+                <a:srgbClr val="C00000"/>
+              </a:solidFill>
+              <a:tailEnd type="stealth" w="med" len="lg"/>
+            </a:ln>
+          </p:spPr>
+          <p:style>
+            <a:lnRef idx="1">
+              <a:schemeClr val="accent1"/>
+            </a:lnRef>
+            <a:fillRef idx="0">
+              <a:schemeClr val="accent1"/>
+            </a:fillRef>
+            <a:effectRef idx="0">
+              <a:schemeClr val="accent1"/>
+            </a:effectRef>
+            <a:fontRef idx="minor">
+              <a:schemeClr val="tx1"/>
+            </a:fontRef>
+          </p:style>
+        </p:cxnSp>
+        <p:cxnSp>
+          <p:nvCxnSpPr>
+            <p:cNvPr id="26" name="Connecteur droit avec flèche 25">
+              <a:extLst>
+                <a:ext uri="{FF2B5EF4-FFF2-40B4-BE49-F238E27FC236}">
+                  <a16:creationId xmlns:a16="http://schemas.microsoft.com/office/drawing/2014/main" id="{7BC92A14-65E0-4AE1-9100-81FB194DD0D9}"/>
+                </a:ext>
+              </a:extLst>
+            </p:cNvPr>
+            <p:cNvCxnSpPr>
+              <a:cxnSpLocks/>
+            </p:cNvCxnSpPr>
+            <p:nvPr/>
+          </p:nvCxnSpPr>
+          <p:spPr>
+            <a:xfrm>
+              <a:off x="2366154" y="3837622"/>
+              <a:ext cx="0" cy="351839"/>
+            </a:xfrm>
+            <a:prstGeom prst="straightConnector1">
+              <a:avLst/>
+            </a:prstGeom>
+            <a:ln w="38100">
+              <a:solidFill>
+                <a:srgbClr val="C00000"/>
+              </a:solidFill>
+              <a:tailEnd type="stealth" w="med" len="lg"/>
+            </a:ln>
+          </p:spPr>
+          <p:style>
+            <a:lnRef idx="1">
+              <a:schemeClr val="accent1"/>
+            </a:lnRef>
+            <a:fillRef idx="0">
+              <a:schemeClr val="accent1"/>
+            </a:fillRef>
+            <a:effectRef idx="0">
+              <a:schemeClr val="accent1"/>
+            </a:effectRef>
+            <a:fontRef idx="minor">
+              <a:schemeClr val="tx1"/>
+            </a:fontRef>
+          </p:style>
+        </p:cxnSp>
+        <p:sp>
+          <p:nvSpPr>
+            <p:cNvPr id="47" name="Arc 46">
+              <a:extLst>
+                <a:ext uri="{FF2B5EF4-FFF2-40B4-BE49-F238E27FC236}">
+                  <a16:creationId xmlns:a16="http://schemas.microsoft.com/office/drawing/2014/main" id="{311BE4B0-029D-43A1-99B7-578BCE561C27}"/>
+                </a:ext>
+              </a:extLst>
+            </p:cNvPr>
+            <p:cNvSpPr/>
+            <p:nvPr/>
+          </p:nvSpPr>
+          <p:spPr>
+            <a:xfrm rot="13500000">
+              <a:off x="884187" y="4662418"/>
+              <a:ext cx="388584" cy="388584"/>
+            </a:xfrm>
+            <a:prstGeom prst="arc">
+              <a:avLst>
+                <a:gd name="adj1" fmla="val 10671135"/>
+                <a:gd name="adj2" fmla="val 0"/>
+              </a:avLst>
+            </a:prstGeom>
+            <a:ln w="38100">
+              <a:solidFill>
+                <a:srgbClr val="C00000"/>
+              </a:solidFill>
+              <a:tailEnd type="stealth" w="med" len="lg"/>
+            </a:ln>
+          </p:spPr>
+          <p:style>
+            <a:lnRef idx="1">
+              <a:schemeClr val="accent1"/>
+            </a:lnRef>
+            <a:fillRef idx="0">
+              <a:schemeClr val="accent1"/>
+            </a:fillRef>
+            <a:effectRef idx="0">
+              <a:schemeClr val="accent1"/>
+            </a:effectRef>
+            <a:fontRef idx="minor">
+              <a:schemeClr val="tx1"/>
+            </a:fontRef>
+          </p:style>
+          <p:txBody>
+            <a:bodyPr rtlCol="0" anchor="ctr"/>
+            <a:lstStyle/>
+            <a:p>
+              <a:pPr algn="ctr"/>
+              <a:endParaRPr lang="fr-FR" dirty="0">
+                <a:solidFill>
+                  <a:srgbClr val="FF0000"/>
+                </a:solidFill>
+              </a:endParaRPr>
+            </a:p>
+          </p:txBody>
+        </p:sp>
+        <mc:AlternateContent xmlns:mc="http://schemas.openxmlformats.org/markup-compatibility/2006" xmlns:a14="http://schemas.microsoft.com/office/drawing/2010/main">
+          <mc:Choice Requires="a14">
+            <p:sp>
+              <p:nvSpPr>
+                <p:cNvPr id="66" name="ZoneTexte 65">
+                  <a:extLst>
+                    <a:ext uri="{FF2B5EF4-FFF2-40B4-BE49-F238E27FC236}">
+                      <a16:creationId xmlns:a16="http://schemas.microsoft.com/office/drawing/2014/main" id="{3A97950B-84F8-4DD6-B142-4080708B4364}"/>
+                    </a:ext>
+                  </a:extLst>
+                </p:cNvPr>
+                <p:cNvSpPr txBox="1"/>
+                <p:nvPr/>
+              </p:nvSpPr>
+              <p:spPr>
+                <a:xfrm>
+                  <a:off x="2217246" y="3496933"/>
+                  <a:ext cx="213328" cy="184666"/>
+                </a:xfrm>
+                <a:prstGeom prst="rect">
+                  <a:avLst/>
+                </a:prstGeom>
+                <a:noFill/>
+              </p:spPr>
+              <p:txBody>
+                <a:bodyPr wrap="none" lIns="0" tIns="0" rIns="0" bIns="0" rtlCol="0">
+                  <a:spAutoFit/>
+                </a:bodyPr>
+                <a:lstStyle/>
+                <a:p>
+                  <a:pPr/>
+                  <a14:m>
+                    <m:oMathPara xmlns:m="http://schemas.openxmlformats.org/officeDocument/2006/math">
+                      <m:oMathParaPr>
+                        <m:jc m:val="centerGroup"/>
+                      </m:oMathParaPr>
+                      <m:oMath xmlns:m="http://schemas.openxmlformats.org/officeDocument/2006/math">
+                        <m:sSub>
+                          <m:sSubPr>
+                            <m:ctrlPr>
+                              <a:rPr lang="fr-FR" sz="1200" b="0" i="1" smtClean="0">
+                                <a:latin typeface="Cambria Math" panose="02040503050406030204" pitchFamily="18" charset="0"/>
+                              </a:rPr>
+                            </m:ctrlPr>
+                          </m:sSubPr>
+                          <m:e>
+                            <m:r>
+                              <a:rPr lang="fr-FR" sz="1200" b="0" i="1" smtClean="0">
+                                <a:latin typeface="Cambria Math" panose="02040503050406030204" pitchFamily="18" charset="0"/>
+                              </a:rPr>
+                              <m:t>𝐺</m:t>
+                            </m:r>
+                          </m:e>
+                          <m:sub>
+                            <m:r>
+                              <a:rPr lang="fr-FR" sz="1200" b="0" i="1" smtClean="0">
+                                <a:latin typeface="Cambria Math" panose="02040503050406030204" pitchFamily="18" charset="0"/>
+                              </a:rPr>
+                              <m:t>𝐵</m:t>
+                            </m:r>
+                          </m:sub>
+                        </m:sSub>
+                      </m:oMath>
+                    </m:oMathPara>
+                  </a14:m>
+                  <a:endParaRPr lang="fr-FR" sz="1200" dirty="0"/>
+                </a:p>
+              </p:txBody>
+            </p:sp>
+          </mc:Choice>
+          <mc:Fallback xmlns="">
+            <p:sp>
+              <p:nvSpPr>
+                <p:cNvPr id="66" name="ZoneTexte 65">
+                  <a:extLst>
+                    <a:ext uri="{FF2B5EF4-FFF2-40B4-BE49-F238E27FC236}">
+                      <a16:creationId xmlns:a16="http://schemas.microsoft.com/office/drawing/2014/main" id="{3A97950B-84F8-4DD6-B142-4080708B4364}"/>
+                    </a:ext>
+                  </a:extLst>
+                </p:cNvPr>
+                <p:cNvSpPr txBox="1">
+                  <a:spLocks noRot="1" noChangeAspect="1" noMove="1" noResize="1" noEditPoints="1" noAdjustHandles="1" noChangeArrowheads="1" noChangeShapeType="1" noTextEdit="1"/>
+                </p:cNvSpPr>
+                <p:nvPr/>
+              </p:nvSpPr>
+              <p:spPr>
+                <a:xfrm>
+                  <a:off x="2217246" y="3496933"/>
+                  <a:ext cx="213328" cy="184666"/>
+                </a:xfrm>
+                <a:prstGeom prst="rect">
+                  <a:avLst/>
+                </a:prstGeom>
+                <a:blipFill>
+                  <a:blip r:embed="rId10"/>
+                  <a:stretch>
+                    <a:fillRect l="-17143" r="-2857" b="-9677"/>
+                  </a:stretch>
+                </a:blipFill>
+              </p:spPr>
+              <p:txBody>
+                <a:bodyPr/>
+                <a:lstStyle/>
+                <a:p>
+                  <a:r>
+                    <a:rPr lang="fr-FR">
+                      <a:noFill/>
+                    </a:rPr>
+                    <a:t> </a:t>
+                  </a:r>
+                </a:p>
+              </p:txBody>
+            </p:sp>
+          </mc:Fallback>
+        </mc:AlternateContent>
+        <mc:AlternateContent xmlns:mc="http://schemas.openxmlformats.org/markup-compatibility/2006" xmlns:a14="http://schemas.microsoft.com/office/drawing/2010/main">
+          <mc:Choice Requires="a14">
+            <p:sp>
+              <p:nvSpPr>
+                <p:cNvPr id="67" name="ZoneTexte 66">
+                  <a:extLst>
+                    <a:ext uri="{FF2B5EF4-FFF2-40B4-BE49-F238E27FC236}">
+                      <a16:creationId xmlns:a16="http://schemas.microsoft.com/office/drawing/2014/main" id="{C8D08307-30E2-4C01-ABFF-19B8856BD45A}"/>
+                    </a:ext>
+                  </a:extLst>
+                </p:cNvPr>
+                <p:cNvSpPr txBox="1"/>
+                <p:nvPr/>
+              </p:nvSpPr>
+              <p:spPr>
+                <a:xfrm>
+                  <a:off x="2440060" y="3168660"/>
+                  <a:ext cx="240450" cy="184666"/>
+                </a:xfrm>
+                <a:prstGeom prst="rect">
+                  <a:avLst/>
+                </a:prstGeom>
+                <a:noFill/>
+              </p:spPr>
+              <p:txBody>
+                <a:bodyPr wrap="none" lIns="0" tIns="0" rIns="0" bIns="0" rtlCol="0">
+                  <a:spAutoFit/>
+                </a:bodyPr>
+                <a:lstStyle/>
+                <a:p>
+                  <a:pPr/>
+                  <a14:m>
+                    <m:oMathPara xmlns:m="http://schemas.openxmlformats.org/officeDocument/2006/math">
+                      <m:oMathParaPr>
+                        <m:jc m:val="centerGroup"/>
+                      </m:oMathParaPr>
+                      <m:oMath xmlns:m="http://schemas.openxmlformats.org/officeDocument/2006/math">
+                        <m:sSub>
+                          <m:sSubPr>
+                            <m:ctrlPr>
+                              <a:rPr lang="fr-FR" sz="1200" b="0" i="1" smtClean="0">
+                                <a:latin typeface="Cambria Math" panose="02040503050406030204" pitchFamily="18" charset="0"/>
+                              </a:rPr>
+                            </m:ctrlPr>
+                          </m:sSubPr>
+                          <m:e>
+                            <m:r>
+                              <a:rPr lang="fr-FR" sz="1200" b="0" i="1" smtClean="0">
+                                <a:latin typeface="Cambria Math" panose="02040503050406030204" pitchFamily="18" charset="0"/>
+                              </a:rPr>
+                              <m:t>𝐺</m:t>
+                            </m:r>
+                          </m:e>
+                          <m:sub>
+                            <m:r>
+                              <a:rPr lang="fr-FR" sz="1200" b="0" i="1" smtClean="0">
+                                <a:latin typeface="Cambria Math" panose="02040503050406030204" pitchFamily="18" charset="0"/>
+                              </a:rPr>
+                              <m:t>𝑀</m:t>
+                            </m:r>
+                          </m:sub>
+                        </m:sSub>
+                      </m:oMath>
+                    </m:oMathPara>
+                  </a14:m>
+                  <a:endParaRPr lang="fr-FR" sz="1200" dirty="0"/>
+                </a:p>
+              </p:txBody>
+            </p:sp>
+          </mc:Choice>
+          <mc:Fallback xmlns="">
+            <p:sp>
+              <p:nvSpPr>
+                <p:cNvPr id="67" name="ZoneTexte 66">
+                  <a:extLst>
+                    <a:ext uri="{FF2B5EF4-FFF2-40B4-BE49-F238E27FC236}">
+                      <a16:creationId xmlns:a16="http://schemas.microsoft.com/office/drawing/2014/main" id="{C8D08307-30E2-4C01-ABFF-19B8856BD45A}"/>
+                    </a:ext>
+                  </a:extLst>
+                </p:cNvPr>
+                <p:cNvSpPr txBox="1">
+                  <a:spLocks noRot="1" noChangeAspect="1" noMove="1" noResize="1" noEditPoints="1" noAdjustHandles="1" noChangeArrowheads="1" noChangeShapeType="1" noTextEdit="1"/>
+                </p:cNvSpPr>
+                <p:nvPr/>
+              </p:nvSpPr>
+              <p:spPr>
+                <a:xfrm>
+                  <a:off x="2440060" y="3168660"/>
+                  <a:ext cx="240450" cy="184666"/>
+                </a:xfrm>
+                <a:prstGeom prst="rect">
+                  <a:avLst/>
+                </a:prstGeom>
+                <a:blipFill>
+                  <a:blip r:embed="rId11"/>
+                  <a:stretch>
+                    <a:fillRect l="-15000" b="-13333"/>
+                  </a:stretch>
+                </a:blipFill>
+              </p:spPr>
+              <p:txBody>
+                <a:bodyPr/>
+                <a:lstStyle/>
+                <a:p>
+                  <a:r>
+                    <a:rPr lang="fr-FR">
+                      <a:noFill/>
+                    </a:rPr>
+                    <a:t> </a:t>
+                  </a:r>
+                </a:p>
+              </p:txBody>
+            </p:sp>
+          </mc:Fallback>
+        </mc:AlternateContent>
+      </p:grpSp>
+      <p:grpSp>
+        <p:nvGrpSpPr>
+          <p:cNvPr id="38" name="Groupe 37">
+            <a:extLst>
+              <a:ext uri="{FF2B5EF4-FFF2-40B4-BE49-F238E27FC236}">
+                <a16:creationId xmlns:a16="http://schemas.microsoft.com/office/drawing/2014/main" id="{1BF14533-FFBD-35A4-B09B-1945958232CD}"/>
+              </a:ext>
+            </a:extLst>
+          </p:cNvPr>
+          <p:cNvGrpSpPr/>
+          <p:nvPr/>
+        </p:nvGrpSpPr>
+        <p:grpSpPr>
+          <a:xfrm>
+            <a:off x="3241830" y="2563237"/>
+            <a:ext cx="2274342" cy="2013676"/>
+            <a:chOff x="1871449" y="4044107"/>
+            <a:chExt cx="2274342" cy="2013676"/>
+          </a:xfrm>
+        </p:grpSpPr>
+        <p:cxnSp>
+          <p:nvCxnSpPr>
+            <p:cNvPr id="76" name="Connecteur droit 75">
+              <a:extLst>
+                <a:ext uri="{FF2B5EF4-FFF2-40B4-BE49-F238E27FC236}">
+                  <a16:creationId xmlns:a16="http://schemas.microsoft.com/office/drawing/2014/main" id="{796FF1CE-9C2D-463D-86C3-D6503BF7F436}"/>
+                </a:ext>
+              </a:extLst>
+            </p:cNvPr>
+            <p:cNvCxnSpPr>
+              <a:cxnSpLocks/>
+              <a:stCxn id="70" idx="7"/>
+              <a:endCxn id="69" idx="3"/>
+            </p:cNvCxnSpPr>
+            <p:nvPr/>
+          </p:nvCxnSpPr>
+          <p:spPr>
+            <a:xfrm flipH="1">
+              <a:off x="1935708" y="4950140"/>
+              <a:ext cx="1065201" cy="914734"/>
+            </a:xfrm>
+            <a:prstGeom prst="line">
+              <a:avLst/>
+            </a:prstGeom>
+            <a:noFill/>
+            <a:ln w="19050">
+              <a:solidFill>
+                <a:schemeClr val="tx1"/>
+              </a:solidFill>
+            </a:ln>
+          </p:spPr>
+          <p:style>
+            <a:lnRef idx="2">
+              <a:schemeClr val="accent1">
+                <a:shade val="50000"/>
+              </a:schemeClr>
+            </a:lnRef>
+            <a:fillRef idx="1">
+              <a:schemeClr val="accent1"/>
+            </a:fillRef>
+            <a:effectRef idx="0">
+              <a:schemeClr val="accent1"/>
+            </a:effectRef>
+            <a:fontRef idx="minor">
+              <a:schemeClr val="lt1"/>
+            </a:fontRef>
+          </p:style>
+        </p:cxnSp>
+        <p:sp>
+          <p:nvSpPr>
+            <p:cNvPr id="69" name="Ellipse 68">
+              <a:extLst>
+                <a:ext uri="{FF2B5EF4-FFF2-40B4-BE49-F238E27FC236}">
+                  <a16:creationId xmlns:a16="http://schemas.microsoft.com/office/drawing/2014/main" id="{EC73B7E8-9435-4C9E-9E75-98A4C6CBAF35}"/>
+                </a:ext>
+              </a:extLst>
+            </p:cNvPr>
+            <p:cNvSpPr/>
+            <p:nvPr/>
+          </p:nvSpPr>
+          <p:spPr>
+            <a:xfrm>
+              <a:off x="1902678" y="5672361"/>
+              <a:ext cx="225543" cy="225543"/>
+            </a:xfrm>
+            <a:prstGeom prst="ellipse">
+              <a:avLst/>
+            </a:prstGeom>
+            <a:solidFill>
+              <a:schemeClr val="bg1"/>
+            </a:solidFill>
+            <a:ln w="19050">
+              <a:solidFill>
+                <a:schemeClr val="tx1"/>
+              </a:solidFill>
+            </a:ln>
+          </p:spPr>
+          <p:style>
+            <a:lnRef idx="2">
+              <a:schemeClr val="accent1">
+                <a:shade val="50000"/>
+              </a:schemeClr>
+            </a:lnRef>
+            <a:fillRef idx="1">
+              <a:schemeClr val="accent1"/>
+            </a:fillRef>
+            <a:effectRef idx="0">
+              <a:schemeClr val="accent1"/>
+            </a:effectRef>
+            <a:fontRef idx="minor">
+              <a:schemeClr val="lt1"/>
+            </a:fontRef>
+          </p:style>
+          <p:txBody>
+            <a:bodyPr lIns="0" tIns="0" rIns="0" bIns="0" rtlCol="0" anchor="ctr"/>
+            <a:lstStyle/>
+            <a:p>
+              <a:pPr algn="ctr"/>
+              <a:r>
+                <a:rPr lang="fr-FR" sz="1400" b="1" dirty="0">
+                  <a:solidFill>
+                    <a:schemeClr val="tx1"/>
+                  </a:solidFill>
+                </a:rPr>
+                <a:t>0</a:t>
+              </a:r>
+              <a:endParaRPr lang="fr-FR" b="1" dirty="0">
+                <a:solidFill>
+                  <a:schemeClr val="tx1"/>
+                </a:solidFill>
+              </a:endParaRPr>
+            </a:p>
+          </p:txBody>
+        </p:sp>
+        <p:sp>
+          <p:nvSpPr>
+            <p:cNvPr id="70" name="Ellipse 69">
+              <a:extLst>
+                <a:ext uri="{FF2B5EF4-FFF2-40B4-BE49-F238E27FC236}">
+                  <a16:creationId xmlns:a16="http://schemas.microsoft.com/office/drawing/2014/main" id="{1690BC6D-74DF-49C4-B2C9-74D33C026CF8}"/>
+                </a:ext>
+              </a:extLst>
+            </p:cNvPr>
+            <p:cNvSpPr/>
+            <p:nvPr/>
+          </p:nvSpPr>
+          <p:spPr>
+            <a:xfrm>
+              <a:off x="2808396" y="4917110"/>
+              <a:ext cx="225543" cy="225543"/>
+            </a:xfrm>
+            <a:prstGeom prst="ellipse">
+              <a:avLst/>
+            </a:prstGeom>
+            <a:solidFill>
+              <a:schemeClr val="bg1"/>
+            </a:solidFill>
+            <a:ln w="19050">
+              <a:solidFill>
+                <a:schemeClr val="accent4"/>
+              </a:solidFill>
+            </a:ln>
+          </p:spPr>
+          <p:style>
+            <a:lnRef idx="2">
+              <a:schemeClr val="accent1">
+                <a:shade val="50000"/>
+              </a:schemeClr>
+            </a:lnRef>
+            <a:fillRef idx="1">
+              <a:schemeClr val="accent1"/>
+            </a:fillRef>
+            <a:effectRef idx="0">
+              <a:schemeClr val="accent1"/>
+            </a:effectRef>
+            <a:fontRef idx="minor">
+              <a:schemeClr val="lt1"/>
+            </a:fontRef>
+          </p:style>
+          <p:txBody>
+            <a:bodyPr lIns="0" tIns="0" rIns="0" bIns="0" rtlCol="0" anchor="ctr"/>
+            <a:lstStyle/>
+            <a:p>
+              <a:pPr algn="ctr"/>
+              <a:r>
+                <a:rPr lang="fr-FR" sz="1400" b="1" dirty="0">
+                  <a:solidFill>
+                    <a:schemeClr val="accent4"/>
+                  </a:solidFill>
+                </a:rPr>
+                <a:t>1</a:t>
+              </a:r>
+              <a:endParaRPr lang="fr-FR" b="1" dirty="0">
+                <a:solidFill>
+                  <a:schemeClr val="accent4"/>
+                </a:solidFill>
+              </a:endParaRPr>
+            </a:p>
+          </p:txBody>
+        </p:sp>
+        <p:grpSp>
+          <p:nvGrpSpPr>
+            <p:cNvPr id="72" name="Groupe 71">
+              <a:extLst>
+                <a:ext uri="{FF2B5EF4-FFF2-40B4-BE49-F238E27FC236}">
+                  <a16:creationId xmlns:a16="http://schemas.microsoft.com/office/drawing/2014/main" id="{8C3225EE-5354-499A-A849-CE5F1E76C3CF}"/>
+                </a:ext>
+              </a:extLst>
+            </p:cNvPr>
+            <p:cNvGrpSpPr/>
+            <p:nvPr/>
+          </p:nvGrpSpPr>
+          <p:grpSpPr>
+            <a:xfrm>
+              <a:off x="1871449" y="5897904"/>
+              <a:ext cx="288000" cy="159879"/>
+              <a:chOff x="5951539" y="3653979"/>
+              <a:chExt cx="288000" cy="159879"/>
+            </a:xfrm>
+          </p:grpSpPr>
+          <p:sp>
+            <p:nvSpPr>
+              <p:cNvPr id="73" name="Forme libre : forme 72">
+                <a:extLst>
+                  <a:ext uri="{FF2B5EF4-FFF2-40B4-BE49-F238E27FC236}">
+                    <a16:creationId xmlns:a16="http://schemas.microsoft.com/office/drawing/2014/main" id="{2337484C-D25E-4A4A-B39E-E6F4DC589306}"/>
+                  </a:ext>
+                </a:extLst>
+              </p:cNvPr>
+              <p:cNvSpPr/>
+              <p:nvPr/>
+            </p:nvSpPr>
+            <p:spPr>
+              <a:xfrm>
+                <a:off x="5968217" y="3719230"/>
+                <a:ext cx="254643" cy="94628"/>
+              </a:xfrm>
+              <a:custGeom>
+                <a:avLst/>
+                <a:gdLst>
+                  <a:gd name="connsiteX0" fmla="*/ 0 w 254643"/>
+                  <a:gd name="connsiteY0" fmla="*/ 0 h 140389"/>
+                  <a:gd name="connsiteX1" fmla="*/ 92598 w 254643"/>
+                  <a:gd name="connsiteY1" fmla="*/ 138897 h 140389"/>
+                  <a:gd name="connsiteX2" fmla="*/ 138897 w 254643"/>
+                  <a:gd name="connsiteY2" fmla="*/ 75236 h 140389"/>
+                  <a:gd name="connsiteX3" fmla="*/ 202557 w 254643"/>
+                  <a:gd name="connsiteY3" fmla="*/ 104173 h 140389"/>
+                  <a:gd name="connsiteX4" fmla="*/ 254643 w 254643"/>
+                  <a:gd name="connsiteY4" fmla="*/ 5788 h 140389"/>
+                </a:gdLst>
+                <a:ahLst/>
+                <a:cxnLst>
+                  <a:cxn ang="0">
+                    <a:pos x="connsiteX0" y="connsiteY0"/>
+                  </a:cxn>
+                  <a:cxn ang="0">
+                    <a:pos x="connsiteX1" y="connsiteY1"/>
+                  </a:cxn>
+                  <a:cxn ang="0">
+                    <a:pos x="connsiteX2" y="connsiteY2"/>
+                  </a:cxn>
+                  <a:cxn ang="0">
+                    <a:pos x="connsiteX3" y="connsiteY3"/>
+                  </a:cxn>
+                  <a:cxn ang="0">
+                    <a:pos x="connsiteX4" y="connsiteY4"/>
+                  </a:cxn>
+                </a:cxnLst>
+                <a:rect l="l" t="t" r="r" b="b"/>
+                <a:pathLst>
+                  <a:path w="254643" h="140389">
+                    <a:moveTo>
+                      <a:pt x="0" y="0"/>
+                    </a:moveTo>
+                    <a:cubicBezTo>
+                      <a:pt x="34724" y="63179"/>
+                      <a:pt x="69448" y="126358"/>
+                      <a:pt x="92598" y="138897"/>
+                    </a:cubicBezTo>
+                    <a:cubicBezTo>
+                      <a:pt x="115748" y="151436"/>
+                      <a:pt x="120571" y="81023"/>
+                      <a:pt x="138897" y="75236"/>
+                    </a:cubicBezTo>
+                    <a:cubicBezTo>
+                      <a:pt x="157223" y="69449"/>
+                      <a:pt x="183266" y="115748"/>
+                      <a:pt x="202557" y="104173"/>
+                    </a:cubicBezTo>
+                    <a:cubicBezTo>
+                      <a:pt x="221848" y="92598"/>
+                      <a:pt x="238245" y="49193"/>
+                      <a:pt x="254643" y="5788"/>
+                    </a:cubicBezTo>
+                  </a:path>
+                </a:pathLst>
+              </a:custGeom>
+              <a:solidFill>
+                <a:schemeClr val="bg2">
+                  <a:lumMod val="90000"/>
+                </a:schemeClr>
+              </a:solidFill>
+              <a:ln>
+                <a:solidFill>
+                  <a:schemeClr val="tx1"/>
+                </a:solidFill>
+              </a:ln>
+            </p:spPr>
+            <p:style>
+              <a:lnRef idx="2">
+                <a:schemeClr val="accent1">
+                  <a:shade val="50000"/>
+                </a:schemeClr>
+              </a:lnRef>
+              <a:fillRef idx="1">
+                <a:schemeClr val="accent1"/>
+              </a:fillRef>
+              <a:effectRef idx="0">
+                <a:schemeClr val="accent1"/>
+              </a:effectRef>
+              <a:fontRef idx="minor">
+                <a:schemeClr val="lt1"/>
+              </a:fontRef>
+            </p:style>
+            <p:txBody>
+              <a:bodyPr rtlCol="0" anchor="ctr"/>
+              <a:lstStyle/>
+              <a:p>
+                <a:pPr algn="ctr"/>
+                <a:endParaRPr lang="fr-FR"/>
+              </a:p>
+            </p:txBody>
+          </p:sp>
+          <p:cxnSp>
+            <p:nvCxnSpPr>
+              <p:cNvPr id="74" name="Connecteur droit 73">
+                <a:extLst>
+                  <a:ext uri="{FF2B5EF4-FFF2-40B4-BE49-F238E27FC236}">
+                    <a16:creationId xmlns:a16="http://schemas.microsoft.com/office/drawing/2014/main" id="{3000810D-1DC3-43D1-B68E-260829718666}"/>
+                  </a:ext>
+                </a:extLst>
+              </p:cNvPr>
+              <p:cNvCxnSpPr>
+                <a:cxnSpLocks/>
+              </p:cNvCxnSpPr>
+              <p:nvPr/>
+            </p:nvCxnSpPr>
+            <p:spPr>
+              <a:xfrm>
+                <a:off x="6096000" y="3653979"/>
+                <a:ext cx="0" cy="59870"/>
+              </a:xfrm>
+              <a:prstGeom prst="line">
+                <a:avLst/>
+              </a:prstGeom>
+              <a:noFill/>
+              <a:ln w="19050">
+                <a:solidFill>
+                  <a:schemeClr val="tx1"/>
+                </a:solidFill>
+              </a:ln>
+            </p:spPr>
+            <p:style>
+              <a:lnRef idx="2">
+                <a:schemeClr val="accent1">
+                  <a:shade val="50000"/>
+                </a:schemeClr>
+              </a:lnRef>
+              <a:fillRef idx="1">
+                <a:schemeClr val="accent1"/>
+              </a:fillRef>
+              <a:effectRef idx="0">
+                <a:schemeClr val="accent1"/>
+              </a:effectRef>
+              <a:fontRef idx="minor">
+                <a:schemeClr val="lt1"/>
+              </a:fontRef>
+            </p:style>
+          </p:cxnSp>
+          <p:cxnSp>
+            <p:nvCxnSpPr>
+              <p:cNvPr id="75" name="Connecteur droit 74">
+                <a:extLst>
+                  <a:ext uri="{FF2B5EF4-FFF2-40B4-BE49-F238E27FC236}">
+                    <a16:creationId xmlns:a16="http://schemas.microsoft.com/office/drawing/2014/main" id="{9FA3A4DC-FAE2-4C95-AD90-73B3BAAD1DC0}"/>
+                  </a:ext>
+                </a:extLst>
+              </p:cNvPr>
+              <p:cNvCxnSpPr>
+                <a:cxnSpLocks/>
+              </p:cNvCxnSpPr>
+              <p:nvPr/>
+            </p:nvCxnSpPr>
+            <p:spPr>
+              <a:xfrm rot="5400000">
+                <a:off x="6095539" y="3572539"/>
+                <a:ext cx="0" cy="288000"/>
+              </a:xfrm>
+              <a:prstGeom prst="line">
+                <a:avLst/>
+              </a:prstGeom>
+              <a:noFill/>
+              <a:ln w="19050">
+                <a:solidFill>
+                  <a:schemeClr val="tx1"/>
+                </a:solidFill>
+              </a:ln>
+            </p:spPr>
+            <p:style>
+              <a:lnRef idx="2">
+                <a:schemeClr val="accent1">
+                  <a:shade val="50000"/>
+                </a:schemeClr>
+              </a:lnRef>
+              <a:fillRef idx="1">
+                <a:schemeClr val="accent1"/>
+              </a:fillRef>
+              <a:effectRef idx="0">
+                <a:schemeClr val="accent1"/>
+              </a:effectRef>
+              <a:fontRef idx="minor">
+                <a:schemeClr val="lt1"/>
+              </a:fontRef>
+            </p:style>
+          </p:cxnSp>
+        </p:grpSp>
+        <p:sp>
+          <p:nvSpPr>
+            <p:cNvPr id="32" name="Éclair 31">
+              <a:extLst>
+                <a:ext uri="{FF2B5EF4-FFF2-40B4-BE49-F238E27FC236}">
+                  <a16:creationId xmlns:a16="http://schemas.microsoft.com/office/drawing/2014/main" id="{3BE1E9CD-C832-E3D3-CA2F-8F95E6F6024E}"/>
+                </a:ext>
+              </a:extLst>
+            </p:cNvPr>
+            <p:cNvSpPr/>
+            <p:nvPr/>
+          </p:nvSpPr>
+          <p:spPr>
+            <a:xfrm flipH="1">
+              <a:off x="3033939" y="4287969"/>
+              <a:ext cx="349603" cy="549540"/>
+            </a:xfrm>
+            <a:prstGeom prst="lightningBolt">
+              <a:avLst/>
+            </a:prstGeom>
+            <a:solidFill>
+              <a:schemeClr val="accent2">
+                <a:lumMod val="20000"/>
+                <a:lumOff val="80000"/>
+              </a:schemeClr>
+            </a:solidFill>
+            <a:ln w="19050">
+              <a:solidFill>
+                <a:srgbClr val="FFC000"/>
+              </a:solidFill>
+            </a:ln>
+          </p:spPr>
+          <p:style>
+            <a:lnRef idx="2">
+              <a:schemeClr val="accent1">
+                <a:shade val="50000"/>
+              </a:schemeClr>
+            </a:lnRef>
+            <a:fillRef idx="1">
+              <a:schemeClr val="accent1"/>
+            </a:fillRef>
+            <a:effectRef idx="0">
+              <a:schemeClr val="accent1"/>
+            </a:effectRef>
+            <a:fontRef idx="minor">
+              <a:schemeClr val="lt1"/>
+            </a:fontRef>
+          </p:style>
+          <p:txBody>
+            <a:bodyPr rtlCol="0" anchor="ctr"/>
+            <a:lstStyle/>
+            <a:p>
+              <a:pPr algn="ctr"/>
+              <a:endParaRPr lang="fr-FR"/>
+            </a:p>
+          </p:txBody>
+        </p:sp>
+        <p:sp>
+          <p:nvSpPr>
+            <p:cNvPr id="33" name="ZoneTexte 32">
+              <a:extLst>
+                <a:ext uri="{FF2B5EF4-FFF2-40B4-BE49-F238E27FC236}">
+                  <a16:creationId xmlns:a16="http://schemas.microsoft.com/office/drawing/2014/main" id="{868DBBFE-9D50-8AA2-0C4C-09F5CECA5164}"/>
+                </a:ext>
+              </a:extLst>
+            </p:cNvPr>
+            <p:cNvSpPr txBox="1"/>
+            <p:nvPr/>
+          </p:nvSpPr>
+          <p:spPr>
+            <a:xfrm>
+              <a:off x="3410782" y="4044107"/>
+              <a:ext cx="735009" cy="215444"/>
+            </a:xfrm>
+            <a:prstGeom prst="rect">
+              <a:avLst/>
+            </a:prstGeom>
+            <a:noFill/>
+          </p:spPr>
+          <p:txBody>
+            <a:bodyPr wrap="none" lIns="0" tIns="0" rIns="0" bIns="0" rtlCol="0">
+              <a:spAutoFit/>
+            </a:bodyPr>
+            <a:lstStyle/>
+            <a:p>
+              <a:pPr/>
+              <a:r>
+                <a:rPr lang="fr-FR" sz="1400" dirty="0"/>
+                <a:t>Pesanteur</a:t>
+              </a:r>
+            </a:p>
+          </p:txBody>
+        </p:sp>
+        <p:sp>
+          <p:nvSpPr>
+            <p:cNvPr id="34" name="Éclair 33">
+              <a:extLst>
+                <a:ext uri="{FF2B5EF4-FFF2-40B4-BE49-F238E27FC236}">
+                  <a16:creationId xmlns:a16="http://schemas.microsoft.com/office/drawing/2014/main" id="{25AEAD33-5764-EBE6-120B-C219DCD3C4AF}"/>
+                </a:ext>
+              </a:extLst>
+            </p:cNvPr>
+            <p:cNvSpPr/>
+            <p:nvPr/>
+          </p:nvSpPr>
+          <p:spPr>
+            <a:xfrm rot="2700000" flipH="1">
+              <a:off x="2320032" y="5661176"/>
+              <a:ext cx="245809" cy="247912"/>
+            </a:xfrm>
+            <a:prstGeom prst="lightningBolt">
+              <a:avLst/>
+            </a:prstGeom>
+            <a:solidFill>
+              <a:schemeClr val="accent2">
+                <a:lumMod val="20000"/>
+                <a:lumOff val="80000"/>
+              </a:schemeClr>
+            </a:solidFill>
+            <a:ln w="19050">
+              <a:solidFill>
+                <a:srgbClr val="FFC000"/>
+              </a:solidFill>
+            </a:ln>
+          </p:spPr>
+          <p:style>
+            <a:lnRef idx="2">
+              <a:schemeClr val="accent1">
+                <a:shade val="50000"/>
+              </a:schemeClr>
+            </a:lnRef>
+            <a:fillRef idx="1">
+              <a:schemeClr val="accent1"/>
+            </a:fillRef>
+            <a:effectRef idx="0">
+              <a:schemeClr val="accent1"/>
+            </a:effectRef>
+            <a:fontRef idx="minor">
+              <a:schemeClr val="lt1"/>
+            </a:fontRef>
+          </p:style>
+          <p:txBody>
+            <a:bodyPr rtlCol="0" anchor="ctr"/>
+            <a:lstStyle/>
+            <a:p>
+              <a:pPr algn="ctr"/>
+              <a:endParaRPr lang="fr-FR"/>
+            </a:p>
+          </p:txBody>
+        </p:sp>
+        <mc:AlternateContent xmlns:mc="http://schemas.openxmlformats.org/markup-compatibility/2006">
+          <mc:Choice xmlns:a14="http://schemas.microsoft.com/office/drawing/2010/main" Requires="a14">
+            <p:sp>
+              <p:nvSpPr>
+                <p:cNvPr id="35" name="ZoneTexte 34">
+                  <a:extLst>
+                    <a:ext uri="{FF2B5EF4-FFF2-40B4-BE49-F238E27FC236}">
+                      <a16:creationId xmlns:a16="http://schemas.microsoft.com/office/drawing/2014/main" id="{FD9DB9FD-1FAF-B507-8F96-D857CC5E9358}"/>
+                    </a:ext>
+                  </a:extLst>
+                </p:cNvPr>
+                <p:cNvSpPr txBox="1"/>
+                <p:nvPr/>
+              </p:nvSpPr>
+              <p:spPr>
+                <a:xfrm>
+                  <a:off x="2692337" y="5700078"/>
+                  <a:ext cx="403124" cy="243015"/>
+                </a:xfrm>
+                <a:prstGeom prst="rect">
+                  <a:avLst/>
+                </a:prstGeom>
+                <a:noFill/>
+              </p:spPr>
+              <p:txBody>
+                <a:bodyPr wrap="none" lIns="0" tIns="0" rIns="0" bIns="0" rtlCol="0">
+                  <a:spAutoFit/>
+                </a:bodyPr>
+                <a:lstStyle/>
+                <a:p>
+                  <a:pPr/>
+                  <a14:m>
+                    <m:oMathPara xmlns:m="http://schemas.openxmlformats.org/officeDocument/2006/math">
+                      <m:oMathParaPr>
+                        <m:jc m:val="centerGroup"/>
+                      </m:oMathParaPr>
+                      <m:oMath xmlns:m="http://schemas.openxmlformats.org/officeDocument/2006/math">
+                        <m:r>
+                          <a:rPr lang="fr-FR" sz="1400" b="0" i="1" dirty="0" smtClean="0">
+                            <a:latin typeface="Cambria Math" panose="02040503050406030204" pitchFamily="18" charset="0"/>
+                          </a:rPr>
+                          <m:t>−</m:t>
+                        </m:r>
+                        <m:acc>
+                          <m:accPr>
+                            <m:chr m:val="⃗"/>
+                            <m:ctrlPr>
+                              <a:rPr lang="fr-FR" sz="1400" i="1" dirty="0" smtClean="0">
+                                <a:latin typeface="Cambria Math" panose="02040503050406030204" pitchFamily="18" charset="0"/>
+                              </a:rPr>
+                            </m:ctrlPr>
+                          </m:accPr>
+                          <m:e>
+                            <m:sSub>
+                              <m:sSubPr>
+                                <m:ctrlPr>
+                                  <a:rPr lang="fr-FR" sz="1400" b="0" i="1" dirty="0" smtClean="0">
+                                    <a:latin typeface="Cambria Math" panose="02040503050406030204" pitchFamily="18" charset="0"/>
+                                  </a:rPr>
+                                </m:ctrlPr>
+                              </m:sSubPr>
+                              <m:e>
+                                <m:r>
+                                  <a:rPr lang="fr-FR" sz="1400" b="0" i="1" dirty="0" smtClean="0">
+                                    <a:latin typeface="Cambria Math" panose="02040503050406030204" pitchFamily="18" charset="0"/>
+                                  </a:rPr>
+                                  <m:t>𝐶</m:t>
+                                </m:r>
+                              </m:e>
+                              <m:sub>
+                                <m:r>
+                                  <a:rPr lang="fr-FR" sz="1400" b="0" i="1" dirty="0" smtClean="0">
+                                    <a:latin typeface="Cambria Math" panose="02040503050406030204" pitchFamily="18" charset="0"/>
+                                  </a:rPr>
+                                  <m:t>𝑚</m:t>
+                                </m:r>
+                              </m:sub>
+                            </m:sSub>
+                          </m:e>
+                        </m:acc>
+                      </m:oMath>
+                    </m:oMathPara>
+                  </a14:m>
+                  <a:endParaRPr lang="fr-FR" sz="1400" dirty="0"/>
+                </a:p>
+              </p:txBody>
+            </p:sp>
+          </mc:Choice>
+          <mc:Fallback>
+            <p:sp>
+              <p:nvSpPr>
+                <p:cNvPr id="35" name="ZoneTexte 34">
+                  <a:extLst>
+                    <a:ext uri="{FF2B5EF4-FFF2-40B4-BE49-F238E27FC236}">
+                      <a16:creationId xmlns:a16="http://schemas.microsoft.com/office/drawing/2014/main" id="{FD9DB9FD-1FAF-B507-8F96-D857CC5E9358}"/>
+                    </a:ext>
+                  </a:extLst>
+                </p:cNvPr>
+                <p:cNvSpPr txBox="1">
+                  <a:spLocks noRot="1" noChangeAspect="1" noMove="1" noResize="1" noEditPoints="1" noAdjustHandles="1" noChangeArrowheads="1" noChangeShapeType="1" noTextEdit="1"/>
+                </p:cNvSpPr>
+                <p:nvPr/>
+              </p:nvSpPr>
+              <p:spPr>
+                <a:xfrm>
+                  <a:off x="2692337" y="5700078"/>
+                  <a:ext cx="403124" cy="243015"/>
+                </a:xfrm>
+                <a:prstGeom prst="rect">
+                  <a:avLst/>
+                </a:prstGeom>
+                <a:blipFill>
+                  <a:blip r:embed="rId12"/>
+                  <a:stretch>
+                    <a:fillRect l="-2985" b="-10000"/>
+                  </a:stretch>
+                </a:blipFill>
+              </p:spPr>
+              <p:txBody>
+                <a:bodyPr/>
+                <a:lstStyle/>
+                <a:p>
+                  <a:r>
+                    <a:rPr lang="fr-FR">
+                      <a:noFill/>
+                    </a:rPr>
+                    <a:t> </a:t>
+                  </a:r>
+                </a:p>
+              </p:txBody>
+            </p:sp>
+          </mc:Fallback>
+        </mc:AlternateContent>
+        <mc:AlternateContent xmlns:mc="http://schemas.openxmlformats.org/markup-compatibility/2006">
+          <mc:Choice xmlns:a14="http://schemas.microsoft.com/office/drawing/2010/main" Requires="a14">
+            <p:sp>
+              <p:nvSpPr>
+                <p:cNvPr id="36" name="ZoneTexte 35">
+                  <a:extLst>
+                    <a:ext uri="{FF2B5EF4-FFF2-40B4-BE49-F238E27FC236}">
+                      <a16:creationId xmlns:a16="http://schemas.microsoft.com/office/drawing/2014/main" id="{AB6794E0-A04E-A948-A25E-169649308248}"/>
+                    </a:ext>
+                  </a:extLst>
+                </p:cNvPr>
+                <p:cNvSpPr txBox="1"/>
+                <p:nvPr/>
+              </p:nvSpPr>
+              <p:spPr>
+                <a:xfrm>
+                  <a:off x="3000681" y="5273426"/>
+                  <a:ext cx="318164" cy="243015"/>
+                </a:xfrm>
+                <a:prstGeom prst="rect">
+                  <a:avLst/>
+                </a:prstGeom>
+                <a:noFill/>
+              </p:spPr>
+              <p:txBody>
+                <a:bodyPr wrap="none" lIns="0" tIns="0" rIns="0" bIns="0" rtlCol="0">
+                  <a:spAutoFit/>
+                </a:bodyPr>
+                <a:lstStyle/>
+                <a:p>
+                  <a:pPr/>
+                  <a:r>
+                    <a:rPr lang="fr-FR" sz="1400" dirty="0"/>
+                    <a:t>+</a:t>
+                  </a:r>
+                  <a14:m>
+                    <m:oMath xmlns:m="http://schemas.openxmlformats.org/officeDocument/2006/math">
+                      <m:acc>
+                        <m:accPr>
+                          <m:chr m:val="⃗"/>
+                          <m:ctrlPr>
+                            <a:rPr lang="fr-FR" sz="1400" i="1" dirty="0" smtClean="0">
+                              <a:latin typeface="Cambria Math" panose="02040503050406030204" pitchFamily="18" charset="0"/>
+                            </a:rPr>
+                          </m:ctrlPr>
+                        </m:accPr>
+                        <m:e>
+                          <m:sSub>
+                            <m:sSubPr>
+                              <m:ctrlPr>
+                                <a:rPr lang="fr-FR" sz="1400" b="0" i="1" dirty="0" smtClean="0">
+                                  <a:latin typeface="Cambria Math" panose="02040503050406030204" pitchFamily="18" charset="0"/>
+                                </a:rPr>
+                              </m:ctrlPr>
+                            </m:sSubPr>
+                            <m:e>
+                              <m:r>
+                                <a:rPr lang="fr-FR" sz="1400" b="0" i="1" dirty="0" smtClean="0">
+                                  <a:latin typeface="Cambria Math" panose="02040503050406030204" pitchFamily="18" charset="0"/>
+                                </a:rPr>
+                                <m:t>𝐶</m:t>
+                              </m:r>
+                            </m:e>
+                            <m:sub>
+                              <m:r>
+                                <a:rPr lang="fr-FR" sz="1400" b="0" i="1" dirty="0" smtClean="0">
+                                  <a:latin typeface="Cambria Math" panose="02040503050406030204" pitchFamily="18" charset="0"/>
+                                </a:rPr>
+                                <m:t>𝑚</m:t>
+                              </m:r>
+                            </m:sub>
+                          </m:sSub>
+                        </m:e>
+                      </m:acc>
+                    </m:oMath>
+                  </a14:m>
+                  <a:endParaRPr lang="fr-FR" sz="1400" dirty="0"/>
+                </a:p>
+              </p:txBody>
+            </p:sp>
+          </mc:Choice>
+          <mc:Fallback>
+            <p:sp>
+              <p:nvSpPr>
+                <p:cNvPr id="36" name="ZoneTexte 35">
+                  <a:extLst>
+                    <a:ext uri="{FF2B5EF4-FFF2-40B4-BE49-F238E27FC236}">
+                      <a16:creationId xmlns:a16="http://schemas.microsoft.com/office/drawing/2014/main" id="{AB6794E0-A04E-A948-A25E-169649308248}"/>
+                    </a:ext>
+                  </a:extLst>
+                </p:cNvPr>
+                <p:cNvSpPr txBox="1">
+                  <a:spLocks noRot="1" noChangeAspect="1" noMove="1" noResize="1" noEditPoints="1" noAdjustHandles="1" noChangeArrowheads="1" noChangeShapeType="1" noTextEdit="1"/>
+                </p:cNvSpPr>
+                <p:nvPr/>
+              </p:nvSpPr>
+              <p:spPr>
+                <a:xfrm>
+                  <a:off x="3000681" y="5273426"/>
+                  <a:ext cx="318164" cy="243015"/>
+                </a:xfrm>
+                <a:prstGeom prst="rect">
+                  <a:avLst/>
+                </a:prstGeom>
+                <a:blipFill>
+                  <a:blip r:embed="rId13"/>
+                  <a:stretch>
+                    <a:fillRect l="-34615" t="-10000" r="-5769" b="-45000"/>
+                  </a:stretch>
+                </a:blipFill>
+              </p:spPr>
+              <p:txBody>
+                <a:bodyPr/>
+                <a:lstStyle/>
+                <a:p>
+                  <a:r>
+                    <a:rPr lang="fr-FR">
+                      <a:noFill/>
+                    </a:rPr>
+                    <a:t> </a:t>
+                  </a:r>
+                </a:p>
+              </p:txBody>
+            </p:sp>
+          </mc:Fallback>
+        </mc:AlternateContent>
+        <p:sp>
+          <p:nvSpPr>
+            <p:cNvPr id="37" name="Éclair 36">
+              <a:extLst>
+                <a:ext uri="{FF2B5EF4-FFF2-40B4-BE49-F238E27FC236}">
+                  <a16:creationId xmlns:a16="http://schemas.microsoft.com/office/drawing/2014/main" id="{50064332-C4A1-1EA1-CC73-B17FBA285A32}"/>
+                </a:ext>
+              </a:extLst>
+            </p:cNvPr>
+            <p:cNvSpPr/>
+            <p:nvPr/>
+          </p:nvSpPr>
+          <p:spPr>
+            <a:xfrm rot="8100000" flipH="1">
+              <a:off x="2736479" y="5275935"/>
+              <a:ext cx="245809" cy="247912"/>
+            </a:xfrm>
+            <a:prstGeom prst="lightningBolt">
+              <a:avLst/>
+            </a:prstGeom>
+            <a:solidFill>
+              <a:schemeClr val="accent2">
+                <a:lumMod val="20000"/>
+                <a:lumOff val="80000"/>
+              </a:schemeClr>
+            </a:solidFill>
+            <a:ln w="19050">
+              <a:solidFill>
+                <a:srgbClr val="FFC000"/>
+              </a:solidFill>
+            </a:ln>
+          </p:spPr>
+          <p:style>
+            <a:lnRef idx="2">
+              <a:schemeClr val="accent1">
+                <a:shade val="50000"/>
+              </a:schemeClr>
+            </a:lnRef>
+            <a:fillRef idx="1">
+              <a:schemeClr val="accent1"/>
+            </a:fillRef>
+            <a:effectRef idx="0">
+              <a:schemeClr val="accent1"/>
+            </a:effectRef>
+            <a:fontRef idx="minor">
+              <a:schemeClr val="lt1"/>
+            </a:fontRef>
+          </p:style>
+          <p:txBody>
+            <a:bodyPr rtlCol="0" anchor="ctr"/>
+            <a:lstStyle/>
+            <a:p>
+              <a:pPr algn="ctr"/>
+              <a:endParaRPr lang="fr-FR"/>
+            </a:p>
+          </p:txBody>
+        </p:sp>
+      </p:grpSp>
+    </p:spTree>
+    <p:extLst>
+      <p:ext uri="{BB962C8B-B14F-4D97-AF65-F5344CB8AC3E}">
+        <p14:creationId xmlns:p14="http://schemas.microsoft.com/office/powerpoint/2010/main" val="3844948290"/>
+      </p:ext>
+    </p:extLst>
+  </p:cSld>
+  <p:clrMapOvr>
+    <a:masterClrMapping/>
+  </p:clrMapOvr>
+</p:sld>
+</file>
+
+<file path=ppt/slides/slide4.xml><?xml version="1.0" encoding="utf-8"?>
+<p:sld xmlns:a="http://schemas.openxmlformats.org/drawingml/2006/main" xmlns:r="http://schemas.openxmlformats.org/officeDocument/2006/relationships" xmlns:p="http://schemas.openxmlformats.org/presentationml/2006/main">
+  <p:cSld>
+    <p:spTree>
+      <p:nvGrpSpPr>
+        <p:cNvPr id="1" name=""/>
+        <p:cNvGrpSpPr/>
+        <p:nvPr/>
+      </p:nvGrpSpPr>
+      <p:grpSpPr>
+        <a:xfrm>
+          <a:off x="0" y="0"/>
+          <a:ext cx="0" cy="0"/>
+          <a:chOff x="0" y="0"/>
+          <a:chExt cx="0" cy="0"/>
+        </a:xfrm>
+      </p:grpSpPr>
+      <p:cxnSp>
+        <p:nvCxnSpPr>
+          <p:cNvPr id="76" name="Connecteur droit 75">
+            <a:extLst>
+              <a:ext uri="{FF2B5EF4-FFF2-40B4-BE49-F238E27FC236}">
+                <a16:creationId xmlns:a16="http://schemas.microsoft.com/office/drawing/2014/main" id="{796FF1CE-9C2D-463D-86C3-D6503BF7F436}"/>
+              </a:ext>
+            </a:extLst>
+          </p:cNvPr>
+          <p:cNvCxnSpPr>
+            <a:cxnSpLocks/>
+            <a:stCxn id="70" idx="7"/>
+            <a:endCxn id="69" idx="3"/>
+          </p:cNvCxnSpPr>
+          <p:nvPr/>
+        </p:nvCxnSpPr>
+        <p:spPr>
+          <a:xfrm flipH="1">
+            <a:off x="1935708" y="4950140"/>
+            <a:ext cx="1065201" cy="914734"/>
+          </a:xfrm>
+          <a:prstGeom prst="line">
+            <a:avLst/>
+          </a:prstGeom>
+          <a:noFill/>
+          <a:ln w="19050">
+            <a:solidFill>
+              <a:schemeClr val="tx1"/>
+            </a:solidFill>
+          </a:ln>
+        </p:spPr>
+        <p:style>
+          <a:lnRef idx="2">
+            <a:schemeClr val="accent1">
+              <a:shade val="50000"/>
+            </a:schemeClr>
+          </a:lnRef>
+          <a:fillRef idx="1">
+            <a:schemeClr val="accent1"/>
+          </a:fillRef>
+          <a:effectRef idx="0">
+            <a:schemeClr val="accent1"/>
+          </a:effectRef>
+          <a:fontRef idx="minor">
+            <a:schemeClr val="lt1"/>
+          </a:fontRef>
+        </p:style>
+      </p:cxnSp>
+      <p:sp>
+        <p:nvSpPr>
+          <p:cNvPr id="2" name="Titre 1">
+            <a:extLst>
+              <a:ext uri="{FF2B5EF4-FFF2-40B4-BE49-F238E27FC236}">
+                <a16:creationId xmlns:a16="http://schemas.microsoft.com/office/drawing/2014/main" id="{36F0BB4B-A344-479B-9ACF-6473524123D3}"/>
+              </a:ext>
+            </a:extLst>
+          </p:cNvPr>
+          <p:cNvSpPr>
+            <a:spLocks noGrp="1"/>
+          </p:cNvSpPr>
+          <p:nvPr>
+            <p:ph type="title"/>
+          </p:nvPr>
+        </p:nvSpPr>
+        <p:spPr/>
+        <p:txBody>
+          <a:bodyPr/>
+          <a:lstStyle/>
+          <a:p>
+            <a:r>
+              <a:rPr lang="fr-FR" dirty="0"/>
+              <a:t>Problème 1</a:t>
+            </a:r>
+          </a:p>
+        </p:txBody>
+      </p:sp>
+      <mc:AlternateContent xmlns:mc="http://schemas.openxmlformats.org/markup-compatibility/2006">
+        <mc:Choice xmlns:a14="http://schemas.microsoft.com/office/drawing/2010/main" Requires="a14">
+          <p:sp>
+            <p:nvSpPr>
+              <p:cNvPr id="3" name="Espace réservé du contenu 2">
+                <a:extLst>
+                  <a:ext uri="{FF2B5EF4-FFF2-40B4-BE49-F238E27FC236}">
+                    <a16:creationId xmlns:a16="http://schemas.microsoft.com/office/drawing/2014/main" id="{280F93A6-1895-4342-AC73-EEB6D50CF48E}"/>
+                  </a:ext>
+                </a:extLst>
+              </p:cNvPr>
+              <p:cNvSpPr>
+                <a:spLocks noGrp="1"/>
+              </p:cNvSpPr>
+              <p:nvPr>
+                <p:ph idx="1"/>
+              </p:nvPr>
+            </p:nvSpPr>
+            <p:spPr>
+              <a:xfrm>
+                <a:off x="5673320" y="491756"/>
                 <a:ext cx="6761135" cy="4351338"/>
               </a:xfrm>
             </p:spPr>
@@ -9104,125 +12850,6 @@
                 <a:endParaRPr lang="fr-FR" dirty="0"/>
               </a:p>
               <a:p>
-                <a:pPr lvl="1"/>
-                <a14:m>
-                  <m:oMath xmlns:m="http://schemas.openxmlformats.org/officeDocument/2006/math">
-                    <m:acc>
-                      <m:accPr>
-                        <m:chr m:val="⃗"/>
-                        <m:ctrlPr>
-                          <a:rPr lang="fr-FR" i="1" smtClean="0">
-                            <a:latin typeface="Cambria Math" panose="02040503050406030204" pitchFamily="18" charset="0"/>
-                          </a:rPr>
-                        </m:ctrlPr>
-                      </m:accPr>
-                      <m:e>
-                        <m:r>
-                          <a:rPr lang="fr-FR" b="0" i="1" smtClean="0">
-                            <a:latin typeface="Cambria Math" panose="02040503050406030204" pitchFamily="18" charset="0"/>
-                          </a:rPr>
-                          <m:t>𝐴</m:t>
-                        </m:r>
-                        <m:sSub>
-                          <m:sSubPr>
-                            <m:ctrlPr>
-                              <a:rPr lang="fr-FR" b="0" i="1" smtClean="0">
-                                <a:latin typeface="Cambria Math" panose="02040503050406030204" pitchFamily="18" charset="0"/>
-                              </a:rPr>
-                            </m:ctrlPr>
-                          </m:sSubPr>
-                          <m:e>
-                            <m:r>
-                              <a:rPr lang="fr-FR" b="0" i="1" smtClean="0">
-                                <a:latin typeface="Cambria Math" panose="02040503050406030204" pitchFamily="18" charset="0"/>
-                              </a:rPr>
-                              <m:t>𝐺</m:t>
-                            </m:r>
-                          </m:e>
-                          <m:sub>
-                            <m:r>
-                              <a:rPr lang="fr-FR" b="0" i="1" smtClean="0">
-                                <a:latin typeface="Cambria Math" panose="02040503050406030204" pitchFamily="18" charset="0"/>
-                              </a:rPr>
-                              <m:t>𝑀</m:t>
-                            </m:r>
-                          </m:sub>
-                        </m:sSub>
-                      </m:e>
-                    </m:acc>
-                    <m:r>
-                      <a:rPr lang="fr-FR" b="0" i="1" smtClean="0">
-                        <a:latin typeface="Cambria Math" panose="02040503050406030204" pitchFamily="18" charset="0"/>
-                      </a:rPr>
-                      <m:t>=</m:t>
-                    </m:r>
-                    <m:sSub>
-                      <m:sSubPr>
-                        <m:ctrlPr>
-                          <a:rPr lang="fr-FR" b="0" i="1" smtClean="0">
-                            <a:latin typeface="Cambria Math" panose="02040503050406030204" pitchFamily="18" charset="0"/>
-                          </a:rPr>
-                        </m:ctrlPr>
-                      </m:sSubPr>
-                      <m:e>
-                        <m:r>
-                          <a:rPr lang="fr-FR" b="0" i="1" smtClean="0">
-                            <a:latin typeface="Cambria Math" panose="02040503050406030204" pitchFamily="18" charset="0"/>
-                          </a:rPr>
-                          <m:t>𝐿</m:t>
-                        </m:r>
-                      </m:e>
-                      <m:sub>
-                        <m:r>
-                          <a:rPr lang="fr-FR" b="0" i="1" smtClean="0">
-                            <a:latin typeface="Cambria Math" panose="02040503050406030204" pitchFamily="18" charset="0"/>
-                          </a:rPr>
-                          <m:t>𝐹</m:t>
-                        </m:r>
-                      </m:sub>
-                    </m:sSub>
-                    <m:acc>
-                      <m:accPr>
-                        <m:chr m:val="⃗"/>
-                        <m:ctrlPr>
-                          <a:rPr lang="fr-FR" b="0" i="1" smtClean="0">
-                            <a:latin typeface="Cambria Math" panose="02040503050406030204" pitchFamily="18" charset="0"/>
-                          </a:rPr>
-                        </m:ctrlPr>
-                      </m:accPr>
-                      <m:e>
-                        <m:sSub>
-                          <m:sSubPr>
-                            <m:ctrlPr>
-                              <a:rPr lang="fr-FR" b="0" i="1" smtClean="0">
-                                <a:latin typeface="Cambria Math" panose="02040503050406030204" pitchFamily="18" charset="0"/>
-                              </a:rPr>
-                            </m:ctrlPr>
-                          </m:sSubPr>
-                          <m:e>
-                            <m:r>
-                              <a:rPr lang="fr-FR" b="0" i="1" smtClean="0">
-                                <a:latin typeface="Cambria Math" panose="02040503050406030204" pitchFamily="18" charset="0"/>
-                              </a:rPr>
-                              <m:t>𝑥</m:t>
-                            </m:r>
-                          </m:e>
-                          <m:sub>
-                            <m:r>
-                              <a:rPr lang="fr-FR" b="0" i="1" smtClean="0">
-                                <a:latin typeface="Cambria Math" panose="02040503050406030204" pitchFamily="18" charset="0"/>
-                              </a:rPr>
-                              <m:t>1</m:t>
-                            </m:r>
-                          </m:sub>
-                        </m:sSub>
-                      </m:e>
-                    </m:acc>
-                  </m:oMath>
-                </a14:m>
-                <a:endParaRPr lang="fr-FR" dirty="0"/>
-              </a:p>
-              <a:p>
                 <a:r>
                   <a:rPr lang="fr-FR" b="1" i="1" dirty="0"/>
                   <a:t>Bilan des actions mécaniques</a:t>
@@ -9245,13 +12872,8 @@
               <a:p>
                 <a:r>
                   <a:rPr lang="fr-FR" b="1" i="1" dirty="0"/>
-                  <a:t>Théorème de la </a:t>
+                  <a:t>Théorème de la résultante statique</a:t>
                 </a:r>
-                <a:r>
-                  <a:rPr lang="fr-FR" b="1" i="1"/>
-                  <a:t>résultante statique</a:t>
-                </a:r>
-                <a:endParaRPr lang="fr-FR" b="1" i="1" dirty="0"/>
               </a:p>
               <a:p>
                 <a:pPr lvl="1"/>
@@ -9283,13 +12905,13 @@
             </p:nvSpPr>
             <p:spPr>
               <a:xfrm>
-                <a:off x="4592665" y="1825625"/>
+                <a:off x="5673320" y="491756"/>
                 <a:ext cx="6761135" cy="4351338"/>
               </a:xfrm>
               <a:blipFill>
                 <a:blip r:embed="rId2"/>
                 <a:stretch>
-                  <a:fillRect l="-1622" t="-2241"/>
+                  <a:fillRect l="-1623" t="-2384"/>
                 </a:stretch>
               </a:blipFill>
             </p:spPr>
@@ -9558,8 +13180,8 @@
             </p:style>
           </p:cxnSp>
         </p:grpSp>
-        <mc:AlternateContent xmlns:mc="http://schemas.openxmlformats.org/markup-compatibility/2006">
-          <mc:Choice xmlns:a14="http://schemas.microsoft.com/office/drawing/2010/main" Requires="a14">
+        <mc:AlternateContent xmlns:mc="http://schemas.openxmlformats.org/markup-compatibility/2006" xmlns:a14="http://schemas.microsoft.com/office/drawing/2010/main">
+          <mc:Choice Requires="a14">
             <p:sp>
               <p:nvSpPr>
                 <p:cNvPr id="56" name="ZoneTexte 55">
@@ -9640,7 +13262,7 @@
               </p:txBody>
             </p:sp>
           </mc:Choice>
-          <mc:Fallback>
+          <mc:Fallback xmlns="">
             <p:sp>
               <p:nvSpPr>
                 <p:cNvPr id="56" name="ZoneTexte 55">
@@ -9685,8 +13307,8 @@
             </p:sp>
           </mc:Fallback>
         </mc:AlternateContent>
-        <mc:AlternateContent xmlns:mc="http://schemas.openxmlformats.org/markup-compatibility/2006">
-          <mc:Choice xmlns:a14="http://schemas.microsoft.com/office/drawing/2010/main" Requires="a14">
+        <mc:AlternateContent xmlns:mc="http://schemas.openxmlformats.org/markup-compatibility/2006" xmlns:a14="http://schemas.microsoft.com/office/drawing/2010/main">
+          <mc:Choice Requires="a14">
             <p:sp>
               <p:nvSpPr>
                 <p:cNvPr id="57" name="ZoneTexte 56">
@@ -9767,7 +13389,7 @@
               </p:txBody>
             </p:sp>
           </mc:Choice>
-          <mc:Fallback>
+          <mc:Fallback xmlns="">
             <p:sp>
               <p:nvSpPr>
                 <p:cNvPr id="57" name="ZoneTexte 56">
@@ -9812,8 +13434,8 @@
             </p:sp>
           </mc:Fallback>
         </mc:AlternateContent>
-        <mc:AlternateContent xmlns:mc="http://schemas.openxmlformats.org/markup-compatibility/2006">
-          <mc:Choice xmlns:a14="http://schemas.microsoft.com/office/drawing/2010/main" Requires="a14">
+        <mc:AlternateContent xmlns:mc="http://schemas.openxmlformats.org/markup-compatibility/2006" xmlns:a14="http://schemas.microsoft.com/office/drawing/2010/main">
+          <mc:Choice Requires="a14">
             <p:sp>
               <p:nvSpPr>
                 <p:cNvPr id="58" name="ZoneTexte 57">
@@ -9894,7 +13516,7 @@
               </p:txBody>
             </p:sp>
           </mc:Choice>
-          <mc:Fallback>
+          <mc:Fallback xmlns="">
             <p:sp>
               <p:nvSpPr>
                 <p:cNvPr id="58" name="ZoneTexte 57">
@@ -9939,8 +13561,8 @@
             </p:sp>
           </mc:Fallback>
         </mc:AlternateContent>
-        <mc:AlternateContent xmlns:mc="http://schemas.openxmlformats.org/markup-compatibility/2006">
-          <mc:Choice xmlns:a14="http://schemas.microsoft.com/office/drawing/2010/main" Requires="a14">
+        <mc:AlternateContent xmlns:mc="http://schemas.openxmlformats.org/markup-compatibility/2006" xmlns:a14="http://schemas.microsoft.com/office/drawing/2010/main">
+          <mc:Choice Requires="a14">
             <p:sp>
               <p:nvSpPr>
                 <p:cNvPr id="59" name="ZoneTexte 58">
@@ -10021,7 +13643,7 @@
               </p:txBody>
             </p:sp>
           </mc:Choice>
-          <mc:Fallback>
+          <mc:Fallback xmlns="">
             <p:sp>
               <p:nvSpPr>
                 <p:cNvPr id="59" name="ZoneTexte 58">
@@ -10227,8 +13849,8 @@
             </a:p>
           </p:txBody>
         </p:sp>
-        <mc:AlternateContent xmlns:mc="http://schemas.openxmlformats.org/markup-compatibility/2006">
-          <mc:Choice xmlns:a14="http://schemas.microsoft.com/office/drawing/2010/main" Requires="a14">
+        <mc:AlternateContent xmlns:mc="http://schemas.openxmlformats.org/markup-compatibility/2006" xmlns:a14="http://schemas.microsoft.com/office/drawing/2010/main">
+          <mc:Choice Requires="a14">
             <p:sp>
               <p:nvSpPr>
                 <p:cNvPr id="63" name="ZoneTexte 62">
@@ -10278,7 +13900,3710 @@
               </p:txBody>
             </p:sp>
           </mc:Choice>
-          <mc:Fallback>
+          <mc:Fallback xmlns="">
+            <p:sp>
+              <p:nvSpPr>
+                <p:cNvPr id="63" name="ZoneTexte 62">
+                  <a:extLst>
+                    <a:ext uri="{FF2B5EF4-FFF2-40B4-BE49-F238E27FC236}">
+                      <a16:creationId xmlns:a16="http://schemas.microsoft.com/office/drawing/2014/main" id="{6573B8FF-FC92-4D39-A7CF-813A1EBEA58D}"/>
+                    </a:ext>
+                  </a:extLst>
+                </p:cNvPr>
+                <p:cNvSpPr txBox="1">
+                  <a:spLocks noRot="1" noChangeAspect="1" noMove="1" noResize="1" noEditPoints="1" noAdjustHandles="1" noChangeArrowheads="1" noChangeShapeType="1" noTextEdit="1"/>
+                </p:cNvSpPr>
+                <p:nvPr/>
+              </p:nvSpPr>
+              <p:spPr>
+                <a:xfrm>
+                  <a:off x="4506802" y="3252239"/>
+                  <a:ext cx="118174" cy="153888"/>
+                </a:xfrm>
+                <a:prstGeom prst="rect">
+                  <a:avLst/>
+                </a:prstGeom>
+                <a:blipFill>
+                  <a:blip r:embed="rId7"/>
+                  <a:stretch>
+                    <a:fillRect l="-25000" r="-20000" b="-24000"/>
+                  </a:stretch>
+                </a:blipFill>
+              </p:spPr>
+              <p:txBody>
+                <a:bodyPr/>
+                <a:lstStyle/>
+                <a:p>
+                  <a:r>
+                    <a:rPr lang="fr-FR">
+                      <a:noFill/>
+                    </a:rPr>
+                    <a:t> </a:t>
+                  </a:r>
+                </a:p>
+              </p:txBody>
+            </p:sp>
+          </mc:Fallback>
+        </mc:AlternateContent>
+      </p:grpSp>
+      <p:grpSp>
+        <p:nvGrpSpPr>
+          <p:cNvPr id="71" name="Groupe 70">
+            <a:extLst>
+              <a:ext uri="{FF2B5EF4-FFF2-40B4-BE49-F238E27FC236}">
+                <a16:creationId xmlns:a16="http://schemas.microsoft.com/office/drawing/2014/main" id="{E80766BF-C577-4AE9-B82B-ADB8EE47676B}"/>
+              </a:ext>
+            </a:extLst>
+          </p:cNvPr>
+          <p:cNvGrpSpPr/>
+          <p:nvPr/>
+        </p:nvGrpSpPr>
+        <p:grpSpPr>
+          <a:xfrm>
+            <a:off x="233617" y="2667425"/>
+            <a:ext cx="2370197" cy="1935154"/>
+            <a:chOff x="740286" y="3168660"/>
+            <a:chExt cx="2370197" cy="1935154"/>
+          </a:xfrm>
+        </p:grpSpPr>
+        <p:grpSp>
+          <p:nvGrpSpPr>
+            <p:cNvPr id="4" name="Groupe 3">
+              <a:extLst>
+                <a:ext uri="{FF2B5EF4-FFF2-40B4-BE49-F238E27FC236}">
+                  <a16:creationId xmlns:a16="http://schemas.microsoft.com/office/drawing/2014/main" id="{045FBDD0-4DD7-4C48-9E9C-68F4310C10A9}"/>
+                </a:ext>
+              </a:extLst>
+            </p:cNvPr>
+            <p:cNvGrpSpPr/>
+            <p:nvPr/>
+          </p:nvGrpSpPr>
+          <p:grpSpPr>
+            <a:xfrm rot="13500000">
+              <a:off x="1328303" y="3015030"/>
+              <a:ext cx="1323247" cy="2241112"/>
+              <a:chOff x="2977194" y="2472069"/>
+              <a:chExt cx="1323247" cy="2241112"/>
+            </a:xfrm>
+          </p:grpSpPr>
+          <p:grpSp>
+            <p:nvGrpSpPr>
+              <p:cNvPr id="5" name="Groupe 4">
+                <a:extLst>
+                  <a:ext uri="{FF2B5EF4-FFF2-40B4-BE49-F238E27FC236}">
+                    <a16:creationId xmlns:a16="http://schemas.microsoft.com/office/drawing/2014/main" id="{75398963-89E7-421D-BA19-13772E20B77C}"/>
+                  </a:ext>
+                </a:extLst>
+              </p:cNvPr>
+              <p:cNvGrpSpPr/>
+              <p:nvPr/>
+            </p:nvGrpSpPr>
+            <p:grpSpPr>
+              <a:xfrm>
+                <a:off x="2977194" y="2966483"/>
+                <a:ext cx="1323247" cy="1746698"/>
+                <a:chOff x="2977194" y="2966483"/>
+                <a:chExt cx="1323247" cy="1746698"/>
+              </a:xfrm>
+            </p:grpSpPr>
+            <p:sp>
+              <p:nvSpPr>
+                <p:cNvPr id="7" name="Arc 6">
+                  <a:extLst>
+                    <a:ext uri="{FF2B5EF4-FFF2-40B4-BE49-F238E27FC236}">
+                      <a16:creationId xmlns:a16="http://schemas.microsoft.com/office/drawing/2014/main" id="{BEC1EE3B-0A90-458F-9F6B-6BA619ED1449}"/>
+                    </a:ext>
+                  </a:extLst>
+                </p:cNvPr>
+                <p:cNvSpPr/>
+                <p:nvPr/>
+              </p:nvSpPr>
+              <p:spPr>
+                <a:xfrm>
+                  <a:off x="3631019" y="2966483"/>
+                  <a:ext cx="288000" cy="288000"/>
+                </a:xfrm>
+                <a:prstGeom prst="arc">
+                  <a:avLst>
+                    <a:gd name="adj1" fmla="val 10671135"/>
+                    <a:gd name="adj2" fmla="val 0"/>
+                  </a:avLst>
+                </a:prstGeom>
+                <a:noFill/>
+                <a:ln w="19050">
+                  <a:solidFill>
+                    <a:srgbClr val="FFC000"/>
+                  </a:solidFill>
+                </a:ln>
+              </p:spPr>
+              <p:style>
+                <a:lnRef idx="2">
+                  <a:schemeClr val="accent1">
+                    <a:shade val="50000"/>
+                  </a:schemeClr>
+                </a:lnRef>
+                <a:fillRef idx="1">
+                  <a:schemeClr val="accent1"/>
+                </a:fillRef>
+                <a:effectRef idx="0">
+                  <a:schemeClr val="accent1"/>
+                </a:effectRef>
+                <a:fontRef idx="minor">
+                  <a:schemeClr val="lt1"/>
+                </a:fontRef>
+              </p:style>
+              <p:txBody>
+                <a:bodyPr rtlCol="0" anchor="ctr"/>
+                <a:lstStyle/>
+                <a:p>
+                  <a:pPr algn="ctr"/>
+                  <a:endParaRPr lang="fr-FR" dirty="0">
+                    <a:solidFill>
+                      <a:srgbClr val="FF0000"/>
+                    </a:solidFill>
+                  </a:endParaRPr>
+                </a:p>
+              </p:txBody>
+            </p:sp>
+            <p:cxnSp>
+              <p:nvCxnSpPr>
+                <p:cNvPr id="8" name="Connecteur droit 7">
+                  <a:extLst>
+                    <a:ext uri="{FF2B5EF4-FFF2-40B4-BE49-F238E27FC236}">
+                      <a16:creationId xmlns:a16="http://schemas.microsoft.com/office/drawing/2014/main" id="{3AD19322-ED43-49B9-8142-19BB522CF026}"/>
+                    </a:ext>
+                  </a:extLst>
+                </p:cNvPr>
+                <p:cNvCxnSpPr>
+                  <a:cxnSpLocks/>
+                </p:cNvCxnSpPr>
+                <p:nvPr/>
+              </p:nvCxnSpPr>
+              <p:spPr>
+                <a:xfrm rot="8100000" flipV="1">
+                  <a:off x="2977194" y="3389934"/>
+                  <a:ext cx="1323247" cy="1323247"/>
+                </a:xfrm>
+                <a:prstGeom prst="line">
+                  <a:avLst/>
+                </a:prstGeom>
+                <a:noFill/>
+                <a:ln w="19050">
+                  <a:solidFill>
+                    <a:srgbClr val="FFC000"/>
+                  </a:solidFill>
+                </a:ln>
+              </p:spPr>
+              <p:style>
+                <a:lnRef idx="2">
+                  <a:schemeClr val="accent1">
+                    <a:shade val="50000"/>
+                  </a:schemeClr>
+                </a:lnRef>
+                <a:fillRef idx="1">
+                  <a:schemeClr val="accent1"/>
+                </a:fillRef>
+                <a:effectRef idx="0">
+                  <a:schemeClr val="accent1"/>
+                </a:effectRef>
+                <a:fontRef idx="minor">
+                  <a:schemeClr val="lt1"/>
+                </a:fontRef>
+              </p:style>
+            </p:cxnSp>
+          </p:grpSp>
+          <p:cxnSp>
+            <p:nvCxnSpPr>
+              <p:cNvPr id="6" name="Connecteur droit 5">
+                <a:extLst>
+                  <a:ext uri="{FF2B5EF4-FFF2-40B4-BE49-F238E27FC236}">
+                    <a16:creationId xmlns:a16="http://schemas.microsoft.com/office/drawing/2014/main" id="{ED42E5F3-EBBF-4087-9D01-B58AA52E867C}"/>
+                  </a:ext>
+                </a:extLst>
+              </p:cNvPr>
+              <p:cNvCxnSpPr>
+                <a:cxnSpLocks/>
+              </p:cNvCxnSpPr>
+              <p:nvPr/>
+            </p:nvCxnSpPr>
+            <p:spPr>
+              <a:xfrm flipV="1">
+                <a:off x="3780342" y="2472069"/>
+                <a:ext cx="0" cy="494414"/>
+              </a:xfrm>
+              <a:prstGeom prst="line">
+                <a:avLst/>
+              </a:prstGeom>
+              <a:noFill/>
+              <a:ln w="19050">
+                <a:solidFill>
+                  <a:srgbClr val="FFC000"/>
+                </a:solidFill>
+              </a:ln>
+            </p:spPr>
+            <p:style>
+              <a:lnRef idx="2">
+                <a:schemeClr val="accent1">
+                  <a:shade val="50000"/>
+                </a:schemeClr>
+              </a:lnRef>
+              <a:fillRef idx="1">
+                <a:schemeClr val="accent1"/>
+              </a:fillRef>
+              <a:effectRef idx="0">
+                <a:schemeClr val="accent1"/>
+              </a:effectRef>
+              <a:fontRef idx="minor">
+                <a:schemeClr val="lt1"/>
+              </a:fontRef>
+            </p:style>
+          </p:cxnSp>
+        </p:grpSp>
+        <p:sp>
+          <p:nvSpPr>
+            <p:cNvPr id="9" name="Forme libre : forme 8">
+              <a:extLst>
+                <a:ext uri="{FF2B5EF4-FFF2-40B4-BE49-F238E27FC236}">
+                  <a16:creationId xmlns:a16="http://schemas.microsoft.com/office/drawing/2014/main" id="{8FA039F8-A007-4773-9933-5F8B090CF15E}"/>
+                </a:ext>
+              </a:extLst>
+            </p:cNvPr>
+            <p:cNvSpPr/>
+            <p:nvPr/>
+          </p:nvSpPr>
+          <p:spPr>
+            <a:xfrm>
+              <a:off x="931760" y="5009186"/>
+              <a:ext cx="254643" cy="94628"/>
+            </a:xfrm>
+            <a:custGeom>
+              <a:avLst/>
+              <a:gdLst>
+                <a:gd name="connsiteX0" fmla="*/ 0 w 254643"/>
+                <a:gd name="connsiteY0" fmla="*/ 0 h 140389"/>
+                <a:gd name="connsiteX1" fmla="*/ 92598 w 254643"/>
+                <a:gd name="connsiteY1" fmla="*/ 138897 h 140389"/>
+                <a:gd name="connsiteX2" fmla="*/ 138897 w 254643"/>
+                <a:gd name="connsiteY2" fmla="*/ 75236 h 140389"/>
+                <a:gd name="connsiteX3" fmla="*/ 202557 w 254643"/>
+                <a:gd name="connsiteY3" fmla="*/ 104173 h 140389"/>
+                <a:gd name="connsiteX4" fmla="*/ 254643 w 254643"/>
+                <a:gd name="connsiteY4" fmla="*/ 5788 h 140389"/>
+              </a:gdLst>
+              <a:ahLst/>
+              <a:cxnLst>
+                <a:cxn ang="0">
+                  <a:pos x="connsiteX0" y="connsiteY0"/>
+                </a:cxn>
+                <a:cxn ang="0">
+                  <a:pos x="connsiteX1" y="connsiteY1"/>
+                </a:cxn>
+                <a:cxn ang="0">
+                  <a:pos x="connsiteX2" y="connsiteY2"/>
+                </a:cxn>
+                <a:cxn ang="0">
+                  <a:pos x="connsiteX3" y="connsiteY3"/>
+                </a:cxn>
+                <a:cxn ang="0">
+                  <a:pos x="connsiteX4" y="connsiteY4"/>
+                </a:cxn>
+              </a:cxnLst>
+              <a:rect l="l" t="t" r="r" b="b"/>
+              <a:pathLst>
+                <a:path w="254643" h="140389">
+                  <a:moveTo>
+                    <a:pt x="0" y="0"/>
+                  </a:moveTo>
+                  <a:cubicBezTo>
+                    <a:pt x="34724" y="63179"/>
+                    <a:pt x="69448" y="126358"/>
+                    <a:pt x="92598" y="138897"/>
+                  </a:cubicBezTo>
+                  <a:cubicBezTo>
+                    <a:pt x="115748" y="151436"/>
+                    <a:pt x="120571" y="81023"/>
+                    <a:pt x="138897" y="75236"/>
+                  </a:cubicBezTo>
+                  <a:cubicBezTo>
+                    <a:pt x="157223" y="69449"/>
+                    <a:pt x="183266" y="115748"/>
+                    <a:pt x="202557" y="104173"/>
+                  </a:cubicBezTo>
+                  <a:cubicBezTo>
+                    <a:pt x="221848" y="92598"/>
+                    <a:pt x="238245" y="49193"/>
+                    <a:pt x="254643" y="5788"/>
+                  </a:cubicBezTo>
+                </a:path>
+              </a:pathLst>
+            </a:custGeom>
+            <a:solidFill>
+              <a:schemeClr val="bg2">
+                <a:lumMod val="90000"/>
+              </a:schemeClr>
+            </a:solidFill>
+            <a:ln>
+              <a:solidFill>
+                <a:schemeClr val="tx1"/>
+              </a:solidFill>
+            </a:ln>
+          </p:spPr>
+          <p:style>
+            <a:lnRef idx="2">
+              <a:schemeClr val="accent1">
+                <a:shade val="50000"/>
+              </a:schemeClr>
+            </a:lnRef>
+            <a:fillRef idx="1">
+              <a:schemeClr val="accent1"/>
+            </a:fillRef>
+            <a:effectRef idx="0">
+              <a:schemeClr val="accent1"/>
+            </a:effectRef>
+            <a:fontRef idx="minor">
+              <a:schemeClr val="lt1"/>
+            </a:fontRef>
+          </p:style>
+          <p:txBody>
+            <a:bodyPr rtlCol="0" anchor="ctr"/>
+            <a:lstStyle/>
+            <a:p>
+              <a:pPr algn="ctr"/>
+              <a:endParaRPr lang="fr-FR"/>
+            </a:p>
+          </p:txBody>
+        </p:sp>
+        <p:sp>
+          <p:nvSpPr>
+            <p:cNvPr id="10" name="Ellipse 9">
+              <a:extLst>
+                <a:ext uri="{FF2B5EF4-FFF2-40B4-BE49-F238E27FC236}">
+                  <a16:creationId xmlns:a16="http://schemas.microsoft.com/office/drawing/2014/main" id="{6032AC7D-3A37-4BC4-B97E-8AC753CFA461}"/>
+                </a:ext>
+              </a:extLst>
+            </p:cNvPr>
+            <p:cNvSpPr/>
+            <p:nvPr/>
+          </p:nvSpPr>
+          <p:spPr>
+            <a:xfrm>
+              <a:off x="987543" y="4799935"/>
+              <a:ext cx="144000" cy="144000"/>
+            </a:xfrm>
+            <a:prstGeom prst="ellipse">
+              <a:avLst/>
+            </a:prstGeom>
+            <a:noFill/>
+            <a:ln w="19050">
+              <a:solidFill>
+                <a:schemeClr val="tx1"/>
+              </a:solidFill>
+            </a:ln>
+          </p:spPr>
+          <p:style>
+            <a:lnRef idx="2">
+              <a:schemeClr val="accent1">
+                <a:shade val="50000"/>
+              </a:schemeClr>
+            </a:lnRef>
+            <a:fillRef idx="1">
+              <a:schemeClr val="accent1"/>
+            </a:fillRef>
+            <a:effectRef idx="0">
+              <a:schemeClr val="accent1"/>
+            </a:effectRef>
+            <a:fontRef idx="minor">
+              <a:schemeClr val="lt1"/>
+            </a:fontRef>
+          </p:style>
+          <p:txBody>
+            <a:bodyPr rtlCol="0" anchor="ctr"/>
+            <a:lstStyle/>
+            <a:p>
+              <a:pPr algn="ctr"/>
+              <a:endParaRPr lang="fr-FR"/>
+            </a:p>
+          </p:txBody>
+        </p:sp>
+        <p:cxnSp>
+          <p:nvCxnSpPr>
+            <p:cNvPr id="11" name="Connecteur droit 10">
+              <a:extLst>
+                <a:ext uri="{FF2B5EF4-FFF2-40B4-BE49-F238E27FC236}">
+                  <a16:creationId xmlns:a16="http://schemas.microsoft.com/office/drawing/2014/main" id="{DDB4BA1A-8F1C-413A-872B-B08F7F5D9627}"/>
+                </a:ext>
+              </a:extLst>
+            </p:cNvPr>
+            <p:cNvCxnSpPr>
+              <a:cxnSpLocks/>
+              <a:stCxn id="10" idx="4"/>
+            </p:cNvCxnSpPr>
+            <p:nvPr/>
+          </p:nvCxnSpPr>
+          <p:spPr>
+            <a:xfrm>
+              <a:off x="1059543" y="4943935"/>
+              <a:ext cx="0" cy="59870"/>
+            </a:xfrm>
+            <a:prstGeom prst="line">
+              <a:avLst/>
+            </a:prstGeom>
+            <a:noFill/>
+            <a:ln w="19050">
+              <a:solidFill>
+                <a:schemeClr val="tx1"/>
+              </a:solidFill>
+            </a:ln>
+          </p:spPr>
+          <p:style>
+            <a:lnRef idx="2">
+              <a:schemeClr val="accent1">
+                <a:shade val="50000"/>
+              </a:schemeClr>
+            </a:lnRef>
+            <a:fillRef idx="1">
+              <a:schemeClr val="accent1"/>
+            </a:fillRef>
+            <a:effectRef idx="0">
+              <a:schemeClr val="accent1"/>
+            </a:effectRef>
+            <a:fontRef idx="minor">
+              <a:schemeClr val="lt1"/>
+            </a:fontRef>
+          </p:style>
+        </p:cxnSp>
+        <p:cxnSp>
+          <p:nvCxnSpPr>
+            <p:cNvPr id="12" name="Connecteur droit 11">
+              <a:extLst>
+                <a:ext uri="{FF2B5EF4-FFF2-40B4-BE49-F238E27FC236}">
+                  <a16:creationId xmlns:a16="http://schemas.microsoft.com/office/drawing/2014/main" id="{1227F42E-7FCC-450B-AAB2-03C07D1116CA}"/>
+                </a:ext>
+              </a:extLst>
+            </p:cNvPr>
+            <p:cNvCxnSpPr>
+              <a:cxnSpLocks/>
+            </p:cNvCxnSpPr>
+            <p:nvPr/>
+          </p:nvCxnSpPr>
+          <p:spPr>
+            <a:xfrm rot="5400000">
+              <a:off x="1059082" y="4862495"/>
+              <a:ext cx="0" cy="288000"/>
+            </a:xfrm>
+            <a:prstGeom prst="line">
+              <a:avLst/>
+            </a:prstGeom>
+            <a:noFill/>
+            <a:ln w="19050">
+              <a:solidFill>
+                <a:schemeClr val="tx1"/>
+              </a:solidFill>
+            </a:ln>
+          </p:spPr>
+          <p:style>
+            <a:lnRef idx="2">
+              <a:schemeClr val="accent1">
+                <a:shade val="50000"/>
+              </a:schemeClr>
+            </a:lnRef>
+            <a:fillRef idx="1">
+              <a:schemeClr val="accent1"/>
+            </a:fillRef>
+            <a:effectRef idx="0">
+              <a:schemeClr val="accent1"/>
+            </a:effectRef>
+            <a:fontRef idx="minor">
+              <a:schemeClr val="lt1"/>
+            </a:fontRef>
+          </p:style>
+        </p:cxnSp>
+        <p:cxnSp>
+          <p:nvCxnSpPr>
+            <p:cNvPr id="13" name="Connecteur droit 12">
+              <a:extLst>
+                <a:ext uri="{FF2B5EF4-FFF2-40B4-BE49-F238E27FC236}">
+                  <a16:creationId xmlns:a16="http://schemas.microsoft.com/office/drawing/2014/main" id="{F4A3CDC2-2CF5-42EA-9CFB-9D34FEFC0D9C}"/>
+                </a:ext>
+              </a:extLst>
+            </p:cNvPr>
+            <p:cNvCxnSpPr>
+              <a:cxnSpLocks/>
+            </p:cNvCxnSpPr>
+            <p:nvPr/>
+          </p:nvCxnSpPr>
+          <p:spPr>
+            <a:xfrm flipH="1">
+              <a:off x="1131543" y="4871935"/>
+              <a:ext cx="1560269" cy="0"/>
+            </a:xfrm>
+            <a:prstGeom prst="line">
+              <a:avLst/>
+            </a:prstGeom>
+            <a:noFill/>
+            <a:ln w="19050">
+              <a:solidFill>
+                <a:srgbClr val="FFC000"/>
+              </a:solidFill>
+              <a:prstDash val="sysDot"/>
+            </a:ln>
+          </p:spPr>
+          <p:style>
+            <a:lnRef idx="2">
+              <a:schemeClr val="accent1">
+                <a:shade val="50000"/>
+              </a:schemeClr>
+            </a:lnRef>
+            <a:fillRef idx="1">
+              <a:schemeClr val="accent1"/>
+            </a:fillRef>
+            <a:effectRef idx="0">
+              <a:schemeClr val="accent1"/>
+            </a:effectRef>
+            <a:fontRef idx="minor">
+              <a:schemeClr val="lt1"/>
+            </a:fontRef>
+          </p:style>
+        </p:cxnSp>
+        <mc:AlternateContent xmlns:mc="http://schemas.openxmlformats.org/markup-compatibility/2006" xmlns:a14="http://schemas.microsoft.com/office/drawing/2010/main">
+          <mc:Choice Requires="a14">
+            <p:sp>
+              <p:nvSpPr>
+                <p:cNvPr id="14" name="ZoneTexte 13">
+                  <a:extLst>
+                    <a:ext uri="{FF2B5EF4-FFF2-40B4-BE49-F238E27FC236}">
+                      <a16:creationId xmlns:a16="http://schemas.microsoft.com/office/drawing/2014/main" id="{9C98817C-9EB3-4877-80CA-8239FAA37D82}"/>
+                    </a:ext>
+                  </a:extLst>
+                </p:cNvPr>
+                <p:cNvSpPr txBox="1"/>
+                <p:nvPr/>
+              </p:nvSpPr>
+              <p:spPr>
+                <a:xfrm>
+                  <a:off x="740286" y="4789204"/>
+                  <a:ext cx="134524" cy="184666"/>
+                </a:xfrm>
+                <a:prstGeom prst="rect">
+                  <a:avLst/>
+                </a:prstGeom>
+                <a:noFill/>
+              </p:spPr>
+              <p:txBody>
+                <a:bodyPr wrap="none" lIns="0" tIns="0" rIns="0" bIns="0" rtlCol="0">
+                  <a:spAutoFit/>
+                </a:bodyPr>
+                <a:lstStyle/>
+                <a:p>
+                  <a:pPr/>
+                  <a14:m>
+                    <m:oMathPara xmlns:m="http://schemas.openxmlformats.org/officeDocument/2006/math">
+                      <m:oMathParaPr>
+                        <m:jc m:val="centerGroup"/>
+                      </m:oMathParaPr>
+                      <m:oMath xmlns:m="http://schemas.openxmlformats.org/officeDocument/2006/math">
+                        <m:r>
+                          <a:rPr lang="fr-FR" sz="1200" b="0" i="1" smtClean="0">
+                            <a:latin typeface="Cambria Math" panose="02040503050406030204" pitchFamily="18" charset="0"/>
+                          </a:rPr>
+                          <m:t>𝐴</m:t>
+                        </m:r>
+                      </m:oMath>
+                    </m:oMathPara>
+                  </a14:m>
+                  <a:endParaRPr lang="fr-FR" sz="1200" dirty="0"/>
+                </a:p>
+              </p:txBody>
+            </p:sp>
+          </mc:Choice>
+          <mc:Fallback xmlns="">
+            <p:sp>
+              <p:nvSpPr>
+                <p:cNvPr id="14" name="ZoneTexte 13">
+                  <a:extLst>
+                    <a:ext uri="{FF2B5EF4-FFF2-40B4-BE49-F238E27FC236}">
+                      <a16:creationId xmlns:a16="http://schemas.microsoft.com/office/drawing/2014/main" id="{9C98817C-9EB3-4877-80CA-8239FAA37D82}"/>
+                    </a:ext>
+                  </a:extLst>
+                </p:cNvPr>
+                <p:cNvSpPr txBox="1">
+                  <a:spLocks noRot="1" noChangeAspect="1" noMove="1" noResize="1" noEditPoints="1" noAdjustHandles="1" noChangeArrowheads="1" noChangeShapeType="1" noTextEdit="1"/>
+                </p:cNvSpPr>
+                <p:nvPr/>
+              </p:nvSpPr>
+              <p:spPr>
+                <a:xfrm>
+                  <a:off x="740286" y="4789204"/>
+                  <a:ext cx="134524" cy="184666"/>
+                </a:xfrm>
+                <a:prstGeom prst="rect">
+                  <a:avLst/>
+                </a:prstGeom>
+                <a:blipFill>
+                  <a:blip r:embed="rId8"/>
+                  <a:stretch>
+                    <a:fillRect l="-27273" r="-27273" b="-3226"/>
+                  </a:stretch>
+                </a:blipFill>
+              </p:spPr>
+              <p:txBody>
+                <a:bodyPr/>
+                <a:lstStyle/>
+                <a:p>
+                  <a:r>
+                    <a:rPr lang="fr-FR">
+                      <a:noFill/>
+                    </a:rPr>
+                    <a:t> </a:t>
+                  </a:r>
+                </a:p>
+              </p:txBody>
+            </p:sp>
+          </mc:Fallback>
+        </mc:AlternateContent>
+        <p:cxnSp>
+          <p:nvCxnSpPr>
+            <p:cNvPr id="15" name="Connecteur droit 14">
+              <a:extLst>
+                <a:ext uri="{FF2B5EF4-FFF2-40B4-BE49-F238E27FC236}">
+                  <a16:creationId xmlns:a16="http://schemas.microsoft.com/office/drawing/2014/main" id="{08CE0A27-3396-4054-96E4-27B8248794A9}"/>
+                </a:ext>
+              </a:extLst>
+            </p:cNvPr>
+            <p:cNvCxnSpPr>
+              <a:cxnSpLocks/>
+            </p:cNvCxnSpPr>
+            <p:nvPr/>
+          </p:nvCxnSpPr>
+          <p:spPr>
+            <a:xfrm flipV="1">
+              <a:off x="1126354" y="4189461"/>
+              <a:ext cx="610252" cy="600724"/>
+            </a:xfrm>
+            <a:prstGeom prst="line">
+              <a:avLst/>
+            </a:prstGeom>
+            <a:noFill/>
+            <a:ln w="9525">
+              <a:solidFill>
+                <a:srgbClr val="FFC000"/>
+              </a:solidFill>
+              <a:tailEnd type="stealth" w="med" len="lg"/>
+            </a:ln>
+          </p:spPr>
+          <p:style>
+            <a:lnRef idx="2">
+              <a:schemeClr val="accent1">
+                <a:shade val="50000"/>
+              </a:schemeClr>
+            </a:lnRef>
+            <a:fillRef idx="1">
+              <a:schemeClr val="accent1"/>
+            </a:fillRef>
+            <a:effectRef idx="0">
+              <a:schemeClr val="accent1"/>
+            </a:effectRef>
+            <a:fontRef idx="minor">
+              <a:schemeClr val="lt1"/>
+            </a:fontRef>
+          </p:style>
+        </p:cxnSp>
+        <p:sp>
+          <p:nvSpPr>
+            <p:cNvPr id="16" name="Ellipse 15">
+              <a:extLst>
+                <a:ext uri="{FF2B5EF4-FFF2-40B4-BE49-F238E27FC236}">
+                  <a16:creationId xmlns:a16="http://schemas.microsoft.com/office/drawing/2014/main" id="{9BD752BD-2FAC-4070-93C7-41431DA52ECD}"/>
+                </a:ext>
+              </a:extLst>
+            </p:cNvPr>
+            <p:cNvSpPr/>
+            <p:nvPr/>
+          </p:nvSpPr>
+          <p:spPr>
+            <a:xfrm>
+              <a:off x="1806125" y="4334346"/>
+              <a:ext cx="225543" cy="225543"/>
+            </a:xfrm>
+            <a:prstGeom prst="ellipse">
+              <a:avLst/>
+            </a:prstGeom>
+            <a:noFill/>
+            <a:ln w="19050">
+              <a:solidFill>
+                <a:schemeClr val="accent4"/>
+              </a:solidFill>
+            </a:ln>
+          </p:spPr>
+          <p:style>
+            <a:lnRef idx="2">
+              <a:schemeClr val="accent1">
+                <a:shade val="50000"/>
+              </a:schemeClr>
+            </a:lnRef>
+            <a:fillRef idx="1">
+              <a:schemeClr val="accent1"/>
+            </a:fillRef>
+            <a:effectRef idx="0">
+              <a:schemeClr val="accent1"/>
+            </a:effectRef>
+            <a:fontRef idx="minor">
+              <a:schemeClr val="lt1"/>
+            </a:fontRef>
+          </p:style>
+          <p:txBody>
+            <a:bodyPr lIns="0" tIns="0" rIns="0" bIns="0" rtlCol="0" anchor="ctr"/>
+            <a:lstStyle/>
+            <a:p>
+              <a:pPr algn="ctr"/>
+              <a:r>
+                <a:rPr lang="fr-FR" sz="1400" b="1" dirty="0">
+                  <a:solidFill>
+                    <a:schemeClr val="accent4"/>
+                  </a:solidFill>
+                </a:rPr>
+                <a:t>1</a:t>
+              </a:r>
+              <a:endParaRPr lang="fr-FR" b="1" dirty="0">
+                <a:solidFill>
+                  <a:schemeClr val="accent4"/>
+                </a:solidFill>
+              </a:endParaRPr>
+            </a:p>
+          </p:txBody>
+        </p:sp>
+        <mc:AlternateContent xmlns:mc="http://schemas.openxmlformats.org/markup-compatibility/2006" xmlns:a14="http://schemas.microsoft.com/office/drawing/2010/main">
+          <mc:Choice Requires="a14">
+            <p:sp>
+              <p:nvSpPr>
+                <p:cNvPr id="17" name="ZoneTexte 16">
+                  <a:extLst>
+                    <a:ext uri="{FF2B5EF4-FFF2-40B4-BE49-F238E27FC236}">
+                      <a16:creationId xmlns:a16="http://schemas.microsoft.com/office/drawing/2014/main" id="{D0C85A7F-D2D0-44BE-893C-DD1E97FDD47F}"/>
+                    </a:ext>
+                  </a:extLst>
+                </p:cNvPr>
+                <p:cNvSpPr txBox="1"/>
+                <p:nvPr/>
+              </p:nvSpPr>
+              <p:spPr>
+                <a:xfrm>
+                  <a:off x="1491848" y="4059447"/>
+                  <a:ext cx="184088" cy="184666"/>
+                </a:xfrm>
+                <a:prstGeom prst="rect">
+                  <a:avLst/>
+                </a:prstGeom>
+                <a:noFill/>
+              </p:spPr>
+              <p:txBody>
+                <a:bodyPr wrap="none" lIns="0" tIns="0" rIns="0" bIns="0" rtlCol="0">
+                  <a:spAutoFit/>
+                </a:bodyPr>
+                <a:lstStyle/>
+                <a:p>
+                  <a:pPr/>
+                  <a14:m>
+                    <m:oMathPara xmlns:m="http://schemas.openxmlformats.org/officeDocument/2006/math">
+                      <m:oMathParaPr>
+                        <m:jc m:val="centerGroup"/>
+                      </m:oMathParaPr>
+                      <m:oMath xmlns:m="http://schemas.openxmlformats.org/officeDocument/2006/math">
+                        <m:acc>
+                          <m:accPr>
+                            <m:chr m:val="⃗"/>
+                            <m:ctrlPr>
+                              <a:rPr lang="fr-FR" sz="1200" b="0" i="1" smtClean="0">
+                                <a:latin typeface="Cambria Math" panose="02040503050406030204" pitchFamily="18" charset="0"/>
+                              </a:rPr>
+                            </m:ctrlPr>
+                          </m:accPr>
+                          <m:e>
+                            <m:sSub>
+                              <m:sSubPr>
+                                <m:ctrlPr>
+                                  <a:rPr lang="fr-FR" sz="1200" b="0" i="1" smtClean="0">
+                                    <a:latin typeface="Cambria Math" panose="02040503050406030204" pitchFamily="18" charset="0"/>
+                                  </a:rPr>
+                                </m:ctrlPr>
+                              </m:sSubPr>
+                              <m:e>
+                                <m:r>
+                                  <a:rPr lang="fr-FR" sz="1200" b="0" i="1" smtClean="0">
+                                    <a:latin typeface="Cambria Math" panose="02040503050406030204" pitchFamily="18" charset="0"/>
+                                  </a:rPr>
+                                  <m:t>𝑥</m:t>
+                                </m:r>
+                              </m:e>
+                              <m:sub>
+                                <m:r>
+                                  <a:rPr lang="fr-FR" sz="1200" b="0" i="1" smtClean="0">
+                                    <a:latin typeface="Cambria Math" panose="02040503050406030204" pitchFamily="18" charset="0"/>
+                                  </a:rPr>
+                                  <m:t>1</m:t>
+                                </m:r>
+                              </m:sub>
+                            </m:sSub>
+                          </m:e>
+                        </m:acc>
+                      </m:oMath>
+                    </m:oMathPara>
+                  </a14:m>
+                  <a:endParaRPr lang="fr-FR" sz="1200" dirty="0"/>
+                </a:p>
+              </p:txBody>
+            </p:sp>
+          </mc:Choice>
+          <mc:Fallback xmlns="">
+            <p:sp>
+              <p:nvSpPr>
+                <p:cNvPr id="17" name="ZoneTexte 16">
+                  <a:extLst>
+                    <a:ext uri="{FF2B5EF4-FFF2-40B4-BE49-F238E27FC236}">
+                      <a16:creationId xmlns:a16="http://schemas.microsoft.com/office/drawing/2014/main" id="{D0C85A7F-D2D0-44BE-893C-DD1E97FDD47F}"/>
+                    </a:ext>
+                  </a:extLst>
+                </p:cNvPr>
+                <p:cNvSpPr txBox="1">
+                  <a:spLocks noRot="1" noChangeAspect="1" noMove="1" noResize="1" noEditPoints="1" noAdjustHandles="1" noChangeArrowheads="1" noChangeShapeType="1" noTextEdit="1"/>
+                </p:cNvSpPr>
+                <p:nvPr/>
+              </p:nvSpPr>
+              <p:spPr>
+                <a:xfrm>
+                  <a:off x="1491848" y="4059447"/>
+                  <a:ext cx="184088" cy="184666"/>
+                </a:xfrm>
+                <a:prstGeom prst="rect">
+                  <a:avLst/>
+                </a:prstGeom>
+                <a:blipFill>
+                  <a:blip r:embed="rId9"/>
+                  <a:stretch>
+                    <a:fillRect l="-13333" r="-3333" b="-13333"/>
+                  </a:stretch>
+                </a:blipFill>
+              </p:spPr>
+              <p:txBody>
+                <a:bodyPr/>
+                <a:lstStyle/>
+                <a:p>
+                  <a:r>
+                    <a:rPr lang="fr-FR">
+                      <a:noFill/>
+                    </a:rPr>
+                    <a:t> </a:t>
+                  </a:r>
+                </a:p>
+              </p:txBody>
+            </p:sp>
+          </mc:Fallback>
+        </mc:AlternateContent>
+        <p:sp>
+          <p:nvSpPr>
+            <p:cNvPr id="18" name="Ellipse 17">
+              <a:extLst>
+                <a:ext uri="{FF2B5EF4-FFF2-40B4-BE49-F238E27FC236}">
+                  <a16:creationId xmlns:a16="http://schemas.microsoft.com/office/drawing/2014/main" id="{47BAA44B-90FA-4EBD-AC2A-6E0B05336A6F}"/>
+                </a:ext>
+              </a:extLst>
+            </p:cNvPr>
+            <p:cNvSpPr/>
+            <p:nvPr/>
+          </p:nvSpPr>
+          <p:spPr>
+            <a:xfrm>
+              <a:off x="773613" y="4525205"/>
+              <a:ext cx="225543" cy="225543"/>
+            </a:xfrm>
+            <a:prstGeom prst="ellipse">
+              <a:avLst/>
+            </a:prstGeom>
+            <a:noFill/>
+            <a:ln w="19050">
+              <a:solidFill>
+                <a:schemeClr val="tx1"/>
+              </a:solidFill>
+            </a:ln>
+          </p:spPr>
+          <p:style>
+            <a:lnRef idx="2">
+              <a:schemeClr val="accent1">
+                <a:shade val="50000"/>
+              </a:schemeClr>
+            </a:lnRef>
+            <a:fillRef idx="1">
+              <a:schemeClr val="accent1"/>
+            </a:fillRef>
+            <a:effectRef idx="0">
+              <a:schemeClr val="accent1"/>
+            </a:effectRef>
+            <a:fontRef idx="minor">
+              <a:schemeClr val="lt1"/>
+            </a:fontRef>
+          </p:style>
+          <p:txBody>
+            <a:bodyPr lIns="0" tIns="0" rIns="0" bIns="0" rtlCol="0" anchor="ctr"/>
+            <a:lstStyle/>
+            <a:p>
+              <a:pPr algn="ctr"/>
+              <a:r>
+                <a:rPr lang="fr-FR" sz="1400" b="1" dirty="0">
+                  <a:solidFill>
+                    <a:schemeClr val="tx1"/>
+                  </a:solidFill>
+                </a:rPr>
+                <a:t>0</a:t>
+              </a:r>
+              <a:endParaRPr lang="fr-FR" b="1" dirty="0">
+                <a:solidFill>
+                  <a:schemeClr val="tx1"/>
+                </a:solidFill>
+              </a:endParaRPr>
+            </a:p>
+          </p:txBody>
+        </p:sp>
+        <p:sp>
+          <p:nvSpPr>
+            <p:cNvPr id="20" name="Ellipse 19">
+              <a:extLst>
+                <a:ext uri="{FF2B5EF4-FFF2-40B4-BE49-F238E27FC236}">
+                  <a16:creationId xmlns:a16="http://schemas.microsoft.com/office/drawing/2014/main" id="{9F57CEB1-7116-46E4-A26F-F19F49996E10}"/>
+                </a:ext>
+              </a:extLst>
+            </p:cNvPr>
+            <p:cNvSpPr/>
+            <p:nvPr/>
+          </p:nvSpPr>
+          <p:spPr>
+            <a:xfrm>
+              <a:off x="2492716" y="3460613"/>
+              <a:ext cx="199096" cy="199096"/>
+            </a:xfrm>
+            <a:prstGeom prst="ellipse">
+              <a:avLst/>
+            </a:prstGeom>
+            <a:solidFill>
+              <a:schemeClr val="accent2"/>
+            </a:solidFill>
+            <a:ln w="38100">
+              <a:solidFill>
+                <a:srgbClr val="FFC000"/>
+              </a:solidFill>
+            </a:ln>
+          </p:spPr>
+          <p:style>
+            <a:lnRef idx="2">
+              <a:schemeClr val="accent1">
+                <a:shade val="50000"/>
+              </a:schemeClr>
+            </a:lnRef>
+            <a:fillRef idx="1">
+              <a:schemeClr val="accent1"/>
+            </a:fillRef>
+            <a:effectRef idx="0">
+              <a:schemeClr val="accent1"/>
+            </a:effectRef>
+            <a:fontRef idx="minor">
+              <a:schemeClr val="lt1"/>
+            </a:fontRef>
+          </p:style>
+          <p:txBody>
+            <a:bodyPr rtlCol="0" anchor="ctr"/>
+            <a:lstStyle/>
+            <a:p>
+              <a:pPr algn="ctr"/>
+              <a:endParaRPr lang="fr-FR"/>
+            </a:p>
+          </p:txBody>
+        </p:sp>
+        <p:sp>
+          <p:nvSpPr>
+            <p:cNvPr id="21" name="Ellipse 20">
+              <a:extLst>
+                <a:ext uri="{FF2B5EF4-FFF2-40B4-BE49-F238E27FC236}">
+                  <a16:creationId xmlns:a16="http://schemas.microsoft.com/office/drawing/2014/main" id="{7A9324EA-B7A9-4C97-B7E9-800F3F3C7815}"/>
+                </a:ext>
+              </a:extLst>
+            </p:cNvPr>
+            <p:cNvSpPr/>
+            <p:nvPr/>
+          </p:nvSpPr>
+          <p:spPr>
+            <a:xfrm>
+              <a:off x="2331795" y="3727298"/>
+              <a:ext cx="89217" cy="89217"/>
+            </a:xfrm>
+            <a:prstGeom prst="ellipse">
+              <a:avLst/>
+            </a:prstGeom>
+            <a:solidFill>
+              <a:schemeClr val="accent2"/>
+            </a:solidFill>
+            <a:ln w="38100">
+              <a:solidFill>
+                <a:srgbClr val="FFC000"/>
+              </a:solidFill>
+            </a:ln>
+          </p:spPr>
+          <p:style>
+            <a:lnRef idx="2">
+              <a:schemeClr val="accent1">
+                <a:shade val="50000"/>
+              </a:schemeClr>
+            </a:lnRef>
+            <a:fillRef idx="1">
+              <a:schemeClr val="accent1"/>
+            </a:fillRef>
+            <a:effectRef idx="0">
+              <a:schemeClr val="accent1"/>
+            </a:effectRef>
+            <a:fontRef idx="minor">
+              <a:schemeClr val="lt1"/>
+            </a:fontRef>
+          </p:style>
+          <p:txBody>
+            <a:bodyPr rtlCol="0" anchor="ctr"/>
+            <a:lstStyle/>
+            <a:p>
+              <a:pPr algn="ctr"/>
+              <a:endParaRPr lang="fr-FR"/>
+            </a:p>
+          </p:txBody>
+        </p:sp>
+        <p:cxnSp>
+          <p:nvCxnSpPr>
+            <p:cNvPr id="25" name="Connecteur droit avec flèche 24">
+              <a:extLst>
+                <a:ext uri="{FF2B5EF4-FFF2-40B4-BE49-F238E27FC236}">
+                  <a16:creationId xmlns:a16="http://schemas.microsoft.com/office/drawing/2014/main" id="{7C8392EA-20D2-4BFF-AA6B-3B02A482FCD0}"/>
+                </a:ext>
+              </a:extLst>
+            </p:cNvPr>
+            <p:cNvCxnSpPr>
+              <a:cxnSpLocks/>
+            </p:cNvCxnSpPr>
+            <p:nvPr/>
+          </p:nvCxnSpPr>
+          <p:spPr>
+            <a:xfrm>
+              <a:off x="2594985" y="3666122"/>
+              <a:ext cx="0" cy="347419"/>
+            </a:xfrm>
+            <a:prstGeom prst="straightConnector1">
+              <a:avLst/>
+            </a:prstGeom>
+            <a:ln w="38100">
+              <a:solidFill>
+                <a:srgbClr val="C00000"/>
+              </a:solidFill>
+              <a:tailEnd type="stealth" w="med" len="lg"/>
+            </a:ln>
+          </p:spPr>
+          <p:style>
+            <a:lnRef idx="1">
+              <a:schemeClr val="accent1"/>
+            </a:lnRef>
+            <a:fillRef idx="0">
+              <a:schemeClr val="accent1"/>
+            </a:fillRef>
+            <a:effectRef idx="0">
+              <a:schemeClr val="accent1"/>
+            </a:effectRef>
+            <a:fontRef idx="minor">
+              <a:schemeClr val="tx1"/>
+            </a:fontRef>
+          </p:style>
+        </p:cxnSp>
+        <p:cxnSp>
+          <p:nvCxnSpPr>
+            <p:cNvPr id="26" name="Connecteur droit avec flèche 25">
+              <a:extLst>
+                <a:ext uri="{FF2B5EF4-FFF2-40B4-BE49-F238E27FC236}">
+                  <a16:creationId xmlns:a16="http://schemas.microsoft.com/office/drawing/2014/main" id="{7BC92A14-65E0-4AE1-9100-81FB194DD0D9}"/>
+                </a:ext>
+              </a:extLst>
+            </p:cNvPr>
+            <p:cNvCxnSpPr>
+              <a:cxnSpLocks/>
+            </p:cNvCxnSpPr>
+            <p:nvPr/>
+          </p:nvCxnSpPr>
+          <p:spPr>
+            <a:xfrm>
+              <a:off x="2366154" y="3837622"/>
+              <a:ext cx="0" cy="351839"/>
+            </a:xfrm>
+            <a:prstGeom prst="straightConnector1">
+              <a:avLst/>
+            </a:prstGeom>
+            <a:ln w="38100">
+              <a:solidFill>
+                <a:srgbClr val="C00000"/>
+              </a:solidFill>
+              <a:tailEnd type="stealth" w="med" len="lg"/>
+            </a:ln>
+          </p:spPr>
+          <p:style>
+            <a:lnRef idx="1">
+              <a:schemeClr val="accent1"/>
+            </a:lnRef>
+            <a:fillRef idx="0">
+              <a:schemeClr val="accent1"/>
+            </a:fillRef>
+            <a:effectRef idx="0">
+              <a:schemeClr val="accent1"/>
+            </a:effectRef>
+            <a:fontRef idx="minor">
+              <a:schemeClr val="tx1"/>
+            </a:fontRef>
+          </p:style>
+        </p:cxnSp>
+        <p:sp>
+          <p:nvSpPr>
+            <p:cNvPr id="47" name="Arc 46">
+              <a:extLst>
+                <a:ext uri="{FF2B5EF4-FFF2-40B4-BE49-F238E27FC236}">
+                  <a16:creationId xmlns:a16="http://schemas.microsoft.com/office/drawing/2014/main" id="{311BE4B0-029D-43A1-99B7-578BCE561C27}"/>
+                </a:ext>
+              </a:extLst>
+            </p:cNvPr>
+            <p:cNvSpPr/>
+            <p:nvPr/>
+          </p:nvSpPr>
+          <p:spPr>
+            <a:xfrm rot="13500000">
+              <a:off x="884187" y="4662418"/>
+              <a:ext cx="388584" cy="388584"/>
+            </a:xfrm>
+            <a:prstGeom prst="arc">
+              <a:avLst>
+                <a:gd name="adj1" fmla="val 10671135"/>
+                <a:gd name="adj2" fmla="val 0"/>
+              </a:avLst>
+            </a:prstGeom>
+            <a:ln w="38100">
+              <a:solidFill>
+                <a:srgbClr val="C00000"/>
+              </a:solidFill>
+              <a:tailEnd type="stealth" w="med" len="lg"/>
+            </a:ln>
+          </p:spPr>
+          <p:style>
+            <a:lnRef idx="1">
+              <a:schemeClr val="accent1"/>
+            </a:lnRef>
+            <a:fillRef idx="0">
+              <a:schemeClr val="accent1"/>
+            </a:fillRef>
+            <a:effectRef idx="0">
+              <a:schemeClr val="accent1"/>
+            </a:effectRef>
+            <a:fontRef idx="minor">
+              <a:schemeClr val="tx1"/>
+            </a:fontRef>
+          </p:style>
+          <p:txBody>
+            <a:bodyPr rtlCol="0" anchor="ctr"/>
+            <a:lstStyle/>
+            <a:p>
+              <a:pPr algn="ctr"/>
+              <a:endParaRPr lang="fr-FR" dirty="0">
+                <a:solidFill>
+                  <a:srgbClr val="FF0000"/>
+                </a:solidFill>
+              </a:endParaRPr>
+            </a:p>
+          </p:txBody>
+        </p:sp>
+        <mc:AlternateContent xmlns:mc="http://schemas.openxmlformats.org/markup-compatibility/2006" xmlns:a14="http://schemas.microsoft.com/office/drawing/2010/main">
+          <mc:Choice Requires="a14">
+            <p:sp>
+              <p:nvSpPr>
+                <p:cNvPr id="66" name="ZoneTexte 65">
+                  <a:extLst>
+                    <a:ext uri="{FF2B5EF4-FFF2-40B4-BE49-F238E27FC236}">
+                      <a16:creationId xmlns:a16="http://schemas.microsoft.com/office/drawing/2014/main" id="{3A97950B-84F8-4DD6-B142-4080708B4364}"/>
+                    </a:ext>
+                  </a:extLst>
+                </p:cNvPr>
+                <p:cNvSpPr txBox="1"/>
+                <p:nvPr/>
+              </p:nvSpPr>
+              <p:spPr>
+                <a:xfrm>
+                  <a:off x="2217246" y="3496933"/>
+                  <a:ext cx="213328" cy="184666"/>
+                </a:xfrm>
+                <a:prstGeom prst="rect">
+                  <a:avLst/>
+                </a:prstGeom>
+                <a:noFill/>
+              </p:spPr>
+              <p:txBody>
+                <a:bodyPr wrap="none" lIns="0" tIns="0" rIns="0" bIns="0" rtlCol="0">
+                  <a:spAutoFit/>
+                </a:bodyPr>
+                <a:lstStyle/>
+                <a:p>
+                  <a:pPr/>
+                  <a14:m>
+                    <m:oMathPara xmlns:m="http://schemas.openxmlformats.org/officeDocument/2006/math">
+                      <m:oMathParaPr>
+                        <m:jc m:val="centerGroup"/>
+                      </m:oMathParaPr>
+                      <m:oMath xmlns:m="http://schemas.openxmlformats.org/officeDocument/2006/math">
+                        <m:sSub>
+                          <m:sSubPr>
+                            <m:ctrlPr>
+                              <a:rPr lang="fr-FR" sz="1200" b="0" i="1" smtClean="0">
+                                <a:latin typeface="Cambria Math" panose="02040503050406030204" pitchFamily="18" charset="0"/>
+                              </a:rPr>
+                            </m:ctrlPr>
+                          </m:sSubPr>
+                          <m:e>
+                            <m:r>
+                              <a:rPr lang="fr-FR" sz="1200" b="0" i="1" smtClean="0">
+                                <a:latin typeface="Cambria Math" panose="02040503050406030204" pitchFamily="18" charset="0"/>
+                              </a:rPr>
+                              <m:t>𝐺</m:t>
+                            </m:r>
+                          </m:e>
+                          <m:sub>
+                            <m:r>
+                              <a:rPr lang="fr-FR" sz="1200" b="0" i="1" smtClean="0">
+                                <a:latin typeface="Cambria Math" panose="02040503050406030204" pitchFamily="18" charset="0"/>
+                              </a:rPr>
+                              <m:t>𝐵</m:t>
+                            </m:r>
+                          </m:sub>
+                        </m:sSub>
+                      </m:oMath>
+                    </m:oMathPara>
+                  </a14:m>
+                  <a:endParaRPr lang="fr-FR" sz="1200" dirty="0"/>
+                </a:p>
+              </p:txBody>
+            </p:sp>
+          </mc:Choice>
+          <mc:Fallback xmlns="">
+            <p:sp>
+              <p:nvSpPr>
+                <p:cNvPr id="66" name="ZoneTexte 65">
+                  <a:extLst>
+                    <a:ext uri="{FF2B5EF4-FFF2-40B4-BE49-F238E27FC236}">
+                      <a16:creationId xmlns:a16="http://schemas.microsoft.com/office/drawing/2014/main" id="{3A97950B-84F8-4DD6-B142-4080708B4364}"/>
+                    </a:ext>
+                  </a:extLst>
+                </p:cNvPr>
+                <p:cNvSpPr txBox="1">
+                  <a:spLocks noRot="1" noChangeAspect="1" noMove="1" noResize="1" noEditPoints="1" noAdjustHandles="1" noChangeArrowheads="1" noChangeShapeType="1" noTextEdit="1"/>
+                </p:cNvSpPr>
+                <p:nvPr/>
+              </p:nvSpPr>
+              <p:spPr>
+                <a:xfrm>
+                  <a:off x="2217246" y="3496933"/>
+                  <a:ext cx="213328" cy="184666"/>
+                </a:xfrm>
+                <a:prstGeom prst="rect">
+                  <a:avLst/>
+                </a:prstGeom>
+                <a:blipFill>
+                  <a:blip r:embed="rId10"/>
+                  <a:stretch>
+                    <a:fillRect l="-17143" r="-2857" b="-9677"/>
+                  </a:stretch>
+                </a:blipFill>
+              </p:spPr>
+              <p:txBody>
+                <a:bodyPr/>
+                <a:lstStyle/>
+                <a:p>
+                  <a:r>
+                    <a:rPr lang="fr-FR">
+                      <a:noFill/>
+                    </a:rPr>
+                    <a:t> </a:t>
+                  </a:r>
+                </a:p>
+              </p:txBody>
+            </p:sp>
+          </mc:Fallback>
+        </mc:AlternateContent>
+        <mc:AlternateContent xmlns:mc="http://schemas.openxmlformats.org/markup-compatibility/2006" xmlns:a14="http://schemas.microsoft.com/office/drawing/2010/main">
+          <mc:Choice Requires="a14">
+            <p:sp>
+              <p:nvSpPr>
+                <p:cNvPr id="67" name="ZoneTexte 66">
+                  <a:extLst>
+                    <a:ext uri="{FF2B5EF4-FFF2-40B4-BE49-F238E27FC236}">
+                      <a16:creationId xmlns:a16="http://schemas.microsoft.com/office/drawing/2014/main" id="{C8D08307-30E2-4C01-ABFF-19B8856BD45A}"/>
+                    </a:ext>
+                  </a:extLst>
+                </p:cNvPr>
+                <p:cNvSpPr txBox="1"/>
+                <p:nvPr/>
+              </p:nvSpPr>
+              <p:spPr>
+                <a:xfrm>
+                  <a:off x="2440060" y="3168660"/>
+                  <a:ext cx="240450" cy="184666"/>
+                </a:xfrm>
+                <a:prstGeom prst="rect">
+                  <a:avLst/>
+                </a:prstGeom>
+                <a:noFill/>
+              </p:spPr>
+              <p:txBody>
+                <a:bodyPr wrap="none" lIns="0" tIns="0" rIns="0" bIns="0" rtlCol="0">
+                  <a:spAutoFit/>
+                </a:bodyPr>
+                <a:lstStyle/>
+                <a:p>
+                  <a:pPr/>
+                  <a14:m>
+                    <m:oMathPara xmlns:m="http://schemas.openxmlformats.org/officeDocument/2006/math">
+                      <m:oMathParaPr>
+                        <m:jc m:val="centerGroup"/>
+                      </m:oMathParaPr>
+                      <m:oMath xmlns:m="http://schemas.openxmlformats.org/officeDocument/2006/math">
+                        <m:sSub>
+                          <m:sSubPr>
+                            <m:ctrlPr>
+                              <a:rPr lang="fr-FR" sz="1200" b="0" i="1" smtClean="0">
+                                <a:latin typeface="Cambria Math" panose="02040503050406030204" pitchFamily="18" charset="0"/>
+                              </a:rPr>
+                            </m:ctrlPr>
+                          </m:sSubPr>
+                          <m:e>
+                            <m:r>
+                              <a:rPr lang="fr-FR" sz="1200" b="0" i="1" smtClean="0">
+                                <a:latin typeface="Cambria Math" panose="02040503050406030204" pitchFamily="18" charset="0"/>
+                              </a:rPr>
+                              <m:t>𝐺</m:t>
+                            </m:r>
+                          </m:e>
+                          <m:sub>
+                            <m:r>
+                              <a:rPr lang="fr-FR" sz="1200" b="0" i="1" smtClean="0">
+                                <a:latin typeface="Cambria Math" panose="02040503050406030204" pitchFamily="18" charset="0"/>
+                              </a:rPr>
+                              <m:t>𝑀</m:t>
+                            </m:r>
+                          </m:sub>
+                        </m:sSub>
+                      </m:oMath>
+                    </m:oMathPara>
+                  </a14:m>
+                  <a:endParaRPr lang="fr-FR" sz="1200" dirty="0"/>
+                </a:p>
+              </p:txBody>
+            </p:sp>
+          </mc:Choice>
+          <mc:Fallback xmlns="">
+            <p:sp>
+              <p:nvSpPr>
+                <p:cNvPr id="67" name="ZoneTexte 66">
+                  <a:extLst>
+                    <a:ext uri="{FF2B5EF4-FFF2-40B4-BE49-F238E27FC236}">
+                      <a16:creationId xmlns:a16="http://schemas.microsoft.com/office/drawing/2014/main" id="{C8D08307-30E2-4C01-ABFF-19B8856BD45A}"/>
+                    </a:ext>
+                  </a:extLst>
+                </p:cNvPr>
+                <p:cNvSpPr txBox="1">
+                  <a:spLocks noRot="1" noChangeAspect="1" noMove="1" noResize="1" noEditPoints="1" noAdjustHandles="1" noChangeArrowheads="1" noChangeShapeType="1" noTextEdit="1"/>
+                </p:cNvSpPr>
+                <p:nvPr/>
+              </p:nvSpPr>
+              <p:spPr>
+                <a:xfrm>
+                  <a:off x="2440060" y="3168660"/>
+                  <a:ext cx="240450" cy="184666"/>
+                </a:xfrm>
+                <a:prstGeom prst="rect">
+                  <a:avLst/>
+                </a:prstGeom>
+                <a:blipFill>
+                  <a:blip r:embed="rId11"/>
+                  <a:stretch>
+                    <a:fillRect l="-15000" b="-13333"/>
+                  </a:stretch>
+                </a:blipFill>
+              </p:spPr>
+              <p:txBody>
+                <a:bodyPr/>
+                <a:lstStyle/>
+                <a:p>
+                  <a:r>
+                    <a:rPr lang="fr-FR">
+                      <a:noFill/>
+                    </a:rPr>
+                    <a:t> </a:t>
+                  </a:r>
+                </a:p>
+              </p:txBody>
+            </p:sp>
+          </mc:Fallback>
+        </mc:AlternateContent>
+      </p:grpSp>
+      <p:sp>
+        <p:nvSpPr>
+          <p:cNvPr id="69" name="Ellipse 68">
+            <a:extLst>
+              <a:ext uri="{FF2B5EF4-FFF2-40B4-BE49-F238E27FC236}">
+                <a16:creationId xmlns:a16="http://schemas.microsoft.com/office/drawing/2014/main" id="{EC73B7E8-9435-4C9E-9E75-98A4C6CBAF35}"/>
+              </a:ext>
+            </a:extLst>
+          </p:cNvPr>
+          <p:cNvSpPr/>
+          <p:nvPr/>
+        </p:nvSpPr>
+        <p:spPr>
+          <a:xfrm>
+            <a:off x="1902678" y="5672361"/>
+            <a:ext cx="225543" cy="225543"/>
+          </a:xfrm>
+          <a:prstGeom prst="ellipse">
+            <a:avLst/>
+          </a:prstGeom>
+          <a:solidFill>
+            <a:schemeClr val="bg1"/>
+          </a:solidFill>
+          <a:ln w="19050">
+            <a:solidFill>
+              <a:schemeClr val="tx1"/>
+            </a:solidFill>
+          </a:ln>
+        </p:spPr>
+        <p:style>
+          <a:lnRef idx="2">
+            <a:schemeClr val="accent1">
+              <a:shade val="50000"/>
+            </a:schemeClr>
+          </a:lnRef>
+          <a:fillRef idx="1">
+            <a:schemeClr val="accent1"/>
+          </a:fillRef>
+          <a:effectRef idx="0">
+            <a:schemeClr val="accent1"/>
+          </a:effectRef>
+          <a:fontRef idx="minor">
+            <a:schemeClr val="lt1"/>
+          </a:fontRef>
+        </p:style>
+        <p:txBody>
+          <a:bodyPr lIns="0" tIns="0" rIns="0" bIns="0" rtlCol="0" anchor="ctr"/>
+          <a:lstStyle/>
+          <a:p>
+            <a:pPr algn="ctr"/>
+            <a:r>
+              <a:rPr lang="fr-FR" sz="1400" b="1" dirty="0">
+                <a:solidFill>
+                  <a:schemeClr val="tx1"/>
+                </a:solidFill>
+              </a:rPr>
+              <a:t>0</a:t>
+            </a:r>
+            <a:endParaRPr lang="fr-FR" b="1" dirty="0">
+              <a:solidFill>
+                <a:schemeClr val="tx1"/>
+              </a:solidFill>
+            </a:endParaRPr>
+          </a:p>
+        </p:txBody>
+      </p:sp>
+      <p:sp>
+        <p:nvSpPr>
+          <p:cNvPr id="70" name="Ellipse 69">
+            <a:extLst>
+              <a:ext uri="{FF2B5EF4-FFF2-40B4-BE49-F238E27FC236}">
+                <a16:creationId xmlns:a16="http://schemas.microsoft.com/office/drawing/2014/main" id="{1690BC6D-74DF-49C4-B2C9-74D33C026CF8}"/>
+              </a:ext>
+            </a:extLst>
+          </p:cNvPr>
+          <p:cNvSpPr/>
+          <p:nvPr/>
+        </p:nvSpPr>
+        <p:spPr>
+          <a:xfrm>
+            <a:off x="2808396" y="4917110"/>
+            <a:ext cx="225543" cy="225543"/>
+          </a:xfrm>
+          <a:prstGeom prst="ellipse">
+            <a:avLst/>
+          </a:prstGeom>
+          <a:solidFill>
+            <a:schemeClr val="bg1"/>
+          </a:solidFill>
+          <a:ln w="19050">
+            <a:solidFill>
+              <a:schemeClr val="accent4"/>
+            </a:solidFill>
+          </a:ln>
+        </p:spPr>
+        <p:style>
+          <a:lnRef idx="2">
+            <a:schemeClr val="accent1">
+              <a:shade val="50000"/>
+            </a:schemeClr>
+          </a:lnRef>
+          <a:fillRef idx="1">
+            <a:schemeClr val="accent1"/>
+          </a:fillRef>
+          <a:effectRef idx="0">
+            <a:schemeClr val="accent1"/>
+          </a:effectRef>
+          <a:fontRef idx="minor">
+            <a:schemeClr val="lt1"/>
+          </a:fontRef>
+        </p:style>
+        <p:txBody>
+          <a:bodyPr lIns="0" tIns="0" rIns="0" bIns="0" rtlCol="0" anchor="ctr"/>
+          <a:lstStyle/>
+          <a:p>
+            <a:pPr algn="ctr"/>
+            <a:r>
+              <a:rPr lang="fr-FR" sz="1400" b="1" dirty="0">
+                <a:solidFill>
+                  <a:schemeClr val="accent4"/>
+                </a:solidFill>
+              </a:rPr>
+              <a:t>1</a:t>
+            </a:r>
+            <a:endParaRPr lang="fr-FR" b="1" dirty="0">
+              <a:solidFill>
+                <a:schemeClr val="accent4"/>
+              </a:solidFill>
+            </a:endParaRPr>
+          </a:p>
+        </p:txBody>
+      </p:sp>
+      <p:grpSp>
+        <p:nvGrpSpPr>
+          <p:cNvPr id="72" name="Groupe 71">
+            <a:extLst>
+              <a:ext uri="{FF2B5EF4-FFF2-40B4-BE49-F238E27FC236}">
+                <a16:creationId xmlns:a16="http://schemas.microsoft.com/office/drawing/2014/main" id="{8C3225EE-5354-499A-A849-CE5F1E76C3CF}"/>
+              </a:ext>
+            </a:extLst>
+          </p:cNvPr>
+          <p:cNvGrpSpPr/>
+          <p:nvPr/>
+        </p:nvGrpSpPr>
+        <p:grpSpPr>
+          <a:xfrm>
+            <a:off x="1871449" y="5897904"/>
+            <a:ext cx="288000" cy="159879"/>
+            <a:chOff x="5951539" y="3653979"/>
+            <a:chExt cx="288000" cy="159879"/>
+          </a:xfrm>
+        </p:grpSpPr>
+        <p:sp>
+          <p:nvSpPr>
+            <p:cNvPr id="73" name="Forme libre : forme 72">
+              <a:extLst>
+                <a:ext uri="{FF2B5EF4-FFF2-40B4-BE49-F238E27FC236}">
+                  <a16:creationId xmlns:a16="http://schemas.microsoft.com/office/drawing/2014/main" id="{2337484C-D25E-4A4A-B39E-E6F4DC589306}"/>
+                </a:ext>
+              </a:extLst>
+            </p:cNvPr>
+            <p:cNvSpPr/>
+            <p:nvPr/>
+          </p:nvSpPr>
+          <p:spPr>
+            <a:xfrm>
+              <a:off x="5968217" y="3719230"/>
+              <a:ext cx="254643" cy="94628"/>
+            </a:xfrm>
+            <a:custGeom>
+              <a:avLst/>
+              <a:gdLst>
+                <a:gd name="connsiteX0" fmla="*/ 0 w 254643"/>
+                <a:gd name="connsiteY0" fmla="*/ 0 h 140389"/>
+                <a:gd name="connsiteX1" fmla="*/ 92598 w 254643"/>
+                <a:gd name="connsiteY1" fmla="*/ 138897 h 140389"/>
+                <a:gd name="connsiteX2" fmla="*/ 138897 w 254643"/>
+                <a:gd name="connsiteY2" fmla="*/ 75236 h 140389"/>
+                <a:gd name="connsiteX3" fmla="*/ 202557 w 254643"/>
+                <a:gd name="connsiteY3" fmla="*/ 104173 h 140389"/>
+                <a:gd name="connsiteX4" fmla="*/ 254643 w 254643"/>
+                <a:gd name="connsiteY4" fmla="*/ 5788 h 140389"/>
+              </a:gdLst>
+              <a:ahLst/>
+              <a:cxnLst>
+                <a:cxn ang="0">
+                  <a:pos x="connsiteX0" y="connsiteY0"/>
+                </a:cxn>
+                <a:cxn ang="0">
+                  <a:pos x="connsiteX1" y="connsiteY1"/>
+                </a:cxn>
+                <a:cxn ang="0">
+                  <a:pos x="connsiteX2" y="connsiteY2"/>
+                </a:cxn>
+                <a:cxn ang="0">
+                  <a:pos x="connsiteX3" y="connsiteY3"/>
+                </a:cxn>
+                <a:cxn ang="0">
+                  <a:pos x="connsiteX4" y="connsiteY4"/>
+                </a:cxn>
+              </a:cxnLst>
+              <a:rect l="l" t="t" r="r" b="b"/>
+              <a:pathLst>
+                <a:path w="254643" h="140389">
+                  <a:moveTo>
+                    <a:pt x="0" y="0"/>
+                  </a:moveTo>
+                  <a:cubicBezTo>
+                    <a:pt x="34724" y="63179"/>
+                    <a:pt x="69448" y="126358"/>
+                    <a:pt x="92598" y="138897"/>
+                  </a:cubicBezTo>
+                  <a:cubicBezTo>
+                    <a:pt x="115748" y="151436"/>
+                    <a:pt x="120571" y="81023"/>
+                    <a:pt x="138897" y="75236"/>
+                  </a:cubicBezTo>
+                  <a:cubicBezTo>
+                    <a:pt x="157223" y="69449"/>
+                    <a:pt x="183266" y="115748"/>
+                    <a:pt x="202557" y="104173"/>
+                  </a:cubicBezTo>
+                  <a:cubicBezTo>
+                    <a:pt x="221848" y="92598"/>
+                    <a:pt x="238245" y="49193"/>
+                    <a:pt x="254643" y="5788"/>
+                  </a:cubicBezTo>
+                </a:path>
+              </a:pathLst>
+            </a:custGeom>
+            <a:solidFill>
+              <a:schemeClr val="bg2">
+                <a:lumMod val="90000"/>
+              </a:schemeClr>
+            </a:solidFill>
+            <a:ln>
+              <a:solidFill>
+                <a:schemeClr val="tx1"/>
+              </a:solidFill>
+            </a:ln>
+          </p:spPr>
+          <p:style>
+            <a:lnRef idx="2">
+              <a:schemeClr val="accent1">
+                <a:shade val="50000"/>
+              </a:schemeClr>
+            </a:lnRef>
+            <a:fillRef idx="1">
+              <a:schemeClr val="accent1"/>
+            </a:fillRef>
+            <a:effectRef idx="0">
+              <a:schemeClr val="accent1"/>
+            </a:effectRef>
+            <a:fontRef idx="minor">
+              <a:schemeClr val="lt1"/>
+            </a:fontRef>
+          </p:style>
+          <p:txBody>
+            <a:bodyPr rtlCol="0" anchor="ctr"/>
+            <a:lstStyle/>
+            <a:p>
+              <a:pPr algn="ctr"/>
+              <a:endParaRPr lang="fr-FR"/>
+            </a:p>
+          </p:txBody>
+        </p:sp>
+        <p:cxnSp>
+          <p:nvCxnSpPr>
+            <p:cNvPr id="74" name="Connecteur droit 73">
+              <a:extLst>
+                <a:ext uri="{FF2B5EF4-FFF2-40B4-BE49-F238E27FC236}">
+                  <a16:creationId xmlns:a16="http://schemas.microsoft.com/office/drawing/2014/main" id="{3000810D-1DC3-43D1-B68E-260829718666}"/>
+                </a:ext>
+              </a:extLst>
+            </p:cNvPr>
+            <p:cNvCxnSpPr>
+              <a:cxnSpLocks/>
+            </p:cNvCxnSpPr>
+            <p:nvPr/>
+          </p:nvCxnSpPr>
+          <p:spPr>
+            <a:xfrm>
+              <a:off x="6096000" y="3653979"/>
+              <a:ext cx="0" cy="59870"/>
+            </a:xfrm>
+            <a:prstGeom prst="line">
+              <a:avLst/>
+            </a:prstGeom>
+            <a:noFill/>
+            <a:ln w="19050">
+              <a:solidFill>
+                <a:schemeClr val="tx1"/>
+              </a:solidFill>
+            </a:ln>
+          </p:spPr>
+          <p:style>
+            <a:lnRef idx="2">
+              <a:schemeClr val="accent1">
+                <a:shade val="50000"/>
+              </a:schemeClr>
+            </a:lnRef>
+            <a:fillRef idx="1">
+              <a:schemeClr val="accent1"/>
+            </a:fillRef>
+            <a:effectRef idx="0">
+              <a:schemeClr val="accent1"/>
+            </a:effectRef>
+            <a:fontRef idx="minor">
+              <a:schemeClr val="lt1"/>
+            </a:fontRef>
+          </p:style>
+        </p:cxnSp>
+        <p:cxnSp>
+          <p:nvCxnSpPr>
+            <p:cNvPr id="75" name="Connecteur droit 74">
+              <a:extLst>
+                <a:ext uri="{FF2B5EF4-FFF2-40B4-BE49-F238E27FC236}">
+                  <a16:creationId xmlns:a16="http://schemas.microsoft.com/office/drawing/2014/main" id="{9FA3A4DC-FAE2-4C95-AD90-73B3BAAD1DC0}"/>
+                </a:ext>
+              </a:extLst>
+            </p:cNvPr>
+            <p:cNvCxnSpPr>
+              <a:cxnSpLocks/>
+            </p:cNvCxnSpPr>
+            <p:nvPr/>
+          </p:nvCxnSpPr>
+          <p:spPr>
+            <a:xfrm rot="5400000">
+              <a:off x="6095539" y="3572539"/>
+              <a:ext cx="0" cy="288000"/>
+            </a:xfrm>
+            <a:prstGeom prst="line">
+              <a:avLst/>
+            </a:prstGeom>
+            <a:noFill/>
+            <a:ln w="19050">
+              <a:solidFill>
+                <a:schemeClr val="tx1"/>
+              </a:solidFill>
+            </a:ln>
+          </p:spPr>
+          <p:style>
+            <a:lnRef idx="2">
+              <a:schemeClr val="accent1">
+                <a:shade val="50000"/>
+              </a:schemeClr>
+            </a:lnRef>
+            <a:fillRef idx="1">
+              <a:schemeClr val="accent1"/>
+            </a:fillRef>
+            <a:effectRef idx="0">
+              <a:schemeClr val="accent1"/>
+            </a:effectRef>
+            <a:fontRef idx="minor">
+              <a:schemeClr val="lt1"/>
+            </a:fontRef>
+          </p:style>
+        </p:cxnSp>
+      </p:grpSp>
+      <p:sp>
+        <p:nvSpPr>
+          <p:cNvPr id="32" name="Éclair 31">
+            <a:extLst>
+              <a:ext uri="{FF2B5EF4-FFF2-40B4-BE49-F238E27FC236}">
+                <a16:creationId xmlns:a16="http://schemas.microsoft.com/office/drawing/2014/main" id="{3BE1E9CD-C832-E3D3-CA2F-8F95E6F6024E}"/>
+              </a:ext>
+            </a:extLst>
+          </p:cNvPr>
+          <p:cNvSpPr/>
+          <p:nvPr/>
+        </p:nvSpPr>
+        <p:spPr>
+          <a:xfrm flipH="1">
+            <a:off x="3033939" y="4287969"/>
+            <a:ext cx="349603" cy="549540"/>
+          </a:xfrm>
+          <a:prstGeom prst="lightningBolt">
+            <a:avLst/>
+          </a:prstGeom>
+          <a:solidFill>
+            <a:schemeClr val="accent2">
+              <a:lumMod val="20000"/>
+              <a:lumOff val="80000"/>
+            </a:schemeClr>
+          </a:solidFill>
+          <a:ln w="19050">
+            <a:solidFill>
+              <a:srgbClr val="FFC000"/>
+            </a:solidFill>
+          </a:ln>
+        </p:spPr>
+        <p:style>
+          <a:lnRef idx="2">
+            <a:schemeClr val="accent1">
+              <a:shade val="50000"/>
+            </a:schemeClr>
+          </a:lnRef>
+          <a:fillRef idx="1">
+            <a:schemeClr val="accent1"/>
+          </a:fillRef>
+          <a:effectRef idx="0">
+            <a:schemeClr val="accent1"/>
+          </a:effectRef>
+          <a:fontRef idx="minor">
+            <a:schemeClr val="lt1"/>
+          </a:fontRef>
+        </p:style>
+        <p:txBody>
+          <a:bodyPr rtlCol="0" anchor="ctr"/>
+          <a:lstStyle/>
+          <a:p>
+            <a:pPr algn="ctr"/>
+            <a:endParaRPr lang="fr-FR"/>
+          </a:p>
+        </p:txBody>
+      </p:sp>
+      <p:sp>
+        <p:nvSpPr>
+          <p:cNvPr id="33" name="ZoneTexte 32">
+            <a:extLst>
+              <a:ext uri="{FF2B5EF4-FFF2-40B4-BE49-F238E27FC236}">
+                <a16:creationId xmlns:a16="http://schemas.microsoft.com/office/drawing/2014/main" id="{868DBBFE-9D50-8AA2-0C4C-09F5CECA5164}"/>
+              </a:ext>
+            </a:extLst>
+          </p:cNvPr>
+          <p:cNvSpPr txBox="1"/>
+          <p:nvPr/>
+        </p:nvSpPr>
+        <p:spPr>
+          <a:xfrm>
+            <a:off x="3410782" y="4044107"/>
+            <a:ext cx="735009" cy="215444"/>
+          </a:xfrm>
+          <a:prstGeom prst="rect">
+            <a:avLst/>
+          </a:prstGeom>
+          <a:noFill/>
+        </p:spPr>
+        <p:txBody>
+          <a:bodyPr wrap="none" lIns="0" tIns="0" rIns="0" bIns="0" rtlCol="0">
+            <a:spAutoFit/>
+          </a:bodyPr>
+          <a:lstStyle/>
+          <a:p>
+            <a:pPr/>
+            <a:r>
+              <a:rPr lang="fr-FR" sz="1400" dirty="0"/>
+              <a:t>Pesanteur</a:t>
+            </a:r>
+          </a:p>
+        </p:txBody>
+      </p:sp>
+      <p:sp>
+        <p:nvSpPr>
+          <p:cNvPr id="34" name="Éclair 33">
+            <a:extLst>
+              <a:ext uri="{FF2B5EF4-FFF2-40B4-BE49-F238E27FC236}">
+                <a16:creationId xmlns:a16="http://schemas.microsoft.com/office/drawing/2014/main" id="{25AEAD33-5764-EBE6-120B-C219DCD3C4AF}"/>
+              </a:ext>
+            </a:extLst>
+          </p:cNvPr>
+          <p:cNvSpPr/>
+          <p:nvPr/>
+        </p:nvSpPr>
+        <p:spPr>
+          <a:xfrm rot="2700000" flipH="1">
+            <a:off x="2320032" y="5661176"/>
+            <a:ext cx="245809" cy="247912"/>
+          </a:xfrm>
+          <a:prstGeom prst="lightningBolt">
+            <a:avLst/>
+          </a:prstGeom>
+          <a:solidFill>
+            <a:schemeClr val="accent2">
+              <a:lumMod val="20000"/>
+              <a:lumOff val="80000"/>
+            </a:schemeClr>
+          </a:solidFill>
+          <a:ln w="19050">
+            <a:solidFill>
+              <a:srgbClr val="FFC000"/>
+            </a:solidFill>
+          </a:ln>
+        </p:spPr>
+        <p:style>
+          <a:lnRef idx="2">
+            <a:schemeClr val="accent1">
+              <a:shade val="50000"/>
+            </a:schemeClr>
+          </a:lnRef>
+          <a:fillRef idx="1">
+            <a:schemeClr val="accent1"/>
+          </a:fillRef>
+          <a:effectRef idx="0">
+            <a:schemeClr val="accent1"/>
+          </a:effectRef>
+          <a:fontRef idx="minor">
+            <a:schemeClr val="lt1"/>
+          </a:fontRef>
+        </p:style>
+        <p:txBody>
+          <a:bodyPr rtlCol="0" anchor="ctr"/>
+          <a:lstStyle/>
+          <a:p>
+            <a:pPr algn="ctr"/>
+            <a:endParaRPr lang="fr-FR"/>
+          </a:p>
+        </p:txBody>
+      </p:sp>
+      <mc:AlternateContent xmlns:mc="http://schemas.openxmlformats.org/markup-compatibility/2006">
+        <mc:Choice xmlns:a14="http://schemas.microsoft.com/office/drawing/2010/main" Requires="a14">
+          <p:sp>
+            <p:nvSpPr>
+              <p:cNvPr id="35" name="ZoneTexte 34">
+                <a:extLst>
+                  <a:ext uri="{FF2B5EF4-FFF2-40B4-BE49-F238E27FC236}">
+                    <a16:creationId xmlns:a16="http://schemas.microsoft.com/office/drawing/2014/main" id="{FD9DB9FD-1FAF-B507-8F96-D857CC5E9358}"/>
+                  </a:ext>
+                </a:extLst>
+              </p:cNvPr>
+              <p:cNvSpPr txBox="1"/>
+              <p:nvPr/>
+            </p:nvSpPr>
+            <p:spPr>
+              <a:xfrm>
+                <a:off x="2692337" y="5700078"/>
+                <a:ext cx="403124" cy="243015"/>
+              </a:xfrm>
+              <a:prstGeom prst="rect">
+                <a:avLst/>
+              </a:prstGeom>
+              <a:noFill/>
+            </p:spPr>
+            <p:txBody>
+              <a:bodyPr wrap="none" lIns="0" tIns="0" rIns="0" bIns="0" rtlCol="0">
+                <a:spAutoFit/>
+              </a:bodyPr>
+              <a:lstStyle/>
+              <a:p>
+                <a:pPr/>
+                <a14:m>
+                  <m:oMathPara xmlns:m="http://schemas.openxmlformats.org/officeDocument/2006/math">
+                    <m:oMathParaPr>
+                      <m:jc m:val="centerGroup"/>
+                    </m:oMathParaPr>
+                    <m:oMath xmlns:m="http://schemas.openxmlformats.org/officeDocument/2006/math">
+                      <m:r>
+                        <a:rPr lang="fr-FR" sz="1400" b="0" i="1" dirty="0" smtClean="0">
+                          <a:latin typeface="Cambria Math" panose="02040503050406030204" pitchFamily="18" charset="0"/>
+                        </a:rPr>
+                        <m:t>−</m:t>
+                      </m:r>
+                      <m:acc>
+                        <m:accPr>
+                          <m:chr m:val="⃗"/>
+                          <m:ctrlPr>
+                            <a:rPr lang="fr-FR" sz="1400" i="1" dirty="0" smtClean="0">
+                              <a:latin typeface="Cambria Math" panose="02040503050406030204" pitchFamily="18" charset="0"/>
+                            </a:rPr>
+                          </m:ctrlPr>
+                        </m:accPr>
+                        <m:e>
+                          <m:sSub>
+                            <m:sSubPr>
+                              <m:ctrlPr>
+                                <a:rPr lang="fr-FR" sz="1400" b="0" i="1" dirty="0" smtClean="0">
+                                  <a:latin typeface="Cambria Math" panose="02040503050406030204" pitchFamily="18" charset="0"/>
+                                </a:rPr>
+                              </m:ctrlPr>
+                            </m:sSubPr>
+                            <m:e>
+                              <m:r>
+                                <a:rPr lang="fr-FR" sz="1400" b="0" i="1" dirty="0" smtClean="0">
+                                  <a:latin typeface="Cambria Math" panose="02040503050406030204" pitchFamily="18" charset="0"/>
+                                </a:rPr>
+                                <m:t>𝐶</m:t>
+                              </m:r>
+                            </m:e>
+                            <m:sub>
+                              <m:r>
+                                <a:rPr lang="fr-FR" sz="1400" b="0" i="1" dirty="0" smtClean="0">
+                                  <a:latin typeface="Cambria Math" panose="02040503050406030204" pitchFamily="18" charset="0"/>
+                                </a:rPr>
+                                <m:t>𝑚</m:t>
+                              </m:r>
+                            </m:sub>
+                          </m:sSub>
+                        </m:e>
+                      </m:acc>
+                    </m:oMath>
+                  </m:oMathPara>
+                </a14:m>
+                <a:endParaRPr lang="fr-FR" sz="1400" dirty="0"/>
+              </a:p>
+            </p:txBody>
+          </p:sp>
+        </mc:Choice>
+        <mc:Fallback>
+          <p:sp>
+            <p:nvSpPr>
+              <p:cNvPr id="35" name="ZoneTexte 34">
+                <a:extLst>
+                  <a:ext uri="{FF2B5EF4-FFF2-40B4-BE49-F238E27FC236}">
+                    <a16:creationId xmlns:a16="http://schemas.microsoft.com/office/drawing/2014/main" id="{FD9DB9FD-1FAF-B507-8F96-D857CC5E9358}"/>
+                  </a:ext>
+                </a:extLst>
+              </p:cNvPr>
+              <p:cNvSpPr txBox="1">
+                <a:spLocks noRot="1" noChangeAspect="1" noMove="1" noResize="1" noEditPoints="1" noAdjustHandles="1" noChangeArrowheads="1" noChangeShapeType="1" noTextEdit="1"/>
+              </p:cNvSpPr>
+              <p:nvPr/>
+            </p:nvSpPr>
+            <p:spPr>
+              <a:xfrm>
+                <a:off x="2692337" y="5700078"/>
+                <a:ext cx="403124" cy="243015"/>
+              </a:xfrm>
+              <a:prstGeom prst="rect">
+                <a:avLst/>
+              </a:prstGeom>
+              <a:blipFill>
+                <a:blip r:embed="rId12"/>
+                <a:stretch>
+                  <a:fillRect l="-3030" b="-10000"/>
+                </a:stretch>
+              </a:blipFill>
+            </p:spPr>
+            <p:txBody>
+              <a:bodyPr/>
+              <a:lstStyle/>
+              <a:p>
+                <a:r>
+                  <a:rPr lang="fr-FR">
+                    <a:noFill/>
+                  </a:rPr>
+                  <a:t> </a:t>
+                </a:r>
+              </a:p>
+            </p:txBody>
+          </p:sp>
+        </mc:Fallback>
+      </mc:AlternateContent>
+      <mc:AlternateContent xmlns:mc="http://schemas.openxmlformats.org/markup-compatibility/2006">
+        <mc:Choice xmlns:a14="http://schemas.microsoft.com/office/drawing/2010/main" Requires="a14">
+          <p:sp>
+            <p:nvSpPr>
+              <p:cNvPr id="36" name="ZoneTexte 35">
+                <a:extLst>
+                  <a:ext uri="{FF2B5EF4-FFF2-40B4-BE49-F238E27FC236}">
+                    <a16:creationId xmlns:a16="http://schemas.microsoft.com/office/drawing/2014/main" id="{AB6794E0-A04E-A948-A25E-169649308248}"/>
+                  </a:ext>
+                </a:extLst>
+              </p:cNvPr>
+              <p:cNvSpPr txBox="1"/>
+              <p:nvPr/>
+            </p:nvSpPr>
+            <p:spPr>
+              <a:xfrm>
+                <a:off x="3000681" y="5273426"/>
+                <a:ext cx="318164" cy="243015"/>
+              </a:xfrm>
+              <a:prstGeom prst="rect">
+                <a:avLst/>
+              </a:prstGeom>
+              <a:noFill/>
+            </p:spPr>
+            <p:txBody>
+              <a:bodyPr wrap="none" lIns="0" tIns="0" rIns="0" bIns="0" rtlCol="0">
+                <a:spAutoFit/>
+              </a:bodyPr>
+              <a:lstStyle/>
+              <a:p>
+                <a:pPr/>
+                <a:r>
+                  <a:rPr lang="fr-FR" sz="1400" dirty="0"/>
+                  <a:t>+</a:t>
+                </a:r>
+                <a14:m>
+                  <m:oMath xmlns:m="http://schemas.openxmlformats.org/officeDocument/2006/math">
+                    <m:acc>
+                      <m:accPr>
+                        <m:chr m:val="⃗"/>
+                        <m:ctrlPr>
+                          <a:rPr lang="fr-FR" sz="1400" i="1" dirty="0" smtClean="0">
+                            <a:latin typeface="Cambria Math" panose="02040503050406030204" pitchFamily="18" charset="0"/>
+                          </a:rPr>
+                        </m:ctrlPr>
+                      </m:accPr>
+                      <m:e>
+                        <m:sSub>
+                          <m:sSubPr>
+                            <m:ctrlPr>
+                              <a:rPr lang="fr-FR" sz="1400" b="0" i="1" dirty="0" smtClean="0">
+                                <a:latin typeface="Cambria Math" panose="02040503050406030204" pitchFamily="18" charset="0"/>
+                              </a:rPr>
+                            </m:ctrlPr>
+                          </m:sSubPr>
+                          <m:e>
+                            <m:r>
+                              <a:rPr lang="fr-FR" sz="1400" b="0" i="1" dirty="0" smtClean="0">
+                                <a:latin typeface="Cambria Math" panose="02040503050406030204" pitchFamily="18" charset="0"/>
+                              </a:rPr>
+                              <m:t>𝐶</m:t>
+                            </m:r>
+                          </m:e>
+                          <m:sub>
+                            <m:r>
+                              <a:rPr lang="fr-FR" sz="1400" b="0" i="1" dirty="0" smtClean="0">
+                                <a:latin typeface="Cambria Math" panose="02040503050406030204" pitchFamily="18" charset="0"/>
+                              </a:rPr>
+                              <m:t>𝑚</m:t>
+                            </m:r>
+                          </m:sub>
+                        </m:sSub>
+                      </m:e>
+                    </m:acc>
+                  </m:oMath>
+                </a14:m>
+                <a:endParaRPr lang="fr-FR" sz="1400" dirty="0"/>
+              </a:p>
+            </p:txBody>
+          </p:sp>
+        </mc:Choice>
+        <mc:Fallback>
+          <p:sp>
+            <p:nvSpPr>
+              <p:cNvPr id="36" name="ZoneTexte 35">
+                <a:extLst>
+                  <a:ext uri="{FF2B5EF4-FFF2-40B4-BE49-F238E27FC236}">
+                    <a16:creationId xmlns:a16="http://schemas.microsoft.com/office/drawing/2014/main" id="{AB6794E0-A04E-A948-A25E-169649308248}"/>
+                  </a:ext>
+                </a:extLst>
+              </p:cNvPr>
+              <p:cNvSpPr txBox="1">
+                <a:spLocks noRot="1" noChangeAspect="1" noMove="1" noResize="1" noEditPoints="1" noAdjustHandles="1" noChangeArrowheads="1" noChangeShapeType="1" noTextEdit="1"/>
+              </p:cNvSpPr>
+              <p:nvPr/>
+            </p:nvSpPr>
+            <p:spPr>
+              <a:xfrm>
+                <a:off x="3000681" y="5273426"/>
+                <a:ext cx="318164" cy="243015"/>
+              </a:xfrm>
+              <a:prstGeom prst="rect">
+                <a:avLst/>
+              </a:prstGeom>
+              <a:blipFill>
+                <a:blip r:embed="rId13"/>
+                <a:stretch>
+                  <a:fillRect l="-34615" t="-10000" r="-5769" b="-45000"/>
+                </a:stretch>
+              </a:blipFill>
+            </p:spPr>
+            <p:txBody>
+              <a:bodyPr/>
+              <a:lstStyle/>
+              <a:p>
+                <a:r>
+                  <a:rPr lang="fr-FR">
+                    <a:noFill/>
+                  </a:rPr>
+                  <a:t> </a:t>
+                </a:r>
+              </a:p>
+            </p:txBody>
+          </p:sp>
+        </mc:Fallback>
+      </mc:AlternateContent>
+      <p:sp>
+        <p:nvSpPr>
+          <p:cNvPr id="37" name="Éclair 36">
+            <a:extLst>
+              <a:ext uri="{FF2B5EF4-FFF2-40B4-BE49-F238E27FC236}">
+                <a16:creationId xmlns:a16="http://schemas.microsoft.com/office/drawing/2014/main" id="{50064332-C4A1-1EA1-CC73-B17FBA285A32}"/>
+              </a:ext>
+            </a:extLst>
+          </p:cNvPr>
+          <p:cNvSpPr/>
+          <p:nvPr/>
+        </p:nvSpPr>
+        <p:spPr>
+          <a:xfrm rot="8100000" flipH="1">
+            <a:off x="2736479" y="5275935"/>
+            <a:ext cx="245809" cy="247912"/>
+          </a:xfrm>
+          <a:prstGeom prst="lightningBolt">
+            <a:avLst/>
+          </a:prstGeom>
+          <a:solidFill>
+            <a:schemeClr val="accent2">
+              <a:lumMod val="20000"/>
+              <a:lumOff val="80000"/>
+            </a:schemeClr>
+          </a:solidFill>
+          <a:ln w="19050">
+            <a:solidFill>
+              <a:srgbClr val="FFC000"/>
+            </a:solidFill>
+          </a:ln>
+        </p:spPr>
+        <p:style>
+          <a:lnRef idx="2">
+            <a:schemeClr val="accent1">
+              <a:shade val="50000"/>
+            </a:schemeClr>
+          </a:lnRef>
+          <a:fillRef idx="1">
+            <a:schemeClr val="accent1"/>
+          </a:fillRef>
+          <a:effectRef idx="0">
+            <a:schemeClr val="accent1"/>
+          </a:effectRef>
+          <a:fontRef idx="minor">
+            <a:schemeClr val="lt1"/>
+          </a:fontRef>
+        </p:style>
+        <p:txBody>
+          <a:bodyPr rtlCol="0" anchor="ctr"/>
+          <a:lstStyle/>
+          <a:p>
+            <a:pPr algn="ctr"/>
+            <a:endParaRPr lang="fr-FR"/>
+          </a:p>
+        </p:txBody>
+      </p:sp>
+    </p:spTree>
+    <p:extLst>
+      <p:ext uri="{BB962C8B-B14F-4D97-AF65-F5344CB8AC3E}">
+        <p14:creationId xmlns:p14="http://schemas.microsoft.com/office/powerpoint/2010/main" val="1862846104"/>
+      </p:ext>
+    </p:extLst>
+  </p:cSld>
+  <p:clrMapOvr>
+    <a:masterClrMapping/>
+  </p:clrMapOvr>
+</p:sld>
+</file>
+
+<file path=ppt/slides/slide5.xml><?xml version="1.0" encoding="utf-8"?>
+<p:sld xmlns:a="http://schemas.openxmlformats.org/drawingml/2006/main" xmlns:r="http://schemas.openxmlformats.org/officeDocument/2006/relationships" xmlns:p="http://schemas.openxmlformats.org/presentationml/2006/main">
+  <p:cSld>
+    <p:spTree>
+      <p:nvGrpSpPr>
+        <p:cNvPr id="1" name=""/>
+        <p:cNvGrpSpPr/>
+        <p:nvPr/>
+      </p:nvGrpSpPr>
+      <p:grpSpPr>
+        <a:xfrm>
+          <a:off x="0" y="0"/>
+          <a:ext cx="0" cy="0"/>
+          <a:chOff x="0" y="0"/>
+          <a:chExt cx="0" cy="0"/>
+        </a:xfrm>
+      </p:grpSpPr>
+      <p:cxnSp>
+        <p:nvCxnSpPr>
+          <p:cNvPr id="76" name="Connecteur droit 75">
+            <a:extLst>
+              <a:ext uri="{FF2B5EF4-FFF2-40B4-BE49-F238E27FC236}">
+                <a16:creationId xmlns:a16="http://schemas.microsoft.com/office/drawing/2014/main" id="{796FF1CE-9C2D-463D-86C3-D6503BF7F436}"/>
+              </a:ext>
+            </a:extLst>
+          </p:cNvPr>
+          <p:cNvCxnSpPr>
+            <a:cxnSpLocks/>
+            <a:stCxn id="70" idx="7"/>
+            <a:endCxn id="69" idx="3"/>
+          </p:cNvCxnSpPr>
+          <p:nvPr/>
+        </p:nvCxnSpPr>
+        <p:spPr>
+          <a:xfrm flipH="1">
+            <a:off x="1935708" y="4950140"/>
+            <a:ext cx="1065201" cy="914734"/>
+          </a:xfrm>
+          <a:prstGeom prst="line">
+            <a:avLst/>
+          </a:prstGeom>
+          <a:noFill/>
+          <a:ln w="19050">
+            <a:solidFill>
+              <a:schemeClr val="tx1"/>
+            </a:solidFill>
+          </a:ln>
+        </p:spPr>
+        <p:style>
+          <a:lnRef idx="2">
+            <a:schemeClr val="accent1">
+              <a:shade val="50000"/>
+            </a:schemeClr>
+          </a:lnRef>
+          <a:fillRef idx="1">
+            <a:schemeClr val="accent1"/>
+          </a:fillRef>
+          <a:effectRef idx="0">
+            <a:schemeClr val="accent1"/>
+          </a:effectRef>
+          <a:fontRef idx="minor">
+            <a:schemeClr val="lt1"/>
+          </a:fontRef>
+        </p:style>
+      </p:cxnSp>
+      <p:sp>
+        <p:nvSpPr>
+          <p:cNvPr id="2" name="Titre 1">
+            <a:extLst>
+              <a:ext uri="{FF2B5EF4-FFF2-40B4-BE49-F238E27FC236}">
+                <a16:creationId xmlns:a16="http://schemas.microsoft.com/office/drawing/2014/main" id="{36F0BB4B-A344-479B-9ACF-6473524123D3}"/>
+              </a:ext>
+            </a:extLst>
+          </p:cNvPr>
+          <p:cNvSpPr>
+            <a:spLocks noGrp="1"/>
+          </p:cNvSpPr>
+          <p:nvPr>
+            <p:ph type="title"/>
+          </p:nvPr>
+        </p:nvSpPr>
+        <p:spPr/>
+        <p:txBody>
+          <a:bodyPr/>
+          <a:lstStyle/>
+          <a:p>
+            <a:r>
+              <a:rPr lang="fr-FR" dirty="0"/>
+              <a:t>Problème 1</a:t>
+            </a:r>
+          </a:p>
+        </p:txBody>
+      </p:sp>
+      <mc:AlternateContent xmlns:mc="http://schemas.openxmlformats.org/markup-compatibility/2006">
+        <mc:Choice xmlns:a14="http://schemas.microsoft.com/office/drawing/2010/main" Requires="a14">
+          <p:sp>
+            <p:nvSpPr>
+              <p:cNvPr id="3" name="Espace réservé du contenu 2">
+                <a:extLst>
+                  <a:ext uri="{FF2B5EF4-FFF2-40B4-BE49-F238E27FC236}">
+                    <a16:creationId xmlns:a16="http://schemas.microsoft.com/office/drawing/2014/main" id="{280F93A6-1895-4342-AC73-EEB6D50CF48E}"/>
+                  </a:ext>
+                </a:extLst>
+              </p:cNvPr>
+              <p:cNvSpPr>
+                <a:spLocks noGrp="1"/>
+              </p:cNvSpPr>
+              <p:nvPr>
+                <p:ph idx="1"/>
+              </p:nvPr>
+            </p:nvSpPr>
+            <p:spPr>
+              <a:xfrm>
+                <a:off x="5673320" y="491756"/>
+                <a:ext cx="6761135" cy="4351338"/>
+              </a:xfrm>
+            </p:spPr>
+            <p:txBody>
+              <a:bodyPr/>
+              <a:lstStyle/>
+              <a:p>
+                <a:r>
+                  <a:rPr lang="fr-FR" b="1" i="1" dirty="0"/>
+                  <a:t>Paramétrage géométrique</a:t>
+                </a:r>
+                <a:endParaRPr lang="fr-FR" i="1" dirty="0">
+                  <a:latin typeface="Cambria Math" panose="02040503050406030204" pitchFamily="18" charset="0"/>
+                </a:endParaRPr>
+              </a:p>
+              <a:p>
+                <a:pPr lvl="1"/>
+                <a14:m>
+                  <m:oMath xmlns:m="http://schemas.openxmlformats.org/officeDocument/2006/math">
+                    <m:acc>
+                      <m:accPr>
+                        <m:chr m:val="⃗"/>
+                        <m:ctrlPr>
+                          <a:rPr lang="fr-FR" i="1" smtClean="0">
+                            <a:latin typeface="Cambria Math" panose="02040503050406030204" pitchFamily="18" charset="0"/>
+                          </a:rPr>
+                        </m:ctrlPr>
+                      </m:accPr>
+                      <m:e>
+                        <m:r>
+                          <a:rPr lang="fr-FR" b="0" i="1" smtClean="0">
+                            <a:latin typeface="Cambria Math" panose="02040503050406030204" pitchFamily="18" charset="0"/>
+                          </a:rPr>
+                          <m:t>𝐴</m:t>
+                        </m:r>
+                        <m:sSub>
+                          <m:sSubPr>
+                            <m:ctrlPr>
+                              <a:rPr lang="fr-FR" b="0" i="1" smtClean="0">
+                                <a:latin typeface="Cambria Math" panose="02040503050406030204" pitchFamily="18" charset="0"/>
+                              </a:rPr>
+                            </m:ctrlPr>
+                          </m:sSubPr>
+                          <m:e>
+                            <m:r>
+                              <a:rPr lang="fr-FR" b="0" i="1" smtClean="0">
+                                <a:latin typeface="Cambria Math" panose="02040503050406030204" pitchFamily="18" charset="0"/>
+                              </a:rPr>
+                              <m:t>𝐺</m:t>
+                            </m:r>
+                          </m:e>
+                          <m:sub>
+                            <m:r>
+                              <a:rPr lang="fr-FR" b="0" i="1" smtClean="0">
+                                <a:latin typeface="Cambria Math" panose="02040503050406030204" pitchFamily="18" charset="0"/>
+                              </a:rPr>
+                              <m:t>𝐵</m:t>
+                            </m:r>
+                          </m:sub>
+                        </m:sSub>
+                      </m:e>
+                    </m:acc>
+                    <m:r>
+                      <a:rPr lang="fr-FR" b="0" i="1" smtClean="0">
+                        <a:latin typeface="Cambria Math" panose="02040503050406030204" pitchFamily="18" charset="0"/>
+                      </a:rPr>
+                      <m:t>=</m:t>
+                    </m:r>
+                    <m:sSub>
+                      <m:sSubPr>
+                        <m:ctrlPr>
+                          <a:rPr lang="fr-FR" b="0" i="1" smtClean="0">
+                            <a:latin typeface="Cambria Math" panose="02040503050406030204" pitchFamily="18" charset="0"/>
+                          </a:rPr>
+                        </m:ctrlPr>
+                      </m:sSubPr>
+                      <m:e>
+                        <m:r>
+                          <a:rPr lang="fr-FR" b="0" i="1" smtClean="0">
+                            <a:latin typeface="Cambria Math" panose="02040503050406030204" pitchFamily="18" charset="0"/>
+                          </a:rPr>
+                          <m:t>𝐿</m:t>
+                        </m:r>
+                      </m:e>
+                      <m:sub>
+                        <m:r>
+                          <a:rPr lang="fr-FR" b="0" i="1" smtClean="0">
+                            <a:latin typeface="Cambria Math" panose="02040503050406030204" pitchFamily="18" charset="0"/>
+                          </a:rPr>
+                          <m:t>𝐵</m:t>
+                        </m:r>
+                      </m:sub>
+                    </m:sSub>
+                    <m:acc>
+                      <m:accPr>
+                        <m:chr m:val="⃗"/>
+                        <m:ctrlPr>
+                          <a:rPr lang="fr-FR" b="0" i="1" smtClean="0">
+                            <a:latin typeface="Cambria Math" panose="02040503050406030204" pitchFamily="18" charset="0"/>
+                          </a:rPr>
+                        </m:ctrlPr>
+                      </m:accPr>
+                      <m:e>
+                        <m:sSub>
+                          <m:sSubPr>
+                            <m:ctrlPr>
+                              <a:rPr lang="fr-FR" b="0" i="1" smtClean="0">
+                                <a:latin typeface="Cambria Math" panose="02040503050406030204" pitchFamily="18" charset="0"/>
+                              </a:rPr>
+                            </m:ctrlPr>
+                          </m:sSubPr>
+                          <m:e>
+                            <m:r>
+                              <a:rPr lang="fr-FR" b="0" i="1" smtClean="0">
+                                <a:latin typeface="Cambria Math" panose="02040503050406030204" pitchFamily="18" charset="0"/>
+                              </a:rPr>
+                              <m:t>𝑥</m:t>
+                            </m:r>
+                          </m:e>
+                          <m:sub>
+                            <m:r>
+                              <a:rPr lang="fr-FR" b="0" i="1" smtClean="0">
+                                <a:latin typeface="Cambria Math" panose="02040503050406030204" pitchFamily="18" charset="0"/>
+                              </a:rPr>
+                              <m:t>1</m:t>
+                            </m:r>
+                          </m:sub>
+                        </m:sSub>
+                      </m:e>
+                    </m:acc>
+                  </m:oMath>
+                </a14:m>
+                <a:endParaRPr lang="fr-FR" dirty="0"/>
+              </a:p>
+              <a:p>
+                <a:pPr lvl="1"/>
+                <a14:m>
+                  <m:oMath xmlns:m="http://schemas.openxmlformats.org/officeDocument/2006/math">
+                    <m:acc>
+                      <m:accPr>
+                        <m:chr m:val="⃗"/>
+                        <m:ctrlPr>
+                          <a:rPr lang="fr-FR" i="1" smtClean="0">
+                            <a:latin typeface="Cambria Math" panose="02040503050406030204" pitchFamily="18" charset="0"/>
+                          </a:rPr>
+                        </m:ctrlPr>
+                      </m:accPr>
+                      <m:e>
+                        <m:r>
+                          <a:rPr lang="fr-FR" b="0" i="1" smtClean="0">
+                            <a:latin typeface="Cambria Math" panose="02040503050406030204" pitchFamily="18" charset="0"/>
+                          </a:rPr>
+                          <m:t>𝐴</m:t>
+                        </m:r>
+                        <m:sSub>
+                          <m:sSubPr>
+                            <m:ctrlPr>
+                              <a:rPr lang="fr-FR" b="0" i="1" smtClean="0">
+                                <a:latin typeface="Cambria Math" panose="02040503050406030204" pitchFamily="18" charset="0"/>
+                              </a:rPr>
+                            </m:ctrlPr>
+                          </m:sSubPr>
+                          <m:e>
+                            <m:r>
+                              <a:rPr lang="fr-FR" b="0" i="1" smtClean="0">
+                                <a:latin typeface="Cambria Math" panose="02040503050406030204" pitchFamily="18" charset="0"/>
+                              </a:rPr>
+                              <m:t>𝐺</m:t>
+                            </m:r>
+                          </m:e>
+                          <m:sub>
+                            <m:r>
+                              <a:rPr lang="fr-FR" b="0" i="1" smtClean="0">
+                                <a:latin typeface="Cambria Math" panose="02040503050406030204" pitchFamily="18" charset="0"/>
+                              </a:rPr>
+                              <m:t>𝑀</m:t>
+                            </m:r>
+                          </m:sub>
+                        </m:sSub>
+                      </m:e>
+                    </m:acc>
+                    <m:r>
+                      <a:rPr lang="fr-FR" b="0" i="1" smtClean="0">
+                        <a:latin typeface="Cambria Math" panose="02040503050406030204" pitchFamily="18" charset="0"/>
+                      </a:rPr>
+                      <m:t>=</m:t>
+                    </m:r>
+                    <m:sSub>
+                      <m:sSubPr>
+                        <m:ctrlPr>
+                          <a:rPr lang="fr-FR" b="0" i="1" smtClean="0">
+                            <a:latin typeface="Cambria Math" panose="02040503050406030204" pitchFamily="18" charset="0"/>
+                          </a:rPr>
+                        </m:ctrlPr>
+                      </m:sSubPr>
+                      <m:e>
+                        <m:r>
+                          <a:rPr lang="fr-FR" b="0" i="1" smtClean="0">
+                            <a:latin typeface="Cambria Math" panose="02040503050406030204" pitchFamily="18" charset="0"/>
+                          </a:rPr>
+                          <m:t>𝐿</m:t>
+                        </m:r>
+                      </m:e>
+                      <m:sub>
+                        <m:r>
+                          <a:rPr lang="fr-FR" b="0" i="1" smtClean="0">
+                            <a:latin typeface="Cambria Math" panose="02040503050406030204" pitchFamily="18" charset="0"/>
+                          </a:rPr>
+                          <m:t>𝑀</m:t>
+                        </m:r>
+                      </m:sub>
+                    </m:sSub>
+                    <m:acc>
+                      <m:accPr>
+                        <m:chr m:val="⃗"/>
+                        <m:ctrlPr>
+                          <a:rPr lang="fr-FR" b="0" i="1" smtClean="0">
+                            <a:latin typeface="Cambria Math" panose="02040503050406030204" pitchFamily="18" charset="0"/>
+                          </a:rPr>
+                        </m:ctrlPr>
+                      </m:accPr>
+                      <m:e>
+                        <m:sSub>
+                          <m:sSubPr>
+                            <m:ctrlPr>
+                              <a:rPr lang="fr-FR" b="0" i="1" smtClean="0">
+                                <a:latin typeface="Cambria Math" panose="02040503050406030204" pitchFamily="18" charset="0"/>
+                              </a:rPr>
+                            </m:ctrlPr>
+                          </m:sSubPr>
+                          <m:e>
+                            <m:r>
+                              <a:rPr lang="fr-FR" b="0" i="1" smtClean="0">
+                                <a:latin typeface="Cambria Math" panose="02040503050406030204" pitchFamily="18" charset="0"/>
+                              </a:rPr>
+                              <m:t>𝑥</m:t>
+                            </m:r>
+                          </m:e>
+                          <m:sub>
+                            <m:r>
+                              <a:rPr lang="fr-FR" b="0" i="1" smtClean="0">
+                                <a:latin typeface="Cambria Math" panose="02040503050406030204" pitchFamily="18" charset="0"/>
+                              </a:rPr>
+                              <m:t>1</m:t>
+                            </m:r>
+                          </m:sub>
+                        </m:sSub>
+                      </m:e>
+                    </m:acc>
+                  </m:oMath>
+                </a14:m>
+                <a:endParaRPr lang="fr-FR" dirty="0"/>
+              </a:p>
+              <a:p>
+                <a:r>
+                  <a:rPr lang="fr-FR" b="1" i="1" dirty="0"/>
+                  <a:t>Bilan des actions mécaniques</a:t>
+                </a:r>
+              </a:p>
+              <a:p>
+                <a:pPr lvl="1"/>
+                <a:r>
+                  <a:rPr lang="fr-FR" dirty="0"/>
+                  <a:t>Pesanteur</a:t>
+                </a:r>
+              </a:p>
+              <a:p>
+                <a:pPr lvl="1"/>
+                <a:r>
+                  <a:rPr lang="fr-FR" dirty="0"/>
+                  <a:t>Couple moteur </a:t>
+                </a:r>
+              </a:p>
+              <a:p>
+                <a:r>
+                  <a:rPr lang="fr-FR" b="1" i="1" dirty="0"/>
+                  <a:t>Théorème de la résultante statique</a:t>
+                </a:r>
+              </a:p>
+              <a:p>
+                <a:pPr lvl="1"/>
+                <a:endParaRPr lang="fr-FR" b="1" i="1" dirty="0"/>
+              </a:p>
+              <a:p>
+                <a:pPr lvl="1"/>
+                <a:endParaRPr lang="fr-FR" b="1" i="1" dirty="0"/>
+              </a:p>
+            </p:txBody>
+          </p:sp>
+        </mc:Choice>
+        <mc:Fallback>
+          <p:sp>
+            <p:nvSpPr>
+              <p:cNvPr id="3" name="Espace réservé du contenu 2">
+                <a:extLst>
+                  <a:ext uri="{FF2B5EF4-FFF2-40B4-BE49-F238E27FC236}">
+                    <a16:creationId xmlns:a16="http://schemas.microsoft.com/office/drawing/2014/main" id="{280F93A6-1895-4342-AC73-EEB6D50CF48E}"/>
+                  </a:ext>
+                </a:extLst>
+              </p:cNvPr>
+              <p:cNvSpPr>
+                <a:spLocks noGrp="1" noRot="1" noChangeAspect="1" noMove="1" noResize="1" noEditPoints="1" noAdjustHandles="1" noChangeArrowheads="1" noChangeShapeType="1" noTextEdit="1"/>
+              </p:cNvSpPr>
+              <p:nvPr>
+                <p:ph idx="1"/>
+              </p:nvPr>
+            </p:nvSpPr>
+            <p:spPr>
+              <a:xfrm>
+                <a:off x="5673320" y="491756"/>
+                <a:ext cx="6761135" cy="4351338"/>
+              </a:xfrm>
+              <a:blipFill>
+                <a:blip r:embed="rId2"/>
+                <a:stretch>
+                  <a:fillRect l="-1623" t="-2384"/>
+                </a:stretch>
+              </a:blipFill>
+            </p:spPr>
+            <p:txBody>
+              <a:bodyPr/>
+              <a:lstStyle/>
+              <a:p>
+                <a:r>
+                  <a:rPr lang="fr-FR">
+                    <a:noFill/>
+                  </a:rPr>
+                  <a:t> </a:t>
+                </a:r>
+              </a:p>
+            </p:txBody>
+          </p:sp>
+        </mc:Fallback>
+      </mc:AlternateContent>
+      <p:grpSp>
+        <p:nvGrpSpPr>
+          <p:cNvPr id="64" name="Groupe 63">
+            <a:extLst>
+              <a:ext uri="{FF2B5EF4-FFF2-40B4-BE49-F238E27FC236}">
+                <a16:creationId xmlns:a16="http://schemas.microsoft.com/office/drawing/2014/main" id="{56044620-E2FA-41CE-8F45-4C52D6862909}"/>
+              </a:ext>
+            </a:extLst>
+          </p:cNvPr>
+          <p:cNvGrpSpPr/>
+          <p:nvPr/>
+        </p:nvGrpSpPr>
+        <p:grpSpPr>
+          <a:xfrm>
+            <a:off x="-59733" y="1260433"/>
+            <a:ext cx="1406382" cy="1408468"/>
+            <a:chOff x="3409371" y="2550172"/>
+            <a:chExt cx="1406382" cy="1408468"/>
+          </a:xfrm>
+        </p:grpSpPr>
+        <p:grpSp>
+          <p:nvGrpSpPr>
+            <p:cNvPr id="50" name="Groupe 49">
+              <a:extLst>
+                <a:ext uri="{FF2B5EF4-FFF2-40B4-BE49-F238E27FC236}">
+                  <a16:creationId xmlns:a16="http://schemas.microsoft.com/office/drawing/2014/main" id="{1C9B8457-5D3D-4E94-B705-8F0B7AC6D86C}"/>
+                </a:ext>
+              </a:extLst>
+            </p:cNvPr>
+            <p:cNvGrpSpPr/>
+            <p:nvPr/>
+          </p:nvGrpSpPr>
+          <p:grpSpPr>
+            <a:xfrm>
+              <a:off x="3943586" y="2708964"/>
+              <a:ext cx="722488" cy="722488"/>
+              <a:chOff x="3943586" y="2708964"/>
+              <a:chExt cx="722488" cy="722488"/>
+            </a:xfrm>
+          </p:grpSpPr>
+          <p:cxnSp>
+            <p:nvCxnSpPr>
+              <p:cNvPr id="51" name="Connecteur droit 50">
+                <a:extLst>
+                  <a:ext uri="{FF2B5EF4-FFF2-40B4-BE49-F238E27FC236}">
+                    <a16:creationId xmlns:a16="http://schemas.microsoft.com/office/drawing/2014/main" id="{7FFB468F-681C-4F28-970D-F2B22BC66730}"/>
+                  </a:ext>
+                </a:extLst>
+              </p:cNvPr>
+              <p:cNvCxnSpPr>
+                <a:cxnSpLocks/>
+              </p:cNvCxnSpPr>
+              <p:nvPr/>
+            </p:nvCxnSpPr>
+            <p:spPr>
+              <a:xfrm flipH="1">
+                <a:off x="3943586" y="3429000"/>
+                <a:ext cx="722488" cy="1"/>
+              </a:xfrm>
+              <a:prstGeom prst="line">
+                <a:avLst/>
+              </a:prstGeom>
+              <a:noFill/>
+              <a:ln w="9525">
+                <a:solidFill>
+                  <a:schemeClr val="tx1"/>
+                </a:solidFill>
+                <a:headEnd type="stealth" w="sm" len="med"/>
+              </a:ln>
+            </p:spPr>
+            <p:style>
+              <a:lnRef idx="2">
+                <a:schemeClr val="accent1">
+                  <a:shade val="50000"/>
+                </a:schemeClr>
+              </a:lnRef>
+              <a:fillRef idx="1">
+                <a:schemeClr val="accent1"/>
+              </a:fillRef>
+              <a:effectRef idx="0">
+                <a:schemeClr val="accent1"/>
+              </a:effectRef>
+              <a:fontRef idx="minor">
+                <a:schemeClr val="lt1"/>
+              </a:fontRef>
+            </p:style>
+          </p:cxnSp>
+          <p:cxnSp>
+            <p:nvCxnSpPr>
+              <p:cNvPr id="52" name="Connecteur droit 51">
+                <a:extLst>
+                  <a:ext uri="{FF2B5EF4-FFF2-40B4-BE49-F238E27FC236}">
+                    <a16:creationId xmlns:a16="http://schemas.microsoft.com/office/drawing/2014/main" id="{9C9AB4E4-AC65-458C-9A30-8CE58A69404D}"/>
+                  </a:ext>
+                </a:extLst>
+              </p:cNvPr>
+              <p:cNvCxnSpPr>
+                <a:cxnSpLocks/>
+              </p:cNvCxnSpPr>
+              <p:nvPr/>
+            </p:nvCxnSpPr>
+            <p:spPr>
+              <a:xfrm rot="16200000" flipH="1">
+                <a:off x="3582343" y="3070207"/>
+                <a:ext cx="722488" cy="1"/>
+              </a:xfrm>
+              <a:prstGeom prst="line">
+                <a:avLst/>
+              </a:prstGeom>
+              <a:noFill/>
+              <a:ln w="9525">
+                <a:solidFill>
+                  <a:schemeClr val="tx1"/>
+                </a:solidFill>
+                <a:headEnd type="stealth" w="sm" len="med"/>
+              </a:ln>
+            </p:spPr>
+            <p:style>
+              <a:lnRef idx="2">
+                <a:schemeClr val="accent1">
+                  <a:shade val="50000"/>
+                </a:schemeClr>
+              </a:lnRef>
+              <a:fillRef idx="1">
+                <a:schemeClr val="accent1"/>
+              </a:fillRef>
+              <a:effectRef idx="0">
+                <a:schemeClr val="accent1"/>
+              </a:effectRef>
+              <a:fontRef idx="minor">
+                <a:schemeClr val="lt1"/>
+              </a:fontRef>
+            </p:style>
+          </p:cxnSp>
+        </p:grpSp>
+        <p:grpSp>
+          <p:nvGrpSpPr>
+            <p:cNvPr id="53" name="Groupe 52">
+              <a:extLst>
+                <a:ext uri="{FF2B5EF4-FFF2-40B4-BE49-F238E27FC236}">
+                  <a16:creationId xmlns:a16="http://schemas.microsoft.com/office/drawing/2014/main" id="{80435A09-89F1-4BAC-B1CF-21E8AAAF8A5E}"/>
+                </a:ext>
+              </a:extLst>
+            </p:cNvPr>
+            <p:cNvGrpSpPr/>
+            <p:nvPr/>
+          </p:nvGrpSpPr>
+          <p:grpSpPr>
+            <a:xfrm rot="20521398">
+              <a:off x="3814215" y="2617044"/>
+              <a:ext cx="722488" cy="722488"/>
+              <a:chOff x="3943586" y="2708964"/>
+              <a:chExt cx="722488" cy="722488"/>
+            </a:xfrm>
+          </p:grpSpPr>
+          <p:cxnSp>
+            <p:nvCxnSpPr>
+              <p:cNvPr id="54" name="Connecteur droit 53">
+                <a:extLst>
+                  <a:ext uri="{FF2B5EF4-FFF2-40B4-BE49-F238E27FC236}">
+                    <a16:creationId xmlns:a16="http://schemas.microsoft.com/office/drawing/2014/main" id="{6C688ABB-3AE4-4455-933D-F766FADA1186}"/>
+                  </a:ext>
+                </a:extLst>
+              </p:cNvPr>
+              <p:cNvCxnSpPr>
+                <a:cxnSpLocks/>
+              </p:cNvCxnSpPr>
+              <p:nvPr/>
+            </p:nvCxnSpPr>
+            <p:spPr>
+              <a:xfrm flipH="1">
+                <a:off x="3943586" y="3429000"/>
+                <a:ext cx="722488" cy="1"/>
+              </a:xfrm>
+              <a:prstGeom prst="line">
+                <a:avLst/>
+              </a:prstGeom>
+              <a:noFill/>
+              <a:ln w="9525">
+                <a:solidFill>
+                  <a:srgbClr val="FFC000"/>
+                </a:solidFill>
+                <a:headEnd type="stealth" w="sm" len="med"/>
+              </a:ln>
+            </p:spPr>
+            <p:style>
+              <a:lnRef idx="2">
+                <a:schemeClr val="accent1">
+                  <a:shade val="50000"/>
+                </a:schemeClr>
+              </a:lnRef>
+              <a:fillRef idx="1">
+                <a:schemeClr val="accent1"/>
+              </a:fillRef>
+              <a:effectRef idx="0">
+                <a:schemeClr val="accent1"/>
+              </a:effectRef>
+              <a:fontRef idx="minor">
+                <a:schemeClr val="lt1"/>
+              </a:fontRef>
+            </p:style>
+          </p:cxnSp>
+          <p:cxnSp>
+            <p:nvCxnSpPr>
+              <p:cNvPr id="55" name="Connecteur droit 54">
+                <a:extLst>
+                  <a:ext uri="{FF2B5EF4-FFF2-40B4-BE49-F238E27FC236}">
+                    <a16:creationId xmlns:a16="http://schemas.microsoft.com/office/drawing/2014/main" id="{F2260824-6431-4C7E-A1B0-000E35E6AC9B}"/>
+                  </a:ext>
+                </a:extLst>
+              </p:cNvPr>
+              <p:cNvCxnSpPr>
+                <a:cxnSpLocks/>
+              </p:cNvCxnSpPr>
+              <p:nvPr/>
+            </p:nvCxnSpPr>
+            <p:spPr>
+              <a:xfrm rot="16200000" flipH="1">
+                <a:off x="3582343" y="3070207"/>
+                <a:ext cx="722488" cy="1"/>
+              </a:xfrm>
+              <a:prstGeom prst="line">
+                <a:avLst/>
+              </a:prstGeom>
+              <a:noFill/>
+              <a:ln w="9525">
+                <a:solidFill>
+                  <a:srgbClr val="FFC000"/>
+                </a:solidFill>
+                <a:headEnd type="stealth" w="sm" len="med"/>
+              </a:ln>
+            </p:spPr>
+            <p:style>
+              <a:lnRef idx="2">
+                <a:schemeClr val="accent1">
+                  <a:shade val="50000"/>
+                </a:schemeClr>
+              </a:lnRef>
+              <a:fillRef idx="1">
+                <a:schemeClr val="accent1"/>
+              </a:fillRef>
+              <a:effectRef idx="0">
+                <a:schemeClr val="accent1"/>
+              </a:effectRef>
+              <a:fontRef idx="minor">
+                <a:schemeClr val="lt1"/>
+              </a:fontRef>
+            </p:style>
+          </p:cxnSp>
+        </p:grpSp>
+        <mc:AlternateContent xmlns:mc="http://schemas.openxmlformats.org/markup-compatibility/2006" xmlns:a14="http://schemas.microsoft.com/office/drawing/2010/main">
+          <mc:Choice Requires="a14">
+            <p:sp>
+              <p:nvSpPr>
+                <p:cNvPr id="56" name="ZoneTexte 55">
+                  <a:extLst>
+                    <a:ext uri="{FF2B5EF4-FFF2-40B4-BE49-F238E27FC236}">
+                      <a16:creationId xmlns:a16="http://schemas.microsoft.com/office/drawing/2014/main" id="{A4FB5276-55AE-4E91-9B8B-568C4909B2C6}"/>
+                    </a:ext>
+                  </a:extLst>
+                </p:cNvPr>
+                <p:cNvSpPr txBox="1"/>
+                <p:nvPr/>
+              </p:nvSpPr>
+              <p:spPr>
+                <a:xfrm>
+                  <a:off x="4659428" y="3332093"/>
+                  <a:ext cx="156325" cy="153888"/>
+                </a:xfrm>
+                <a:prstGeom prst="rect">
+                  <a:avLst/>
+                </a:prstGeom>
+                <a:noFill/>
+              </p:spPr>
+              <p:txBody>
+                <a:bodyPr wrap="none" lIns="0" tIns="0" rIns="0" bIns="0" rtlCol="0">
+                  <a:spAutoFit/>
+                </a:bodyPr>
+                <a:lstStyle/>
+                <a:p>
+                  <a:pPr/>
+                  <a14:m>
+                    <m:oMathPara xmlns:m="http://schemas.openxmlformats.org/officeDocument/2006/math">
+                      <m:oMathParaPr>
+                        <m:jc m:val="centerGroup"/>
+                      </m:oMathParaPr>
+                      <m:oMath xmlns:m="http://schemas.openxmlformats.org/officeDocument/2006/math">
+                        <m:acc>
+                          <m:accPr>
+                            <m:chr m:val="⃗"/>
+                            <m:ctrlPr>
+                              <a:rPr lang="fr-FR" sz="1000" b="0" i="1" smtClean="0">
+                                <a:latin typeface="Cambria Math" panose="02040503050406030204" pitchFamily="18" charset="0"/>
+                              </a:rPr>
+                            </m:ctrlPr>
+                          </m:accPr>
+                          <m:e>
+                            <m:sSub>
+                              <m:sSubPr>
+                                <m:ctrlPr>
+                                  <a:rPr lang="fr-FR" sz="1000" b="0" i="1" smtClean="0">
+                                    <a:latin typeface="Cambria Math" panose="02040503050406030204" pitchFamily="18" charset="0"/>
+                                  </a:rPr>
+                                </m:ctrlPr>
+                              </m:sSubPr>
+                              <m:e>
+                                <m:r>
+                                  <a:rPr lang="fr-FR" sz="1000" b="0" i="1" smtClean="0">
+                                    <a:latin typeface="Cambria Math" panose="02040503050406030204" pitchFamily="18" charset="0"/>
+                                  </a:rPr>
+                                  <m:t>𝑥</m:t>
+                                </m:r>
+                              </m:e>
+                              <m:sub>
+                                <m:r>
+                                  <a:rPr lang="fr-FR" sz="1000" b="0" i="1" smtClean="0">
+                                    <a:latin typeface="Cambria Math" panose="02040503050406030204" pitchFamily="18" charset="0"/>
+                                  </a:rPr>
+                                  <m:t>0</m:t>
+                                </m:r>
+                              </m:sub>
+                            </m:sSub>
+                          </m:e>
+                        </m:acc>
+                      </m:oMath>
+                    </m:oMathPara>
+                  </a14:m>
+                  <a:endParaRPr lang="fr-FR" sz="1000" dirty="0"/>
+                </a:p>
+              </p:txBody>
+            </p:sp>
+          </mc:Choice>
+          <mc:Fallback xmlns="">
+            <p:sp>
+              <p:nvSpPr>
+                <p:cNvPr id="56" name="ZoneTexte 55">
+                  <a:extLst>
+                    <a:ext uri="{FF2B5EF4-FFF2-40B4-BE49-F238E27FC236}">
+                      <a16:creationId xmlns:a16="http://schemas.microsoft.com/office/drawing/2014/main" id="{A4FB5276-55AE-4E91-9B8B-568C4909B2C6}"/>
+                    </a:ext>
+                  </a:extLst>
+                </p:cNvPr>
+                <p:cNvSpPr txBox="1">
+                  <a:spLocks noRot="1" noChangeAspect="1" noMove="1" noResize="1" noEditPoints="1" noAdjustHandles="1" noChangeArrowheads="1" noChangeShapeType="1" noTextEdit="1"/>
+                </p:cNvSpPr>
+                <p:nvPr/>
+              </p:nvSpPr>
+              <p:spPr>
+                <a:xfrm>
+                  <a:off x="4659428" y="3332093"/>
+                  <a:ext cx="156325" cy="153888"/>
+                </a:xfrm>
+                <a:prstGeom prst="rect">
+                  <a:avLst/>
+                </a:prstGeom>
+                <a:blipFill>
+                  <a:blip r:embed="rId3"/>
+                  <a:stretch>
+                    <a:fillRect l="-11538" r="-3846" b="-16000"/>
+                  </a:stretch>
+                </a:blipFill>
+              </p:spPr>
+              <p:txBody>
+                <a:bodyPr/>
+                <a:lstStyle/>
+                <a:p>
+                  <a:r>
+                    <a:rPr lang="fr-FR">
+                      <a:noFill/>
+                    </a:rPr>
+                    <a:t> </a:t>
+                  </a:r>
+                </a:p>
+              </p:txBody>
+            </p:sp>
+          </mc:Fallback>
+        </mc:AlternateContent>
+        <mc:AlternateContent xmlns:mc="http://schemas.openxmlformats.org/markup-compatibility/2006" xmlns:a14="http://schemas.microsoft.com/office/drawing/2010/main">
+          <mc:Choice Requires="a14">
+            <p:sp>
+              <p:nvSpPr>
+                <p:cNvPr id="57" name="ZoneTexte 56">
+                  <a:extLst>
+                    <a:ext uri="{FF2B5EF4-FFF2-40B4-BE49-F238E27FC236}">
+                      <a16:creationId xmlns:a16="http://schemas.microsoft.com/office/drawing/2014/main" id="{75B94B40-E4F0-4F78-8ED3-A4BD81582887}"/>
+                    </a:ext>
+                  </a:extLst>
+                </p:cNvPr>
+                <p:cNvSpPr txBox="1"/>
+                <p:nvPr/>
+              </p:nvSpPr>
+              <p:spPr>
+                <a:xfrm>
+                  <a:off x="4654444" y="3118661"/>
+                  <a:ext cx="153375" cy="153888"/>
+                </a:xfrm>
+                <a:prstGeom prst="rect">
+                  <a:avLst/>
+                </a:prstGeom>
+                <a:noFill/>
+              </p:spPr>
+              <p:txBody>
+                <a:bodyPr wrap="none" lIns="0" tIns="0" rIns="0" bIns="0" rtlCol="0">
+                  <a:spAutoFit/>
+                </a:bodyPr>
+                <a:lstStyle/>
+                <a:p>
+                  <a:pPr/>
+                  <a14:m>
+                    <m:oMathPara xmlns:m="http://schemas.openxmlformats.org/officeDocument/2006/math">
+                      <m:oMathParaPr>
+                        <m:jc m:val="centerGroup"/>
+                      </m:oMathParaPr>
+                      <m:oMath xmlns:m="http://schemas.openxmlformats.org/officeDocument/2006/math">
+                        <m:acc>
+                          <m:accPr>
+                            <m:chr m:val="⃗"/>
+                            <m:ctrlPr>
+                              <a:rPr lang="fr-FR" sz="1000" b="0" i="1" smtClean="0">
+                                <a:latin typeface="Cambria Math" panose="02040503050406030204" pitchFamily="18" charset="0"/>
+                              </a:rPr>
+                            </m:ctrlPr>
+                          </m:accPr>
+                          <m:e>
+                            <m:sSub>
+                              <m:sSubPr>
+                                <m:ctrlPr>
+                                  <a:rPr lang="fr-FR" sz="1000" b="0" i="1" smtClean="0">
+                                    <a:latin typeface="Cambria Math" panose="02040503050406030204" pitchFamily="18" charset="0"/>
+                                  </a:rPr>
+                                </m:ctrlPr>
+                              </m:sSubPr>
+                              <m:e>
+                                <m:r>
+                                  <a:rPr lang="fr-FR" sz="1000" b="0" i="1" smtClean="0">
+                                    <a:latin typeface="Cambria Math" panose="02040503050406030204" pitchFamily="18" charset="0"/>
+                                  </a:rPr>
+                                  <m:t>𝑥</m:t>
+                                </m:r>
+                              </m:e>
+                              <m:sub>
+                                <m:r>
+                                  <a:rPr lang="fr-FR" sz="1000" b="0" i="1" smtClean="0">
+                                    <a:latin typeface="Cambria Math" panose="02040503050406030204" pitchFamily="18" charset="0"/>
+                                  </a:rPr>
+                                  <m:t>1</m:t>
+                                </m:r>
+                              </m:sub>
+                            </m:sSub>
+                          </m:e>
+                        </m:acc>
+                      </m:oMath>
+                    </m:oMathPara>
+                  </a14:m>
+                  <a:endParaRPr lang="fr-FR" sz="1000" dirty="0"/>
+                </a:p>
+              </p:txBody>
+            </p:sp>
+          </mc:Choice>
+          <mc:Fallback xmlns="">
+            <p:sp>
+              <p:nvSpPr>
+                <p:cNvPr id="57" name="ZoneTexte 56">
+                  <a:extLst>
+                    <a:ext uri="{FF2B5EF4-FFF2-40B4-BE49-F238E27FC236}">
+                      <a16:creationId xmlns:a16="http://schemas.microsoft.com/office/drawing/2014/main" id="{75B94B40-E4F0-4F78-8ED3-A4BD81582887}"/>
+                    </a:ext>
+                  </a:extLst>
+                </p:cNvPr>
+                <p:cNvSpPr txBox="1">
+                  <a:spLocks noRot="1" noChangeAspect="1" noMove="1" noResize="1" noEditPoints="1" noAdjustHandles="1" noChangeArrowheads="1" noChangeShapeType="1" noTextEdit="1"/>
+                </p:cNvSpPr>
+                <p:nvPr/>
+              </p:nvSpPr>
+              <p:spPr>
+                <a:xfrm>
+                  <a:off x="4654444" y="3118661"/>
+                  <a:ext cx="153375" cy="153888"/>
+                </a:xfrm>
+                <a:prstGeom prst="rect">
+                  <a:avLst/>
+                </a:prstGeom>
+                <a:blipFill>
+                  <a:blip r:embed="rId4"/>
+                  <a:stretch>
+                    <a:fillRect l="-11538" r="-3846" b="-16000"/>
+                  </a:stretch>
+                </a:blipFill>
+              </p:spPr>
+              <p:txBody>
+                <a:bodyPr/>
+                <a:lstStyle/>
+                <a:p>
+                  <a:r>
+                    <a:rPr lang="fr-FR">
+                      <a:noFill/>
+                    </a:rPr>
+                    <a:t> </a:t>
+                  </a:r>
+                </a:p>
+              </p:txBody>
+            </p:sp>
+          </mc:Fallback>
+        </mc:AlternateContent>
+        <mc:AlternateContent xmlns:mc="http://schemas.openxmlformats.org/markup-compatibility/2006" xmlns:a14="http://schemas.microsoft.com/office/drawing/2010/main">
+          <mc:Choice Requires="a14">
+            <p:sp>
+              <p:nvSpPr>
+                <p:cNvPr id="58" name="ZoneTexte 57">
+                  <a:extLst>
+                    <a:ext uri="{FF2B5EF4-FFF2-40B4-BE49-F238E27FC236}">
+                      <a16:creationId xmlns:a16="http://schemas.microsoft.com/office/drawing/2014/main" id="{93BDD4AB-6D50-47C7-8842-025AB3E7A965}"/>
+                    </a:ext>
+                  </a:extLst>
+                </p:cNvPr>
+                <p:cNvSpPr txBox="1"/>
+                <p:nvPr/>
+              </p:nvSpPr>
+              <p:spPr>
+                <a:xfrm>
+                  <a:off x="3864357" y="2550172"/>
+                  <a:ext cx="156902" cy="153888"/>
+                </a:xfrm>
+                <a:prstGeom prst="rect">
+                  <a:avLst/>
+                </a:prstGeom>
+                <a:noFill/>
+              </p:spPr>
+              <p:txBody>
+                <a:bodyPr wrap="none" lIns="0" tIns="0" rIns="0" bIns="0" rtlCol="0">
+                  <a:spAutoFit/>
+                </a:bodyPr>
+                <a:lstStyle/>
+                <a:p>
+                  <a:pPr/>
+                  <a14:m>
+                    <m:oMathPara xmlns:m="http://schemas.openxmlformats.org/officeDocument/2006/math">
+                      <m:oMathParaPr>
+                        <m:jc m:val="centerGroup"/>
+                      </m:oMathParaPr>
+                      <m:oMath xmlns:m="http://schemas.openxmlformats.org/officeDocument/2006/math">
+                        <m:acc>
+                          <m:accPr>
+                            <m:chr m:val="⃗"/>
+                            <m:ctrlPr>
+                              <a:rPr lang="fr-FR" sz="1000" b="0" i="1" smtClean="0">
+                                <a:latin typeface="Cambria Math" panose="02040503050406030204" pitchFamily="18" charset="0"/>
+                              </a:rPr>
+                            </m:ctrlPr>
+                          </m:accPr>
+                          <m:e>
+                            <m:sSub>
+                              <m:sSubPr>
+                                <m:ctrlPr>
+                                  <a:rPr lang="fr-FR" sz="1000" b="0" i="1" smtClean="0">
+                                    <a:latin typeface="Cambria Math" panose="02040503050406030204" pitchFamily="18" charset="0"/>
+                                  </a:rPr>
+                                </m:ctrlPr>
+                              </m:sSubPr>
+                              <m:e>
+                                <m:r>
+                                  <a:rPr lang="fr-FR" sz="1000" b="0" i="1" smtClean="0">
+                                    <a:latin typeface="Cambria Math" panose="02040503050406030204" pitchFamily="18" charset="0"/>
+                                  </a:rPr>
+                                  <m:t>𝑦</m:t>
+                                </m:r>
+                              </m:e>
+                              <m:sub>
+                                <m:r>
+                                  <a:rPr lang="fr-FR" sz="1000" b="0" i="1" smtClean="0">
+                                    <a:latin typeface="Cambria Math" panose="02040503050406030204" pitchFamily="18" charset="0"/>
+                                  </a:rPr>
+                                  <m:t>0</m:t>
+                                </m:r>
+                              </m:sub>
+                            </m:sSub>
+                          </m:e>
+                        </m:acc>
+                      </m:oMath>
+                    </m:oMathPara>
+                  </a14:m>
+                  <a:endParaRPr lang="fr-FR" sz="1000" dirty="0"/>
+                </a:p>
+              </p:txBody>
+            </p:sp>
+          </mc:Choice>
+          <mc:Fallback xmlns="">
+            <p:sp>
+              <p:nvSpPr>
+                <p:cNvPr id="58" name="ZoneTexte 57">
+                  <a:extLst>
+                    <a:ext uri="{FF2B5EF4-FFF2-40B4-BE49-F238E27FC236}">
+                      <a16:creationId xmlns:a16="http://schemas.microsoft.com/office/drawing/2014/main" id="{93BDD4AB-6D50-47C7-8842-025AB3E7A965}"/>
+                    </a:ext>
+                  </a:extLst>
+                </p:cNvPr>
+                <p:cNvSpPr txBox="1">
+                  <a:spLocks noRot="1" noChangeAspect="1" noMove="1" noResize="1" noEditPoints="1" noAdjustHandles="1" noChangeArrowheads="1" noChangeShapeType="1" noTextEdit="1"/>
+                </p:cNvSpPr>
+                <p:nvPr/>
+              </p:nvSpPr>
+              <p:spPr>
+                <a:xfrm>
+                  <a:off x="3864357" y="2550172"/>
+                  <a:ext cx="156902" cy="153888"/>
+                </a:xfrm>
+                <a:prstGeom prst="rect">
+                  <a:avLst/>
+                </a:prstGeom>
+                <a:blipFill>
+                  <a:blip r:embed="rId5"/>
+                  <a:stretch>
+                    <a:fillRect l="-23077" r="-3846" b="-24000"/>
+                  </a:stretch>
+                </a:blipFill>
+              </p:spPr>
+              <p:txBody>
+                <a:bodyPr/>
+                <a:lstStyle/>
+                <a:p>
+                  <a:r>
+                    <a:rPr lang="fr-FR">
+                      <a:noFill/>
+                    </a:rPr>
+                    <a:t> </a:t>
+                  </a:r>
+                </a:p>
+              </p:txBody>
+            </p:sp>
+          </mc:Fallback>
+        </mc:AlternateContent>
+        <mc:AlternateContent xmlns:mc="http://schemas.openxmlformats.org/markup-compatibility/2006" xmlns:a14="http://schemas.microsoft.com/office/drawing/2010/main">
+          <mc:Choice Requires="a14">
+            <p:sp>
+              <p:nvSpPr>
+                <p:cNvPr id="59" name="ZoneTexte 58">
+                  <a:extLst>
+                    <a:ext uri="{FF2B5EF4-FFF2-40B4-BE49-F238E27FC236}">
+                      <a16:creationId xmlns:a16="http://schemas.microsoft.com/office/drawing/2014/main" id="{96BF64D5-DB6A-43DF-AEB7-B0A632160CE8}"/>
+                    </a:ext>
+                  </a:extLst>
+                </p:cNvPr>
+                <p:cNvSpPr txBox="1"/>
+                <p:nvPr/>
+              </p:nvSpPr>
+              <p:spPr>
+                <a:xfrm>
+                  <a:off x="3625745" y="2584081"/>
+                  <a:ext cx="153953" cy="153888"/>
+                </a:xfrm>
+                <a:prstGeom prst="rect">
+                  <a:avLst/>
+                </a:prstGeom>
+                <a:noFill/>
+              </p:spPr>
+              <p:txBody>
+                <a:bodyPr wrap="none" lIns="0" tIns="0" rIns="0" bIns="0" rtlCol="0">
+                  <a:spAutoFit/>
+                </a:bodyPr>
+                <a:lstStyle/>
+                <a:p>
+                  <a:pPr/>
+                  <a14:m>
+                    <m:oMathPara xmlns:m="http://schemas.openxmlformats.org/officeDocument/2006/math">
+                      <m:oMathParaPr>
+                        <m:jc m:val="centerGroup"/>
+                      </m:oMathParaPr>
+                      <m:oMath xmlns:m="http://schemas.openxmlformats.org/officeDocument/2006/math">
+                        <m:acc>
+                          <m:accPr>
+                            <m:chr m:val="⃗"/>
+                            <m:ctrlPr>
+                              <a:rPr lang="fr-FR" sz="1000" b="0" i="1" smtClean="0">
+                                <a:latin typeface="Cambria Math" panose="02040503050406030204" pitchFamily="18" charset="0"/>
+                              </a:rPr>
+                            </m:ctrlPr>
+                          </m:accPr>
+                          <m:e>
+                            <m:sSub>
+                              <m:sSubPr>
+                                <m:ctrlPr>
+                                  <a:rPr lang="fr-FR" sz="1000" b="0" i="1" smtClean="0">
+                                    <a:latin typeface="Cambria Math" panose="02040503050406030204" pitchFamily="18" charset="0"/>
+                                  </a:rPr>
+                                </m:ctrlPr>
+                              </m:sSubPr>
+                              <m:e>
+                                <m:r>
+                                  <a:rPr lang="fr-FR" sz="1000" b="0" i="1" smtClean="0">
+                                    <a:latin typeface="Cambria Math" panose="02040503050406030204" pitchFamily="18" charset="0"/>
+                                  </a:rPr>
+                                  <m:t>𝑦</m:t>
+                                </m:r>
+                              </m:e>
+                              <m:sub>
+                                <m:r>
+                                  <a:rPr lang="fr-FR" sz="1000" b="0" i="1" smtClean="0">
+                                    <a:latin typeface="Cambria Math" panose="02040503050406030204" pitchFamily="18" charset="0"/>
+                                  </a:rPr>
+                                  <m:t>1</m:t>
+                                </m:r>
+                              </m:sub>
+                            </m:sSub>
+                          </m:e>
+                        </m:acc>
+                      </m:oMath>
+                    </m:oMathPara>
+                  </a14:m>
+                  <a:endParaRPr lang="fr-FR" sz="1000" dirty="0"/>
+                </a:p>
+              </p:txBody>
+            </p:sp>
+          </mc:Choice>
+          <mc:Fallback xmlns="">
+            <p:sp>
+              <p:nvSpPr>
+                <p:cNvPr id="59" name="ZoneTexte 58">
+                  <a:extLst>
+                    <a:ext uri="{FF2B5EF4-FFF2-40B4-BE49-F238E27FC236}">
+                      <a16:creationId xmlns:a16="http://schemas.microsoft.com/office/drawing/2014/main" id="{96BF64D5-DB6A-43DF-AEB7-B0A632160CE8}"/>
+                    </a:ext>
+                  </a:extLst>
+                </p:cNvPr>
+                <p:cNvSpPr txBox="1">
+                  <a:spLocks noRot="1" noChangeAspect="1" noMove="1" noResize="1" noEditPoints="1" noAdjustHandles="1" noChangeArrowheads="1" noChangeShapeType="1" noTextEdit="1"/>
+                </p:cNvSpPr>
+                <p:nvPr/>
+              </p:nvSpPr>
+              <p:spPr>
+                <a:xfrm>
+                  <a:off x="3625745" y="2584081"/>
+                  <a:ext cx="153953" cy="153888"/>
+                </a:xfrm>
+                <a:prstGeom prst="rect">
+                  <a:avLst/>
+                </a:prstGeom>
+                <a:blipFill>
+                  <a:blip r:embed="rId6"/>
+                  <a:stretch>
+                    <a:fillRect l="-24000" r="-8000" b="-23077"/>
+                  </a:stretch>
+                </a:blipFill>
+              </p:spPr>
+              <p:txBody>
+                <a:bodyPr/>
+                <a:lstStyle/>
+                <a:p>
+                  <a:r>
+                    <a:rPr lang="fr-FR">
+                      <a:noFill/>
+                    </a:rPr>
+                    <a:t> </a:t>
+                  </a:r>
+                </a:p>
+              </p:txBody>
+            </p:sp>
+          </mc:Fallback>
+        </mc:AlternateContent>
+        <p:sp>
+          <p:nvSpPr>
+            <p:cNvPr id="60" name="Ellipse 59">
+              <a:extLst>
+                <a:ext uri="{FF2B5EF4-FFF2-40B4-BE49-F238E27FC236}">
+                  <a16:creationId xmlns:a16="http://schemas.microsoft.com/office/drawing/2014/main" id="{3A447C86-D550-4EAB-9262-8CC41D3FACE0}"/>
+                </a:ext>
+              </a:extLst>
+            </p:cNvPr>
+            <p:cNvSpPr/>
+            <p:nvPr/>
+          </p:nvSpPr>
+          <p:spPr>
+            <a:xfrm>
+              <a:off x="3891138" y="3373761"/>
+              <a:ext cx="108000" cy="108000"/>
+            </a:xfrm>
+            <a:prstGeom prst="ellipse">
+              <a:avLst/>
+            </a:prstGeom>
+            <a:solidFill>
+              <a:schemeClr val="bg1"/>
+            </a:solidFill>
+            <a:ln w="9525">
+              <a:solidFill>
+                <a:schemeClr val="tx1"/>
+              </a:solidFill>
+            </a:ln>
+          </p:spPr>
+          <p:style>
+            <a:lnRef idx="2">
+              <a:schemeClr val="accent1">
+                <a:shade val="50000"/>
+              </a:schemeClr>
+            </a:lnRef>
+            <a:fillRef idx="1">
+              <a:schemeClr val="accent1"/>
+            </a:fillRef>
+            <a:effectRef idx="0">
+              <a:schemeClr val="accent1"/>
+            </a:effectRef>
+            <a:fontRef idx="minor">
+              <a:schemeClr val="lt1"/>
+            </a:fontRef>
+          </p:style>
+          <p:txBody>
+            <a:bodyPr rtlCol="0" anchor="ctr"/>
+            <a:lstStyle/>
+            <a:p>
+              <a:pPr algn="ctr"/>
+              <a:endParaRPr lang="fr-FR"/>
+            </a:p>
+          </p:txBody>
+        </p:sp>
+        <p:sp>
+          <p:nvSpPr>
+            <p:cNvPr id="61" name="Ellipse 60">
+              <a:extLst>
+                <a:ext uri="{FF2B5EF4-FFF2-40B4-BE49-F238E27FC236}">
+                  <a16:creationId xmlns:a16="http://schemas.microsoft.com/office/drawing/2014/main" id="{FD437849-2629-4B54-A0D1-05287F59D52D}"/>
+                </a:ext>
+              </a:extLst>
+            </p:cNvPr>
+            <p:cNvSpPr/>
+            <p:nvPr/>
+          </p:nvSpPr>
+          <p:spPr>
+            <a:xfrm>
+              <a:off x="3927138" y="3409761"/>
+              <a:ext cx="36000" cy="36000"/>
+            </a:xfrm>
+            <a:prstGeom prst="ellipse">
+              <a:avLst/>
+            </a:prstGeom>
+            <a:solidFill>
+              <a:schemeClr val="tx1"/>
+            </a:solidFill>
+            <a:ln w="9525">
+              <a:solidFill>
+                <a:schemeClr val="tx1"/>
+              </a:solidFill>
+            </a:ln>
+          </p:spPr>
+          <p:style>
+            <a:lnRef idx="2">
+              <a:schemeClr val="accent1">
+                <a:shade val="50000"/>
+              </a:schemeClr>
+            </a:lnRef>
+            <a:fillRef idx="1">
+              <a:schemeClr val="accent1"/>
+            </a:fillRef>
+            <a:effectRef idx="0">
+              <a:schemeClr val="accent1"/>
+            </a:effectRef>
+            <a:fontRef idx="minor">
+              <a:schemeClr val="lt1"/>
+            </a:fontRef>
+          </p:style>
+          <p:txBody>
+            <a:bodyPr rtlCol="0" anchor="ctr"/>
+            <a:lstStyle/>
+            <a:p>
+              <a:pPr algn="ctr"/>
+              <a:endParaRPr lang="fr-FR"/>
+            </a:p>
+          </p:txBody>
+        </p:sp>
+        <p:sp>
+          <p:nvSpPr>
+            <p:cNvPr id="62" name="Arc 61">
+              <a:extLst>
+                <a:ext uri="{FF2B5EF4-FFF2-40B4-BE49-F238E27FC236}">
+                  <a16:creationId xmlns:a16="http://schemas.microsoft.com/office/drawing/2014/main" id="{E7FDA299-1D95-4FE9-B277-0C6D5880FB2A}"/>
+                </a:ext>
+              </a:extLst>
+            </p:cNvPr>
+            <p:cNvSpPr/>
+            <p:nvPr/>
+          </p:nvSpPr>
+          <p:spPr>
+            <a:xfrm>
+              <a:off x="3409371" y="2884256"/>
+              <a:ext cx="1074384" cy="1074384"/>
+            </a:xfrm>
+            <a:prstGeom prst="arc">
+              <a:avLst>
+                <a:gd name="adj1" fmla="val 20568333"/>
+                <a:gd name="adj2" fmla="val 0"/>
+              </a:avLst>
+            </a:prstGeom>
+            <a:ln>
+              <a:solidFill>
+                <a:srgbClr val="FFC000"/>
+              </a:solidFill>
+              <a:headEnd type="stealth" w="sm" len="med"/>
+            </a:ln>
+          </p:spPr>
+          <p:style>
+            <a:lnRef idx="1">
+              <a:schemeClr val="accent1"/>
+            </a:lnRef>
+            <a:fillRef idx="0">
+              <a:schemeClr val="accent1"/>
+            </a:fillRef>
+            <a:effectRef idx="0">
+              <a:schemeClr val="accent1"/>
+            </a:effectRef>
+            <a:fontRef idx="minor">
+              <a:schemeClr val="tx1"/>
+            </a:fontRef>
+          </p:style>
+          <p:txBody>
+            <a:bodyPr rtlCol="0" anchor="ctr"/>
+            <a:lstStyle/>
+            <a:p>
+              <a:pPr algn="ctr"/>
+              <a:endParaRPr lang="fr-FR"/>
+            </a:p>
+          </p:txBody>
+        </p:sp>
+        <mc:AlternateContent xmlns:mc="http://schemas.openxmlformats.org/markup-compatibility/2006" xmlns:a14="http://schemas.microsoft.com/office/drawing/2010/main">
+          <mc:Choice Requires="a14">
+            <p:sp>
+              <p:nvSpPr>
+                <p:cNvPr id="63" name="ZoneTexte 62">
+                  <a:extLst>
+                    <a:ext uri="{FF2B5EF4-FFF2-40B4-BE49-F238E27FC236}">
+                      <a16:creationId xmlns:a16="http://schemas.microsoft.com/office/drawing/2014/main" id="{6573B8FF-FC92-4D39-A7CF-813A1EBEA58D}"/>
+                    </a:ext>
+                  </a:extLst>
+                </p:cNvPr>
+                <p:cNvSpPr txBox="1"/>
+                <p:nvPr/>
+              </p:nvSpPr>
+              <p:spPr>
+                <a:xfrm>
+                  <a:off x="4506802" y="3252239"/>
+                  <a:ext cx="118174" cy="153888"/>
+                </a:xfrm>
+                <a:prstGeom prst="rect">
+                  <a:avLst/>
+                </a:prstGeom>
+                <a:noFill/>
+              </p:spPr>
+              <p:txBody>
+                <a:bodyPr wrap="none" lIns="0" tIns="0" rIns="0" bIns="0" rtlCol="0">
+                  <a:spAutoFit/>
+                </a:bodyPr>
+                <a:lstStyle/>
+                <a:p>
+                  <a:pPr/>
+                  <a14:m>
+                    <m:oMathPara xmlns:m="http://schemas.openxmlformats.org/officeDocument/2006/math">
+                      <m:oMathParaPr>
+                        <m:jc m:val="centerGroup"/>
+                      </m:oMathParaPr>
+                      <m:oMath xmlns:m="http://schemas.openxmlformats.org/officeDocument/2006/math">
+                        <m:r>
+                          <a:rPr lang="fr-FR" sz="1000" b="0" i="1" smtClean="0">
+                            <a:latin typeface="Cambria Math" panose="02040503050406030204" pitchFamily="18" charset="0"/>
+                          </a:rPr>
+                          <m:t>𝜑</m:t>
+                        </m:r>
+                      </m:oMath>
+                    </m:oMathPara>
+                  </a14:m>
+                  <a:endParaRPr lang="fr-FR" sz="1000" dirty="0"/>
+                </a:p>
+              </p:txBody>
+            </p:sp>
+          </mc:Choice>
+          <mc:Fallback xmlns="">
             <p:sp>
               <p:nvSpPr>
                 <p:cNvPr id="63" name="ZoneTexte 62">
@@ -10843,8 +18168,8 @@
             </a:fontRef>
           </p:style>
         </p:cxnSp>
-        <mc:AlternateContent xmlns:mc="http://schemas.openxmlformats.org/markup-compatibility/2006">
-          <mc:Choice xmlns:a14="http://schemas.microsoft.com/office/drawing/2010/main" Requires="a14">
+        <mc:AlternateContent xmlns:mc="http://schemas.openxmlformats.org/markup-compatibility/2006" xmlns:a14="http://schemas.microsoft.com/office/drawing/2010/main">
+          <mc:Choice Requires="a14">
             <p:sp>
               <p:nvSpPr>
                 <p:cNvPr id="14" name="ZoneTexte 13">
@@ -10894,7 +18219,7 @@
               </p:txBody>
             </p:sp>
           </mc:Choice>
-          <mc:Fallback>
+          <mc:Fallback xmlns="">
             <p:sp>
               <p:nvSpPr>
                 <p:cNvPr id="14" name="ZoneTexte 13">
@@ -11050,8 +18375,8 @@
             </a:p>
           </p:txBody>
         </p:sp>
-        <mc:AlternateContent xmlns:mc="http://schemas.openxmlformats.org/markup-compatibility/2006">
-          <mc:Choice xmlns:a14="http://schemas.microsoft.com/office/drawing/2010/main" Requires="a14">
+        <mc:AlternateContent xmlns:mc="http://schemas.openxmlformats.org/markup-compatibility/2006" xmlns:a14="http://schemas.microsoft.com/office/drawing/2010/main">
+          <mc:Choice Requires="a14">
             <p:sp>
               <p:nvSpPr>
                 <p:cNvPr id="17" name="ZoneTexte 16">
@@ -11132,7 +18457,7 @@
               </p:txBody>
             </p:sp>
           </mc:Choice>
-          <mc:Fallback>
+          <mc:Fallback xmlns="">
             <p:sp>
               <p:nvSpPr>
                 <p:cNvPr id="17" name="ZoneTexte 16">
@@ -11593,8 +18918,8 @@
             </a:p>
           </p:txBody>
         </p:sp>
-        <mc:AlternateContent xmlns:mc="http://schemas.openxmlformats.org/markup-compatibility/2006">
-          <mc:Choice xmlns:a14="http://schemas.microsoft.com/office/drawing/2010/main" Requires="a14">
+        <mc:AlternateContent xmlns:mc="http://schemas.openxmlformats.org/markup-compatibility/2006" xmlns:a14="http://schemas.microsoft.com/office/drawing/2010/main">
+          <mc:Choice Requires="a14">
             <p:sp>
               <p:nvSpPr>
                 <p:cNvPr id="66" name="ZoneTexte 65">
@@ -11663,7 +18988,7 @@
               </p:txBody>
             </p:sp>
           </mc:Choice>
-          <mc:Fallback>
+          <mc:Fallback xmlns="">
             <p:sp>
               <p:nvSpPr>
                 <p:cNvPr id="66" name="ZoneTexte 65">
@@ -11708,8 +19033,8 @@
             </p:sp>
           </mc:Fallback>
         </mc:AlternateContent>
-        <mc:AlternateContent xmlns:mc="http://schemas.openxmlformats.org/markup-compatibility/2006">
-          <mc:Choice xmlns:a14="http://schemas.microsoft.com/office/drawing/2010/main" Requires="a14">
+        <mc:AlternateContent xmlns:mc="http://schemas.openxmlformats.org/markup-compatibility/2006" xmlns:a14="http://schemas.microsoft.com/office/drawing/2010/main">
+          <mc:Choice Requires="a14">
             <p:sp>
               <p:nvSpPr>
                 <p:cNvPr id="67" name="ZoneTexte 66">
@@ -11778,7 +19103,7 @@
               </p:txBody>
             </p:sp>
           </mc:Choice>
-          <mc:Fallback>
+          <mc:Fallback xmlns="">
             <p:sp>
               <p:nvSpPr>
                 <p:cNvPr id="67" name="ZoneTexte 66">
@@ -11823,8 +19148,8 @@
             </p:sp>
           </mc:Fallback>
         </mc:AlternateContent>
-        <mc:AlternateContent xmlns:mc="http://schemas.openxmlformats.org/markup-compatibility/2006">
-          <mc:Choice xmlns:a14="http://schemas.microsoft.com/office/drawing/2010/main" Requires="a14">
+        <mc:AlternateContent xmlns:mc="http://schemas.openxmlformats.org/markup-compatibility/2006" xmlns:a14="http://schemas.microsoft.com/office/drawing/2010/main">
+          <mc:Choice Requires="a14">
             <p:sp>
               <p:nvSpPr>
                 <p:cNvPr id="68" name="ZoneTexte 67">
@@ -11893,7 +19218,7 @@
               </p:txBody>
             </p:sp>
           </mc:Choice>
-          <mc:Fallback>
+          <mc:Fallback xmlns="">
             <p:sp>
               <p:nvSpPr>
                 <p:cNvPr id="68" name="ZoneTexte 67">
@@ -11959,7 +19284,9 @@
           <a:prstGeom prst="ellipse">
             <a:avLst/>
           </a:prstGeom>
-          <a:noFill/>
+          <a:solidFill>
+            <a:schemeClr val="bg1"/>
+          </a:solidFill>
           <a:ln w="19050">
             <a:solidFill>
               <a:schemeClr val="tx1"/>
@@ -12017,13 +19344,15 @@
         </p:nvSpPr>
         <p:spPr>
           <a:xfrm>
-            <a:off x="2238240" y="4928985"/>
+            <a:off x="2808396" y="4917110"/>
             <a:ext cx="225543" cy="225543"/>
           </a:xfrm>
           <a:prstGeom prst="ellipse">
             <a:avLst/>
           </a:prstGeom>
-          <a:noFill/>
+          <a:solidFill>
+            <a:schemeClr val="bg1"/>
+          </a:solidFill>
           <a:ln w="19050">
             <a:solidFill>
               <a:schemeClr val="accent4"/>
@@ -12294,58 +19623,10 @@
           </p:style>
         </p:cxnSp>
       </p:grpSp>
-      <p:cxnSp>
-        <p:nvCxnSpPr>
-          <p:cNvPr id="76" name="Connecteur droit 75">
-            <a:extLst>
-              <a:ext uri="{FF2B5EF4-FFF2-40B4-BE49-F238E27FC236}">
-                <a16:creationId xmlns:a16="http://schemas.microsoft.com/office/drawing/2014/main" id="{796FF1CE-9C2D-463D-86C3-D6503BF7F436}"/>
-              </a:ext>
-            </a:extLst>
-          </p:cNvPr>
-          <p:cNvCxnSpPr>
-            <a:cxnSpLocks/>
-            <a:stCxn id="70" idx="3"/>
-            <a:endCxn id="69" idx="0"/>
-          </p:cNvCxnSpPr>
-          <p:nvPr/>
-        </p:nvCxnSpPr>
-        <p:spPr>
-          <a:xfrm flipH="1">
-            <a:off x="2015450" y="5121498"/>
-            <a:ext cx="255820" cy="550863"/>
-          </a:xfrm>
-          <a:prstGeom prst="line">
-            <a:avLst/>
-          </a:prstGeom>
-          <a:noFill/>
-          <a:ln w="19050">
-            <a:solidFill>
-              <a:schemeClr val="tx1"/>
-            </a:solidFill>
-          </a:ln>
-        </p:spPr>
-        <p:style>
-          <a:lnRef idx="2">
-            <a:schemeClr val="accent1">
-              <a:shade val="50000"/>
-            </a:schemeClr>
-          </a:lnRef>
-          <a:fillRef idx="1">
-            <a:schemeClr val="accent1"/>
-          </a:fillRef>
-          <a:effectRef idx="0">
-            <a:schemeClr val="accent1"/>
-          </a:effectRef>
-          <a:fontRef idx="minor">
-            <a:schemeClr val="lt1"/>
-          </a:fontRef>
-        </p:style>
-      </p:cxnSp>
     </p:spTree>
     <p:extLst>
       <p:ext uri="{BB962C8B-B14F-4D97-AF65-F5344CB8AC3E}">
-        <p14:creationId xmlns:p14="http://schemas.microsoft.com/office/powerpoint/2010/main" val="3844948290"/>
+        <p14:creationId xmlns:p14="http://schemas.microsoft.com/office/powerpoint/2010/main" val="3266095663"/>
       </p:ext>
     </p:extLst>
   </p:cSld>

--- a/TPs/TP_01_Sympact_Statique/TP_01_Sympact_Correction.pptx
+++ b/TPs/TP_01_Sympact_Statique/TP_01_Sympact_Correction.pptx
@@ -9109,6 +9109,129 @@
               </a:p>
               <a:p>
                 <a:pPr lvl="1"/>
+                <a14:m>
+                  <m:oMath xmlns:m="http://schemas.openxmlformats.org/officeDocument/2006/math">
+                    <m:acc>
+                      <m:accPr>
+                        <m:chr m:val="⃗"/>
+                        <m:ctrlPr>
+                          <a:rPr lang="fr-FR" sz="1800" i="1" smtClean="0">
+                            <a:latin typeface="Cambria Math" panose="02040503050406030204" pitchFamily="18" charset="0"/>
+                          </a:rPr>
+                        </m:ctrlPr>
+                      </m:accPr>
+                      <m:e>
+                        <m:r>
+                          <a:rPr lang="fr-FR" sz="1800" b="0" i="1" smtClean="0">
+                            <a:latin typeface="Cambria Math" panose="02040503050406030204" pitchFamily="18" charset="0"/>
+                          </a:rPr>
+                          <m:t>𝐴</m:t>
+                        </m:r>
+                        <m:sSub>
+                          <m:sSubPr>
+                            <m:ctrlPr>
+                              <a:rPr lang="fr-FR" sz="1800" b="0" i="1" smtClean="0">
+                                <a:latin typeface="Cambria Math" panose="02040503050406030204" pitchFamily="18" charset="0"/>
+                              </a:rPr>
+                            </m:ctrlPr>
+                          </m:sSubPr>
+                          <m:e>
+                            <m:r>
+                              <a:rPr lang="fr-FR" sz="1800" b="0" i="1" smtClean="0">
+                                <a:latin typeface="Cambria Math" panose="02040503050406030204" pitchFamily="18" charset="0"/>
+                              </a:rPr>
+                              <m:t>𝐺</m:t>
+                            </m:r>
+                          </m:e>
+                          <m:sub>
+                            <m:r>
+                              <a:rPr lang="fr-FR" sz="1800" b="0" i="1" smtClean="0">
+                                <a:latin typeface="Cambria Math" panose="02040503050406030204" pitchFamily="18" charset="0"/>
+                              </a:rPr>
+                              <m:t>𝐹</m:t>
+                            </m:r>
+                          </m:sub>
+                        </m:sSub>
+                      </m:e>
+                    </m:acc>
+                    <m:r>
+                      <a:rPr lang="fr-FR" sz="1800" b="0" i="1" smtClean="0">
+                        <a:latin typeface="Cambria Math" panose="02040503050406030204" pitchFamily="18" charset="0"/>
+                      </a:rPr>
+                      <m:t>=</m:t>
+                    </m:r>
+                    <m:sSub>
+                      <m:sSubPr>
+                        <m:ctrlPr>
+                          <a:rPr lang="fr-FR" sz="1800" b="0" i="1" smtClean="0">
+                            <a:latin typeface="Cambria Math" panose="02040503050406030204" pitchFamily="18" charset="0"/>
+                          </a:rPr>
+                        </m:ctrlPr>
+                      </m:sSubPr>
+                      <m:e>
+                        <m:r>
+                          <a:rPr lang="fr-FR" sz="1800" b="0" i="1" smtClean="0">
+                            <a:latin typeface="Cambria Math" panose="02040503050406030204" pitchFamily="18" charset="0"/>
+                          </a:rPr>
+                          <m:t>𝐿</m:t>
+                        </m:r>
+                      </m:e>
+                      <m:sub>
+                        <m:r>
+                          <a:rPr lang="fr-FR" sz="1800" b="0" i="1" smtClean="0">
+                            <a:latin typeface="Cambria Math" panose="02040503050406030204" pitchFamily="18" charset="0"/>
+                          </a:rPr>
+                          <m:t>𝐹</m:t>
+                        </m:r>
+                      </m:sub>
+                    </m:sSub>
+                    <m:acc>
+                      <m:accPr>
+                        <m:chr m:val="⃗"/>
+                        <m:ctrlPr>
+                          <a:rPr lang="fr-FR" sz="1800" b="0" i="1" smtClean="0">
+                            <a:latin typeface="Cambria Math" panose="02040503050406030204" pitchFamily="18" charset="0"/>
+                          </a:rPr>
+                        </m:ctrlPr>
+                      </m:accPr>
+                      <m:e>
+                        <m:sSub>
+                          <m:sSubPr>
+                            <m:ctrlPr>
+                              <a:rPr lang="fr-FR" sz="1800" b="0" i="1" smtClean="0">
+                                <a:latin typeface="Cambria Math" panose="02040503050406030204" pitchFamily="18" charset="0"/>
+                              </a:rPr>
+                            </m:ctrlPr>
+                          </m:sSubPr>
+                          <m:e>
+                            <m:r>
+                              <a:rPr lang="fr-FR" sz="1800" b="0" i="1" smtClean="0">
+                                <a:latin typeface="Cambria Math" panose="02040503050406030204" pitchFamily="18" charset="0"/>
+                              </a:rPr>
+                              <m:t>𝑥</m:t>
+                            </m:r>
+                          </m:e>
+                          <m:sub>
+                            <m:r>
+                              <a:rPr lang="fr-FR" sz="1800" b="0" i="1" smtClean="0">
+                                <a:latin typeface="Cambria Math" panose="02040503050406030204" pitchFamily="18" charset="0"/>
+                              </a:rPr>
+                              <m:t>1</m:t>
+                            </m:r>
+                          </m:sub>
+                        </m:sSub>
+                      </m:e>
+                    </m:acc>
+                  </m:oMath>
+                </a14:m>
+                <a:endParaRPr lang="fr-FR" sz="1800" b="1" i="1" dirty="0"/>
+              </a:p>
+              <a:p>
+                <a:pPr lvl="1"/>
+                <a:endParaRPr lang="fr-FR" sz="1800" b="1" i="1" dirty="0"/>
+              </a:p>
+              <a:p>
+                <a:pPr lvl="1"/>
                 <a:endParaRPr lang="fr-FR" sz="1800" b="1" i="1" dirty="0"/>
               </a:p>
             </p:txBody>
@@ -10188,10 +10311,10 @@
         </p:nvGrpSpPr>
         <p:grpSpPr>
           <a:xfrm>
-            <a:off x="233617" y="2602498"/>
-            <a:ext cx="2370197" cy="1935154"/>
-            <a:chOff x="740286" y="3168660"/>
-            <a:chExt cx="2370197" cy="1935154"/>
+            <a:off x="233617" y="2267129"/>
+            <a:ext cx="2370197" cy="2270523"/>
+            <a:chOff x="740286" y="2833291"/>
+            <a:chExt cx="2370197" cy="2270523"/>
           </a:xfrm>
         </p:grpSpPr>
         <p:grpSp>
@@ -11574,6 +11697,121 @@
             </p:sp>
           </mc:Fallback>
         </mc:AlternateContent>
+        <mc:AlternateContent xmlns:mc="http://schemas.openxmlformats.org/markup-compatibility/2006">
+          <mc:Choice xmlns:a14="http://schemas.microsoft.com/office/drawing/2010/main" Requires="a14">
+            <p:sp>
+              <p:nvSpPr>
+                <p:cNvPr id="41" name="ZoneTexte 40">
+                  <a:extLst>
+                    <a:ext uri="{FF2B5EF4-FFF2-40B4-BE49-F238E27FC236}">
+                      <a16:creationId xmlns:a16="http://schemas.microsoft.com/office/drawing/2014/main" id="{5A46F57F-C963-933C-CB45-59BFD1A54E3A}"/>
+                    </a:ext>
+                  </a:extLst>
+                </p:cNvPr>
+                <p:cNvSpPr txBox="1"/>
+                <p:nvPr/>
+              </p:nvSpPr>
+              <p:spPr>
+                <a:xfrm>
+                  <a:off x="2881633" y="2833291"/>
+                  <a:ext cx="207749" cy="184666"/>
+                </a:xfrm>
+                <a:prstGeom prst="rect">
+                  <a:avLst/>
+                </a:prstGeom>
+                <a:noFill/>
+              </p:spPr>
+              <p:txBody>
+                <a:bodyPr wrap="none" lIns="0" tIns="0" rIns="0" bIns="0" rtlCol="0">
+                  <a:spAutoFit/>
+                </a:bodyPr>
+                <a:lstStyle/>
+                <a:p>
+                  <a:pPr/>
+                  <a14:m>
+                    <m:oMathPara xmlns:m="http://schemas.openxmlformats.org/officeDocument/2006/math">
+                      <m:oMathParaPr>
+                        <m:jc m:val="centerGroup"/>
+                      </m:oMathParaPr>
+                      <m:oMath xmlns:m="http://schemas.openxmlformats.org/officeDocument/2006/math">
+                        <m:sSub>
+                          <m:sSubPr>
+                            <m:ctrlPr>
+                              <a:rPr lang="fr-FR" sz="1200" b="0" i="1" smtClean="0">
+                                <a:latin typeface="Cambria Math" panose="02040503050406030204" pitchFamily="18" charset="0"/>
+                              </a:rPr>
+                            </m:ctrlPr>
+                          </m:sSubPr>
+                          <m:e>
+                            <m:r>
+                              <a:rPr lang="fr-FR" sz="1200" b="0" i="1" smtClean="0">
+                                <a:latin typeface="Cambria Math" panose="02040503050406030204" pitchFamily="18" charset="0"/>
+                              </a:rPr>
+                              <m:t>𝐺</m:t>
+                            </m:r>
+                          </m:e>
+                          <m:sub>
+                            <m:r>
+                              <a:rPr lang="fr-FR" sz="1200" b="0" i="1" smtClean="0">
+                                <a:latin typeface="Cambria Math" panose="02040503050406030204" pitchFamily="18" charset="0"/>
+                              </a:rPr>
+                              <m:t>𝐹</m:t>
+                            </m:r>
+                          </m:sub>
+                        </m:sSub>
+                      </m:oMath>
+                    </m:oMathPara>
+                  </a14:m>
+                  <a:endParaRPr lang="fr-FR" sz="1200" dirty="0"/>
+                </a:p>
+              </p:txBody>
+            </p:sp>
+          </mc:Choice>
+          <mc:Fallback>
+            <p:sp>
+              <p:nvSpPr>
+                <p:cNvPr id="41" name="ZoneTexte 40">
+                  <a:extLst>
+                    <a:ext uri="{FF2B5EF4-FFF2-40B4-BE49-F238E27FC236}">
+                      <a16:creationId xmlns:a16="http://schemas.microsoft.com/office/drawing/2014/main" id="{5A46F57F-C963-933C-CB45-59BFD1A54E3A}"/>
+                    </a:ext>
+                  </a:extLst>
+                </p:cNvPr>
+                <p:cNvSpPr txBox="1">
+                  <a:spLocks noRot="1" noChangeAspect="1" noMove="1" noResize="1" noEditPoints="1" noAdjustHandles="1" noChangeArrowheads="1" noChangeShapeType="1" noTextEdit="1"/>
+                </p:cNvSpPr>
+                <p:nvPr/>
+              </p:nvSpPr>
+              <p:spPr>
+                <a:xfrm>
+                  <a:off x="2881633" y="2833291"/>
+                  <a:ext cx="207749" cy="184666"/>
+                </a:xfrm>
+                <a:prstGeom prst="rect">
+                  <a:avLst/>
+                </a:prstGeom>
+                <a:blipFill>
+                  <a:blip r:embed="rId12"/>
+                  <a:stretch>
+                    <a:fillRect l="-17647" r="-2941" b="-13333"/>
+                  </a:stretch>
+                </a:blipFill>
+              </p:spPr>
+              <p:txBody>
+                <a:bodyPr/>
+                <a:lstStyle/>
+                <a:p>
+                  <a:r>
+                    <a:rPr lang="fr-FR">
+                      <a:noFill/>
+                    </a:rPr>
+                    <a:t> </a:t>
+                  </a:r>
+                </a:p>
+              </p:txBody>
+            </p:sp>
+          </mc:Fallback>
+        </mc:AlternateContent>
       </p:grpSp>
       <p:grpSp>
         <p:nvGrpSpPr>
@@ -12264,7 +12502,7 @@
                   <a:avLst/>
                 </a:prstGeom>
                 <a:blipFill>
-                  <a:blip r:embed="rId12"/>
+                  <a:blip r:embed="rId13"/>
                   <a:stretch>
                     <a:fillRect l="-2985" b="-10000"/>
                   </a:stretch>
@@ -12390,7 +12628,7 @@
                   <a:avLst/>
                 </a:prstGeom>
                 <a:blipFill>
-                  <a:blip r:embed="rId13"/>
+                  <a:blip r:embed="rId14"/>
                   <a:stretch>
                     <a:fillRect l="-34615" t="-10000" r="-5769" b="-45000"/>
                   </a:stretch>
@@ -12469,6 +12707,105 @@
           </p:txBody>
         </p:sp>
       </p:grpSp>
+      <p:sp>
+        <p:nvSpPr>
+          <p:cNvPr id="39" name="Ellipse 38">
+            <a:extLst>
+              <a:ext uri="{FF2B5EF4-FFF2-40B4-BE49-F238E27FC236}">
+                <a16:creationId xmlns:a16="http://schemas.microsoft.com/office/drawing/2014/main" id="{E66B2E62-9B63-F3D9-92A5-866104BBF5FB}"/>
+              </a:ext>
+            </a:extLst>
+          </p:cNvPr>
+          <p:cNvSpPr/>
+          <p:nvPr/>
+        </p:nvSpPr>
+        <p:spPr>
+          <a:xfrm>
+            <a:off x="2353901" y="2532720"/>
+            <a:ext cx="241874" cy="241874"/>
+          </a:xfrm>
+          <a:prstGeom prst="ellipse">
+            <a:avLst/>
+          </a:prstGeom>
+          <a:solidFill>
+            <a:schemeClr val="accent2"/>
+          </a:solidFill>
+          <a:ln w="38100">
+            <a:solidFill>
+              <a:srgbClr val="FFC000"/>
+            </a:solidFill>
+          </a:ln>
+        </p:spPr>
+        <p:style>
+          <a:lnRef idx="2">
+            <a:schemeClr val="accent1">
+              <a:shade val="50000"/>
+            </a:schemeClr>
+          </a:lnRef>
+          <a:fillRef idx="1">
+            <a:schemeClr val="accent1"/>
+          </a:fillRef>
+          <a:effectRef idx="0">
+            <a:schemeClr val="accent1"/>
+          </a:effectRef>
+          <a:fontRef idx="minor">
+            <a:schemeClr val="lt1"/>
+          </a:fontRef>
+        </p:style>
+        <p:txBody>
+          <a:bodyPr rtlCol="0" anchor="ctr"/>
+          <a:lstStyle/>
+          <a:p>
+            <a:pPr algn="ctr"/>
+            <a:endParaRPr lang="fr-FR"/>
+          </a:p>
+        </p:txBody>
+      </p:sp>
+      <p:cxnSp>
+        <p:nvCxnSpPr>
+          <p:cNvPr id="40" name="Connecteur droit avec flèche 39">
+            <a:extLst>
+              <a:ext uri="{FF2B5EF4-FFF2-40B4-BE49-F238E27FC236}">
+                <a16:creationId xmlns:a16="http://schemas.microsoft.com/office/drawing/2014/main" id="{BFAA8250-1733-E6D4-43D5-9D95D530E99F}"/>
+              </a:ext>
+            </a:extLst>
+          </p:cNvPr>
+          <p:cNvCxnSpPr>
+            <a:cxnSpLocks/>
+            <a:stCxn id="39" idx="4"/>
+          </p:cNvCxnSpPr>
+          <p:nvPr/>
+        </p:nvCxnSpPr>
+        <p:spPr>
+          <a:xfrm flipH="1">
+            <a:off x="2469396" y="2774594"/>
+            <a:ext cx="5442" cy="828085"/>
+          </a:xfrm>
+          <a:prstGeom prst="straightConnector1">
+            <a:avLst/>
+          </a:prstGeom>
+          <a:ln w="38100">
+            <a:solidFill>
+              <a:srgbClr val="C00000"/>
+            </a:solidFill>
+            <a:tailEnd type="stealth" w="med" len="lg"/>
+          </a:ln>
+        </p:spPr>
+        <p:style>
+          <a:lnRef idx="1">
+            <a:schemeClr val="accent1"/>
+          </a:lnRef>
+          <a:fillRef idx="0">
+            <a:schemeClr val="accent1"/>
+          </a:fillRef>
+          <a:effectRef idx="0">
+            <a:schemeClr val="accent1"/>
+          </a:effectRef>
+          <a:fontRef idx="minor">
+            <a:schemeClr val="tx1"/>
+          </a:fontRef>
+        </p:style>
+      </p:cxnSp>
     </p:spTree>
     <p:extLst>
       <p:ext uri="{BB962C8B-B14F-4D97-AF65-F5344CB8AC3E}">
